--- a/docs/Apresentação/Sistema_de_gestao_e_suporte_a_prestacao.pptx
+++ b/docs/Apresentação/Sistema_de_gestao_e_suporte_a_prestacao.pptx
@@ -5,18 +5,17 @@
     <p:sldMasterId id="2147483748" r:id="rId1"/>
   </p:sldMasterIdLst>
   <p:sldIdLst>
-    <p:sldId id="256" r:id="rId2"/>
-    <p:sldId id="259" r:id="rId3"/>
-    <p:sldId id="260" r:id="rId4"/>
-    <p:sldId id="257" r:id="rId5"/>
-    <p:sldId id="263" r:id="rId6"/>
-    <p:sldId id="258" r:id="rId7"/>
-    <p:sldId id="264" r:id="rId8"/>
-    <p:sldId id="266" r:id="rId9"/>
-    <p:sldId id="265" r:id="rId10"/>
-    <p:sldId id="267" r:id="rId11"/>
-    <p:sldId id="261" r:id="rId12"/>
-    <p:sldId id="262" r:id="rId13"/>
+    <p:sldId id="260" r:id="rId2"/>
+    <p:sldId id="257" r:id="rId3"/>
+    <p:sldId id="263" r:id="rId4"/>
+    <p:sldId id="258" r:id="rId5"/>
+    <p:sldId id="264" r:id="rId6"/>
+    <p:sldId id="266" r:id="rId7"/>
+    <p:sldId id="265" r:id="rId8"/>
+    <p:sldId id="267" r:id="rId9"/>
+    <p:sldId id="268" r:id="rId10"/>
+    <p:sldId id="261" r:id="rId11"/>
+    <p:sldId id="262" r:id="rId12"/>
   </p:sldIdLst>
   <p:sldSz cx="12192000" cy="6858000"/>
   <p:notesSz cx="6858000" cy="9144000"/>
@@ -16263,7 +16262,7 @@
           <a:p>
             <a:fld id="{02AC24A9-CCB6-4F8D-B8DB-C2F3692CFA5A}" type="datetimeFigureOut">
               <a:rPr lang="en-US" smtClean="0"/>
-              <a:t>6/3/2021</a:t>
+              <a:t>6/14/2021</a:t>
             </a:fld>
             <a:endParaRPr lang="en-US" dirty="0"/>
           </a:p>
@@ -16633,7 +16632,7 @@
           <a:p>
             <a:fld id="{02AC24A9-CCB6-4F8D-B8DB-C2F3692CFA5A}" type="datetimeFigureOut">
               <a:rPr lang="en-US" smtClean="0"/>
-              <a:t>6/3/2021</a:t>
+              <a:t>6/14/2021</a:t>
             </a:fld>
             <a:endParaRPr lang="en-US"/>
           </a:p>
@@ -16842,7 +16841,7 @@
           <a:p>
             <a:fld id="{02AC24A9-CCB6-4F8D-B8DB-C2F3692CFA5A}" type="datetimeFigureOut">
               <a:rPr lang="en-US" smtClean="0"/>
-              <a:t>6/3/2021</a:t>
+              <a:t>6/14/2021</a:t>
             </a:fld>
             <a:endParaRPr lang="en-US"/>
           </a:p>
@@ -17312,7 +17311,7 @@
           <a:p>
             <a:fld id="{02AC24A9-CCB6-4F8D-B8DB-C2F3692CFA5A}" type="datetimeFigureOut">
               <a:rPr lang="en-US" smtClean="0"/>
-              <a:t>6/3/2021</a:t>
+              <a:t>6/14/2021</a:t>
             </a:fld>
             <a:endParaRPr lang="en-US"/>
           </a:p>
@@ -17766,7 +17765,7 @@
           <a:p>
             <a:fld id="{02AC24A9-CCB6-4F8D-B8DB-C2F3692CFA5A}" type="datetimeFigureOut">
               <a:rPr lang="en-US" smtClean="0"/>
-              <a:t>6/3/2021</a:t>
+              <a:t>6/14/2021</a:t>
             </a:fld>
             <a:endParaRPr lang="en-US"/>
           </a:p>
@@ -18298,7 +18297,7 @@
           <a:p>
             <a:fld id="{02AC24A9-CCB6-4F8D-B8DB-C2F3692CFA5A}" type="datetimeFigureOut">
               <a:rPr lang="en-US" smtClean="0"/>
-              <a:t>6/3/2021</a:t>
+              <a:t>6/14/2021</a:t>
             </a:fld>
             <a:endParaRPr lang="en-US"/>
           </a:p>
@@ -18997,7 +18996,7 @@
           <a:p>
             <a:fld id="{02AC24A9-CCB6-4F8D-B8DB-C2F3692CFA5A}" type="datetimeFigureOut">
               <a:rPr lang="en-US" smtClean="0"/>
-              <a:t>6/3/2021</a:t>
+              <a:t>6/14/2021</a:t>
             </a:fld>
             <a:endParaRPr lang="en-US"/>
           </a:p>
@@ -19326,7 +19325,7 @@
           <a:p>
             <a:fld id="{02AC24A9-CCB6-4F8D-B8DB-C2F3692CFA5A}" type="datetimeFigureOut">
               <a:rPr lang="en-US" smtClean="0"/>
-              <a:t>6/3/2021</a:t>
+              <a:t>6/14/2021</a:t>
             </a:fld>
             <a:endParaRPr lang="en-US"/>
           </a:p>
@@ -19439,7 +19438,7 @@
           <a:p>
             <a:fld id="{02AC24A9-CCB6-4F8D-B8DB-C2F3692CFA5A}" type="datetimeFigureOut">
               <a:rPr lang="en-US" smtClean="0"/>
-              <a:t>6/3/2021</a:t>
+              <a:t>6/14/2021</a:t>
             </a:fld>
             <a:endParaRPr lang="en-US"/>
           </a:p>
@@ -19934,7 +19933,7 @@
           <a:p>
             <a:fld id="{02AC24A9-CCB6-4F8D-B8DB-C2F3692CFA5A}" type="datetimeFigureOut">
               <a:rPr lang="en-US" smtClean="0"/>
-              <a:t>6/3/2021</a:t>
+              <a:t>6/14/2021</a:t>
             </a:fld>
             <a:endParaRPr lang="en-US" dirty="0"/>
           </a:p>
@@ -20411,7 +20410,7 @@
           <a:p>
             <a:fld id="{02AC24A9-CCB6-4F8D-B8DB-C2F3692CFA5A}" type="datetimeFigureOut">
               <a:rPr lang="en-US" smtClean="0"/>
-              <a:t>6/3/2021</a:t>
+              <a:t>6/14/2021</a:t>
             </a:fld>
             <a:endParaRPr lang="en-US"/>
           </a:p>
@@ -20654,7 +20653,7 @@
           <a:p>
             <a:fld id="{02AC24A9-CCB6-4F8D-B8DB-C2F3692CFA5A}" type="datetimeFigureOut">
               <a:rPr lang="en-US" smtClean="0"/>
-              <a:t>6/3/2021</a:t>
+              <a:t>6/14/2021</a:t>
             </a:fld>
             <a:endParaRPr lang="en-US"/>
           </a:p>
@@ -21055,4461 +21054,6 @@
 </file>
 
 <file path=ppt/slides/slide1.xml><?xml version="1.0" encoding="utf-8"?>
-<p:sld xmlns:a="http://schemas.openxmlformats.org/drawingml/2006/main" xmlns:r="http://schemas.openxmlformats.org/officeDocument/2006/relationships" xmlns:p="http://schemas.openxmlformats.org/presentationml/2006/main">
-  <p:cSld>
-    <p:bg>
-      <p:bgPr>
-        <a:solidFill>
-          <a:schemeClr val="bg1"/>
-        </a:solidFill>
-        <a:effectLst/>
-      </p:bgPr>
-    </p:bg>
-    <p:spTree>
-      <p:nvGrpSpPr>
-        <p:cNvPr id="1" name=""/>
-        <p:cNvGrpSpPr/>
-        <p:nvPr/>
-      </p:nvGrpSpPr>
-      <p:grpSpPr>
-        <a:xfrm>
-          <a:off x="0" y="0"/>
-          <a:ext cx="0" cy="0"/>
-          <a:chOff x="0" y="0"/>
-          <a:chExt cx="0" cy="0"/>
-        </a:xfrm>
-      </p:grpSpPr>
-      <p:sp useBgFill="1">
-        <p:nvSpPr>
-          <p:cNvPr id="26" name="Rectangle 25">
-            <a:extLst>
-              <a:ext uri="{FF2B5EF4-FFF2-40B4-BE49-F238E27FC236}">
-                <a16:creationId xmlns:a16="http://schemas.microsoft.com/office/drawing/2014/main" id="{E91DC736-0EF8-4F87-9146-EBF1D2EE4D3D}"/>
-              </a:ext>
-              <a:ext uri="{C183D7F6-B498-43B3-948B-1728B52AA6E4}">
-                <adec:decorative xmlns:adec="http://schemas.microsoft.com/office/drawing/2017/decorative" val="1"/>
-              </a:ext>
-            </a:extLst>
-          </p:cNvPr>
-          <p:cNvSpPr>
-            <a:spLocks noGrp="1" noRot="1" noChangeAspect="1" noMove="1" noResize="1" noEditPoints="1" noAdjustHandles="1" noChangeArrowheads="1" noChangeShapeType="1" noTextEdit="1"/>
-          </p:cNvSpPr>
-          <p:nvPr>
-            <p:extLst>
-              <p:ext uri="{386F3935-93C4-4BCD-93E2-E3B085C9AB24}">
-                <p16:designElem xmlns:p16="http://schemas.microsoft.com/office/powerpoint/2015/main" val="1"/>
-              </p:ext>
-            </p:extLst>
-          </p:nvPr>
-        </p:nvSpPr>
-        <p:spPr>
-          <a:xfrm>
-            <a:off x="0" y="0"/>
-            <a:ext cx="12192000" cy="6858000"/>
-          </a:xfrm>
-          <a:prstGeom prst="rect">
-            <a:avLst/>
-          </a:prstGeom>
-          <a:ln>
-            <a:noFill/>
-          </a:ln>
-        </p:spPr>
-        <p:style>
-          <a:lnRef idx="2">
-            <a:schemeClr val="accent1">
-              <a:shade val="50000"/>
-            </a:schemeClr>
-          </a:lnRef>
-          <a:fillRef idx="1">
-            <a:schemeClr val="accent1"/>
-          </a:fillRef>
-          <a:effectRef idx="0">
-            <a:schemeClr val="accent1"/>
-          </a:effectRef>
-          <a:fontRef idx="minor">
-            <a:schemeClr val="lt1"/>
-          </a:fontRef>
-        </p:style>
-        <p:txBody>
-          <a:bodyPr rtlCol="0" anchor="ctr"/>
-          <a:lstStyle/>
-          <a:p>
-            <a:pPr algn="ctr"/>
-            <a:endParaRPr lang="en-US"/>
-          </a:p>
-        </p:txBody>
-      </p:sp>
-      <p:pic>
-        <p:nvPicPr>
-          <p:cNvPr id="4" name="Picture 3" descr="Uma imagem com desfocagem&#10;&#10;Descrição gerada automaticamente">
-            <a:extLst>
-              <a:ext uri="{FF2B5EF4-FFF2-40B4-BE49-F238E27FC236}">
-                <a16:creationId xmlns:a16="http://schemas.microsoft.com/office/drawing/2014/main" id="{60AF0A77-EBF2-4F9D-AD68-8E142809DD93}"/>
-              </a:ext>
-            </a:extLst>
-          </p:cNvPr>
-          <p:cNvPicPr>
-            <a:picLocks noChangeAspect="1"/>
-          </p:cNvPicPr>
-          <p:nvPr/>
-        </p:nvPicPr>
-        <p:blipFill rotWithShape="1">
-          <a:blip r:embed="rId2"/>
-          <a:srcRect l="6214" r="12257" b="-1"/>
-          <a:stretch/>
-        </p:blipFill>
-        <p:spPr>
-          <a:xfrm>
-            <a:off x="3523488" y="10"/>
-            <a:ext cx="8668512" cy="6857990"/>
-          </a:xfrm>
-          <a:prstGeom prst="rect">
-            <a:avLst/>
-          </a:prstGeom>
-        </p:spPr>
-      </p:pic>
-      <p:sp>
-        <p:nvSpPr>
-          <p:cNvPr id="28" name="Rectangle 27">
-            <a:extLst>
-              <a:ext uri="{FF2B5EF4-FFF2-40B4-BE49-F238E27FC236}">
-                <a16:creationId xmlns:a16="http://schemas.microsoft.com/office/drawing/2014/main" id="{097CD68E-23E3-4007-8847-CD0944C4F7BE}"/>
-              </a:ext>
-              <a:ext uri="{C183D7F6-B498-43B3-948B-1728B52AA6E4}">
-                <adec:decorative xmlns:adec="http://schemas.microsoft.com/office/drawing/2017/decorative" val="1"/>
-              </a:ext>
-            </a:extLst>
-          </p:cNvPr>
-          <p:cNvSpPr>
-            <a:spLocks noGrp="1" noRot="1" noChangeAspect="1" noMove="1" noResize="1" noEditPoints="1" noAdjustHandles="1" noChangeArrowheads="1" noChangeShapeType="1" noTextEdit="1"/>
-          </p:cNvSpPr>
-          <p:nvPr>
-            <p:extLst>
-              <p:ext uri="{386F3935-93C4-4BCD-93E2-E3B085C9AB24}">
-                <p16:designElem xmlns:p16="http://schemas.microsoft.com/office/powerpoint/2015/main" val="1"/>
-              </p:ext>
-            </p:extLst>
-          </p:nvPr>
-        </p:nvSpPr>
-        <p:spPr>
-          <a:xfrm>
-            <a:off x="0" y="0"/>
-            <a:ext cx="9756601" cy="6858000"/>
-          </a:xfrm>
-          <a:prstGeom prst="rect">
-            <a:avLst/>
-          </a:prstGeom>
-          <a:gradFill>
-            <a:gsLst>
-              <a:gs pos="58000">
-                <a:schemeClr val="bg1"/>
-              </a:gs>
-              <a:gs pos="35000">
-                <a:schemeClr val="bg1">
-                  <a:alpha val="79000"/>
-                </a:schemeClr>
-              </a:gs>
-              <a:gs pos="19000">
-                <a:schemeClr val="bg1">
-                  <a:alpha val="38000"/>
-                </a:schemeClr>
-              </a:gs>
-              <a:gs pos="0">
-                <a:schemeClr val="bg1">
-                  <a:alpha val="0"/>
-                </a:schemeClr>
-              </a:gs>
-              <a:gs pos="100000">
-                <a:schemeClr val="bg1"/>
-              </a:gs>
-            </a:gsLst>
-            <a:lin ang="10800000" scaled="0"/>
-          </a:gradFill>
-          <a:ln>
-            <a:noFill/>
-          </a:ln>
-        </p:spPr>
-        <p:style>
-          <a:lnRef idx="2">
-            <a:schemeClr val="accent1">
-              <a:shade val="50000"/>
-            </a:schemeClr>
-          </a:lnRef>
-          <a:fillRef idx="1">
-            <a:schemeClr val="accent1"/>
-          </a:fillRef>
-          <a:effectRef idx="0">
-            <a:schemeClr val="accent1"/>
-          </a:effectRef>
-          <a:fontRef idx="minor">
-            <a:schemeClr val="lt1"/>
-          </a:fontRef>
-        </p:style>
-        <p:txBody>
-          <a:bodyPr rtlCol="0" anchor="ctr"/>
-          <a:lstStyle/>
-          <a:p>
-            <a:pPr algn="ctr"/>
-            <a:endParaRPr lang="en-US" dirty="0"/>
-          </a:p>
-        </p:txBody>
-      </p:sp>
-      <p:sp>
-        <p:nvSpPr>
-          <p:cNvPr id="2" name="Título 1">
-            <a:extLst>
-              <a:ext uri="{FF2B5EF4-FFF2-40B4-BE49-F238E27FC236}">
-                <a16:creationId xmlns:a16="http://schemas.microsoft.com/office/drawing/2014/main" id="{99FAFBA9-AE1F-4D3E-86FC-624B243341C4}"/>
-              </a:ext>
-            </a:extLst>
-          </p:cNvPr>
-          <p:cNvSpPr>
-            <a:spLocks noGrp="1"/>
-          </p:cNvSpPr>
-          <p:nvPr>
-            <p:ph type="ctrTitle"/>
-          </p:nvPr>
-        </p:nvSpPr>
-        <p:spPr>
-          <a:xfrm>
-            <a:off x="813260" y="1417003"/>
-            <a:ext cx="9649245" cy="1005836"/>
-          </a:xfrm>
-        </p:spPr>
-        <p:txBody>
-          <a:bodyPr anchor="b">
-            <a:normAutofit/>
-          </a:bodyPr>
-          <a:lstStyle/>
-          <a:p>
-            <a:r>
-              <a:rPr kumimoji="0" lang="pt-PT" sz="3200" b="1" i="0" u="none" strike="noStrike" kern="1200" cap="none" spc="0" normalizeH="0" baseline="0" noProof="0" dirty="0">
-                <a:ln>
-                  <a:noFill/>
-                </a:ln>
-                <a:effectLst/>
-                <a:uLnTx/>
-                <a:uFillTx/>
-                <a:latin typeface="Verdana" panose="020B0604030504040204" pitchFamily="34" charset="0"/>
-                <a:ea typeface="Verdana" panose="020B0604030504040204" pitchFamily="34" charset="0"/>
-              </a:rPr>
-              <a:t>Sistema de gestão e suporte à prestação</a:t>
-            </a:r>
-            <a:br>
-              <a:rPr kumimoji="0" lang="pt-PT" sz="3200" b="1" i="0" u="none" strike="noStrike" kern="1200" cap="none" spc="0" normalizeH="0" baseline="0" noProof="0" dirty="0">
-                <a:ln>
-                  <a:noFill/>
-                </a:ln>
-                <a:effectLst/>
-                <a:uLnTx/>
-                <a:uFillTx/>
-                <a:latin typeface="Verdana" panose="020B0604030504040204" pitchFamily="34" charset="0"/>
-                <a:ea typeface="Verdana" panose="020B0604030504040204" pitchFamily="34" charset="0"/>
-              </a:rPr>
-            </a:br>
-            <a:r>
-              <a:rPr kumimoji="0" lang="pt-PT" sz="3200" b="1" i="0" u="none" strike="noStrike" kern="1200" cap="none" spc="0" normalizeH="0" baseline="0" noProof="0" dirty="0">
-                <a:ln>
-                  <a:noFill/>
-                </a:ln>
-                <a:effectLst/>
-                <a:uLnTx/>
-                <a:uFillTx/>
-                <a:latin typeface="Verdana" panose="020B0604030504040204" pitchFamily="34" charset="0"/>
-                <a:ea typeface="Verdana" panose="020B0604030504040204" pitchFamily="34" charset="0"/>
-              </a:rPr>
-              <a:t>de serviços e resolução de problemas</a:t>
-            </a:r>
-            <a:endParaRPr lang="pt-PT" sz="3200" b="1" dirty="0">
-              <a:latin typeface="Verdana" panose="020B0604030504040204" pitchFamily="34" charset="0"/>
-              <a:ea typeface="Verdana" panose="020B0604030504040204" pitchFamily="34" charset="0"/>
-            </a:endParaRPr>
-          </a:p>
-        </p:txBody>
-      </p:sp>
-      <p:sp>
-        <p:nvSpPr>
-          <p:cNvPr id="3" name="Subtítulo 2">
-            <a:extLst>
-              <a:ext uri="{FF2B5EF4-FFF2-40B4-BE49-F238E27FC236}">
-                <a16:creationId xmlns:a16="http://schemas.microsoft.com/office/drawing/2014/main" id="{A403FB94-1409-4FBF-A2ED-237E73D40716}"/>
-              </a:ext>
-            </a:extLst>
-          </p:cNvPr>
-          <p:cNvSpPr>
-            <a:spLocks noGrp="1"/>
-          </p:cNvSpPr>
-          <p:nvPr>
-            <p:ph type="subTitle" idx="1"/>
-          </p:nvPr>
-        </p:nvSpPr>
-        <p:spPr>
-          <a:xfrm>
-            <a:off x="833073" y="2585808"/>
-            <a:ext cx="7712291" cy="600164"/>
-          </a:xfrm>
-        </p:spPr>
-        <p:txBody>
-          <a:bodyPr>
-            <a:normAutofit fontScale="55000" lnSpcReduction="20000"/>
-          </a:bodyPr>
-          <a:lstStyle/>
-          <a:p>
-            <a:pPr>
-              <a:lnSpc>
-                <a:spcPct val="100000"/>
-              </a:lnSpc>
-            </a:pPr>
-            <a:r>
-              <a:rPr lang="pt-PT" sz="3200" cap="small" dirty="0">
-                <a:latin typeface="Verdana" panose="020B0604030504040204" pitchFamily="34" charset="0"/>
-                <a:ea typeface="Verdana" panose="020B0604030504040204" pitchFamily="34" charset="0"/>
-              </a:rPr>
-              <a:t>Apresentação do Sprint D do Projeto Integrador do 4º Semestre</a:t>
-            </a:r>
-            <a:br>
-              <a:rPr lang="pt-PT" sz="1700" cap="small" dirty="0">
-                <a:latin typeface="Verdana" panose="020B0604030504040204" pitchFamily="34" charset="0"/>
-                <a:ea typeface="Verdana" panose="020B0604030504040204" pitchFamily="34" charset="0"/>
-              </a:rPr>
-            </a:br>
-            <a:r>
-              <a:rPr lang="pt-PT" sz="2500" cap="small" dirty="0">
-                <a:latin typeface="Verdana" panose="020B0604030504040204" pitchFamily="34" charset="0"/>
-                <a:ea typeface="Verdana" panose="020B0604030504040204" pitchFamily="34" charset="0"/>
-              </a:rPr>
-              <a:t>Licenciatura em Engenharia Informática</a:t>
-            </a:r>
-            <a:endParaRPr lang="pt-PT" sz="1700" dirty="0">
-              <a:latin typeface="Verdana" panose="020B0604030504040204" pitchFamily="34" charset="0"/>
-              <a:ea typeface="Verdana" panose="020B0604030504040204" pitchFamily="34" charset="0"/>
-            </a:endParaRPr>
-          </a:p>
-        </p:txBody>
-      </p:sp>
-      <p:sp>
-        <p:nvSpPr>
-          <p:cNvPr id="30" name="Rectangle 29">
-            <a:extLst>
-              <a:ext uri="{FF2B5EF4-FFF2-40B4-BE49-F238E27FC236}">
-                <a16:creationId xmlns:a16="http://schemas.microsoft.com/office/drawing/2014/main" id="{AF2F604E-43BE-4DC3-B983-E071523364F8}"/>
-              </a:ext>
-              <a:ext uri="{C183D7F6-B498-43B3-948B-1728B52AA6E4}">
-                <adec:decorative xmlns:adec="http://schemas.microsoft.com/office/drawing/2017/decorative" val="1"/>
-              </a:ext>
-            </a:extLst>
-          </p:cNvPr>
-          <p:cNvSpPr>
-            <a:spLocks noGrp="1" noRot="1" noChangeAspect="1" noMove="1" noResize="1" noEditPoints="1" noAdjustHandles="1" noChangeArrowheads="1" noChangeShapeType="1" noTextEdit="1"/>
-          </p:cNvSpPr>
-          <p:nvPr>
-            <p:extLst>
-              <p:ext uri="{386F3935-93C4-4BCD-93E2-E3B085C9AB24}">
-                <p16:designElem xmlns:p16="http://schemas.microsoft.com/office/powerpoint/2015/main" val="1"/>
-              </p:ext>
-            </p:extLst>
-          </p:nvPr>
-        </p:nvSpPr>
-        <p:spPr>
-          <a:xfrm rot="5400000">
-            <a:off x="759921" y="346791"/>
-            <a:ext cx="146304" cy="704088"/>
-          </a:xfrm>
-          <a:prstGeom prst="rect">
-            <a:avLst/>
-          </a:prstGeom>
-          <a:solidFill>
-            <a:schemeClr val="accent1"/>
-          </a:solidFill>
-          <a:ln>
-            <a:noFill/>
-          </a:ln>
-        </p:spPr>
-        <p:style>
-          <a:lnRef idx="2">
-            <a:schemeClr val="accent1">
-              <a:shade val="50000"/>
-            </a:schemeClr>
-          </a:lnRef>
-          <a:fillRef idx="1">
-            <a:schemeClr val="accent1"/>
-          </a:fillRef>
-          <a:effectRef idx="0">
-            <a:schemeClr val="accent1"/>
-          </a:effectRef>
-          <a:fontRef idx="minor">
-            <a:schemeClr val="lt1"/>
-          </a:fontRef>
-        </p:style>
-        <p:txBody>
-          <a:bodyPr rtlCol="0" anchor="ctr"/>
-          <a:lstStyle/>
-          <a:p>
-            <a:pPr marL="0" marR="0" lvl="0" indent="0" algn="ctr" defTabSz="914400" rtl="0" eaLnBrk="1" fontAlgn="auto" latinLnBrk="0" hangingPunct="1">
-              <a:lnSpc>
-                <a:spcPct val="100000"/>
-              </a:lnSpc>
-              <a:spcBef>
-                <a:spcPts val="0"/>
-              </a:spcBef>
-              <a:spcAft>
-                <a:spcPts val="0"/>
-              </a:spcAft>
-              <a:buClrTx/>
-              <a:buSzTx/>
-              <a:buFontTx/>
-              <a:buNone/>
-              <a:tabLst/>
-              <a:defRPr/>
-            </a:pPr>
-            <a:endParaRPr kumimoji="0" lang="en-US" sz="1800" b="0" i="0" u="none" strike="noStrike" kern="1200" cap="none" spc="0" normalizeH="0" baseline="0" noProof="0">
-              <a:ln>
-                <a:noFill/>
-              </a:ln>
-              <a:solidFill>
-                <a:prstClr val="white"/>
-              </a:solidFill>
-              <a:effectLst/>
-              <a:uLnTx/>
-              <a:uFillTx/>
-              <a:latin typeface="Calibri" panose="020F0502020204030204"/>
-              <a:ea typeface="+mn-ea"/>
-              <a:cs typeface="+mn-cs"/>
-            </a:endParaRPr>
-          </a:p>
-        </p:txBody>
-      </p:sp>
-      <p:sp>
-        <p:nvSpPr>
-          <p:cNvPr id="32" name="Rectangle 31">
-            <a:extLst>
-              <a:ext uri="{FF2B5EF4-FFF2-40B4-BE49-F238E27FC236}">
-                <a16:creationId xmlns:a16="http://schemas.microsoft.com/office/drawing/2014/main" id="{08C9B587-E65E-4B52-B37C-ABEBB6E87928}"/>
-              </a:ext>
-              <a:ext uri="{C183D7F6-B498-43B3-948B-1728B52AA6E4}">
-                <adec:decorative xmlns:adec="http://schemas.microsoft.com/office/drawing/2017/decorative" val="1"/>
-              </a:ext>
-            </a:extLst>
-          </p:cNvPr>
-          <p:cNvSpPr>
-            <a:spLocks noGrp="1" noRot="1" noChangeAspect="1" noMove="1" noResize="1" noEditPoints="1" noAdjustHandles="1" noChangeArrowheads="1" noChangeShapeType="1" noTextEdit="1"/>
-          </p:cNvSpPr>
-          <p:nvPr>
-            <p:extLst>
-              <p:ext uri="{386F3935-93C4-4BCD-93E2-E3B085C9AB24}">
-                <p16:designElem xmlns:p16="http://schemas.microsoft.com/office/powerpoint/2015/main" val="1"/>
-              </p:ext>
-            </p:extLst>
-          </p:nvPr>
-        </p:nvSpPr>
-        <p:spPr>
-          <a:xfrm>
-            <a:off x="481029" y="4546920"/>
-            <a:ext cx="3977640" cy="18288"/>
-          </a:xfrm>
-          <a:prstGeom prst="rect">
-            <a:avLst/>
-          </a:prstGeom>
-          <a:solidFill>
-            <a:schemeClr val="tx2">
-              <a:lumMod val="25000"/>
-              <a:lumOff val="75000"/>
-            </a:schemeClr>
-          </a:solidFill>
-          <a:ln w="3175">
-            <a:solidFill>
-              <a:schemeClr val="tx2">
-                <a:lumMod val="25000"/>
-                <a:lumOff val="75000"/>
-              </a:schemeClr>
-            </a:solidFill>
-          </a:ln>
-          <a:effectLst/>
-        </p:spPr>
-        <p:style>
-          <a:lnRef idx="2">
-            <a:schemeClr val="accent1">
-              <a:shade val="50000"/>
-            </a:schemeClr>
-          </a:lnRef>
-          <a:fillRef idx="1">
-            <a:schemeClr val="accent1"/>
-          </a:fillRef>
-          <a:effectRef idx="0">
-            <a:schemeClr val="accent1"/>
-          </a:effectRef>
-          <a:fontRef idx="minor">
-            <a:schemeClr val="lt1"/>
-          </a:fontRef>
-        </p:style>
-        <p:txBody>
-          <a:bodyPr rtlCol="0" anchor="ctr"/>
-          <a:lstStyle/>
-          <a:p>
-            <a:pPr marL="0" marR="0" lvl="0" indent="0" algn="ctr" defTabSz="914400" rtl="0" eaLnBrk="1" fontAlgn="auto" latinLnBrk="0" hangingPunct="1">
-              <a:lnSpc>
-                <a:spcPct val="100000"/>
-              </a:lnSpc>
-              <a:spcBef>
-                <a:spcPts val="0"/>
-              </a:spcBef>
-              <a:spcAft>
-                <a:spcPts val="0"/>
-              </a:spcAft>
-              <a:buClrTx/>
-              <a:buSzTx/>
-              <a:buFontTx/>
-              <a:buNone/>
-              <a:tabLst/>
-              <a:defRPr/>
-            </a:pPr>
-            <a:endParaRPr kumimoji="0" lang="en-US" sz="1800" b="0" i="0" u="none" strike="noStrike" kern="1200" cap="none" spc="0" normalizeH="0" baseline="0" noProof="0">
-              <a:ln>
-                <a:noFill/>
-              </a:ln>
-              <a:solidFill>
-                <a:prstClr val="white"/>
-              </a:solidFill>
-              <a:effectLst/>
-              <a:uLnTx/>
-              <a:uFillTx/>
-              <a:latin typeface="Calibri" panose="020F0502020204030204"/>
-              <a:ea typeface="+mn-ea"/>
-              <a:cs typeface="+mn-cs"/>
-            </a:endParaRPr>
-          </a:p>
-        </p:txBody>
-      </p:sp>
-      <p:sp>
-        <p:nvSpPr>
-          <p:cNvPr id="8" name="CaixaDeTexto 7">
-            <a:extLst>
-              <a:ext uri="{FF2B5EF4-FFF2-40B4-BE49-F238E27FC236}">
-                <a16:creationId xmlns:a16="http://schemas.microsoft.com/office/drawing/2014/main" id="{8EE7BB73-FFE3-47FB-890F-A84F1EDC39F9}"/>
-              </a:ext>
-            </a:extLst>
-          </p:cNvPr>
-          <p:cNvSpPr txBox="1"/>
-          <p:nvPr/>
-        </p:nvSpPr>
-        <p:spPr>
-          <a:xfrm>
-            <a:off x="813260" y="4254456"/>
-            <a:ext cx="4556750" cy="2046714"/>
-          </a:xfrm>
-          <a:prstGeom prst="rect">
-            <a:avLst/>
-          </a:prstGeom>
-          <a:noFill/>
-        </p:spPr>
-        <p:txBody>
-          <a:bodyPr wrap="square" rtlCol="0">
-            <a:spAutoFit/>
-          </a:bodyPr>
-          <a:lstStyle/>
-          <a:p>
-            <a:r>
-              <a:rPr lang="pt-PT" sz="1400" dirty="0">
-                <a:latin typeface="Verdana" panose="020B0604030504040204" pitchFamily="34" charset="0"/>
-                <a:ea typeface="Verdana" panose="020B0604030504040204" pitchFamily="34" charset="0"/>
-              </a:rPr>
-              <a:t>Turma 2DI Grupo 4</a:t>
-            </a:r>
-            <a:endParaRPr lang="pt-PT" sz="1600" dirty="0">
-              <a:latin typeface="Verdana" panose="020B0604030504040204" pitchFamily="34" charset="0"/>
-              <a:ea typeface="Verdana" panose="020B0604030504040204" pitchFamily="34" charset="0"/>
-            </a:endParaRPr>
-          </a:p>
-          <a:p>
-            <a:endParaRPr lang="pt-PT" sz="1400" b="1" u="sng" dirty="0">
-              <a:latin typeface="Verdana" panose="020B0604030504040204" pitchFamily="34" charset="0"/>
-              <a:ea typeface="Verdana" panose="020B0604030504040204" pitchFamily="34" charset="0"/>
-            </a:endParaRPr>
-          </a:p>
-          <a:p>
-            <a:pPr>
-              <a:spcAft>
-                <a:spcPts val="600"/>
-              </a:spcAft>
-            </a:pPr>
-            <a:r>
-              <a:rPr lang="pt-PT" sz="1400" b="1" u="sng" dirty="0">
-                <a:latin typeface="Verdana" panose="020B0604030504040204" pitchFamily="34" charset="0"/>
-                <a:ea typeface="Verdana" panose="020B0604030504040204" pitchFamily="34" charset="0"/>
-              </a:rPr>
-              <a:t>Equipa:</a:t>
-            </a:r>
-          </a:p>
-          <a:p>
-            <a:pPr>
-              <a:spcAft>
-                <a:spcPts val="600"/>
-              </a:spcAft>
-            </a:pPr>
-            <a:r>
-              <a:rPr lang="pt-PT" sz="1200" dirty="0">
-                <a:latin typeface="Verdana" panose="020B0604030504040204" pitchFamily="34" charset="0"/>
-                <a:ea typeface="Verdana" panose="020B0604030504040204" pitchFamily="34" charset="0"/>
-              </a:rPr>
-              <a:t>1190429 - Beatriz Vaz</a:t>
-            </a:r>
-          </a:p>
-          <a:p>
-            <a:pPr>
-              <a:spcAft>
-                <a:spcPts val="600"/>
-              </a:spcAft>
-            </a:pPr>
-            <a:r>
-              <a:rPr lang="pt-PT" sz="1200" dirty="0">
-                <a:latin typeface="Verdana" panose="020B0604030504040204" pitchFamily="34" charset="0"/>
-                <a:ea typeface="Verdana" panose="020B0604030504040204" pitchFamily="34" charset="0"/>
-              </a:rPr>
-              <a:t>1190769 - José Oliveira</a:t>
-            </a:r>
-          </a:p>
-          <a:p>
-            <a:pPr>
-              <a:spcAft>
-                <a:spcPts val="600"/>
-              </a:spcAft>
-            </a:pPr>
-            <a:r>
-              <a:rPr lang="pt-PT" sz="1200" dirty="0">
-                <a:latin typeface="Verdana" panose="020B0604030504040204" pitchFamily="34" charset="0"/>
-                <a:ea typeface="Verdana" panose="020B0604030504040204" pitchFamily="34" charset="0"/>
-              </a:rPr>
-              <a:t>1190974 - Pedro Lemos</a:t>
-            </a:r>
-          </a:p>
-          <a:p>
-            <a:pPr>
-              <a:spcAft>
-                <a:spcPts val="600"/>
-              </a:spcAft>
-            </a:pPr>
-            <a:r>
-              <a:rPr lang="pt-PT" sz="1200" dirty="0">
-                <a:latin typeface="Verdana" panose="020B0604030504040204" pitchFamily="34" charset="0"/>
-                <a:ea typeface="Verdana" panose="020B0604030504040204" pitchFamily="34" charset="0"/>
-              </a:rPr>
-              <a:t>1190800 - Leandro Sousa</a:t>
-            </a:r>
-          </a:p>
-          <a:p>
-            <a:pPr>
-              <a:spcAft>
-                <a:spcPts val="600"/>
-              </a:spcAft>
-            </a:pPr>
-            <a:r>
-              <a:rPr lang="pt-PT" sz="1200" dirty="0">
-                <a:latin typeface="Verdana" panose="020B0604030504040204" pitchFamily="34" charset="0"/>
-                <a:ea typeface="Verdana" panose="020B0604030504040204" pitchFamily="34" charset="0"/>
-              </a:rPr>
-              <a:t>1191098 - Tiago Pinto</a:t>
-            </a:r>
-          </a:p>
-        </p:txBody>
-      </p:sp>
-      <p:sp>
-        <p:nvSpPr>
-          <p:cNvPr id="10" name="CaixaDeTexto 9">
-            <a:extLst>
-              <a:ext uri="{FF2B5EF4-FFF2-40B4-BE49-F238E27FC236}">
-                <a16:creationId xmlns:a16="http://schemas.microsoft.com/office/drawing/2014/main" id="{22E6D551-B200-4E5A-82BA-77D519509E63}"/>
-              </a:ext>
-            </a:extLst>
-          </p:cNvPr>
-          <p:cNvSpPr txBox="1"/>
-          <p:nvPr/>
-        </p:nvSpPr>
-        <p:spPr>
-          <a:xfrm>
-            <a:off x="7530796" y="5701006"/>
-            <a:ext cx="4183224" cy="600164"/>
-          </a:xfrm>
-          <a:prstGeom prst="rect">
-            <a:avLst/>
-          </a:prstGeom>
-          <a:noFill/>
-        </p:spPr>
-        <p:txBody>
-          <a:bodyPr wrap="square" rtlCol="0">
-            <a:spAutoFit/>
-          </a:bodyPr>
-          <a:lstStyle/>
-          <a:p>
-            <a:pPr algn="r">
-              <a:spcAft>
-                <a:spcPts val="600"/>
-              </a:spcAft>
-            </a:pPr>
-            <a:r>
-              <a:rPr lang="en-US" sz="1400" b="1" cap="none" dirty="0">
-                <a:latin typeface="Verdana" panose="020B0604030504040204" pitchFamily="34" charset="0"/>
-                <a:ea typeface="Verdana" panose="020B0604030504040204" pitchFamily="34" charset="0"/>
-              </a:rPr>
-              <a:t>Data: </a:t>
-            </a:r>
-            <a:r>
-              <a:rPr lang="en-US" sz="1200" cap="none" dirty="0">
-                <a:latin typeface="Verdana" panose="020B0604030504040204" pitchFamily="34" charset="0"/>
-                <a:ea typeface="Verdana" panose="020B0604030504040204" pitchFamily="34" charset="0"/>
-              </a:rPr>
-              <a:t>20/06/2021</a:t>
-            </a:r>
-            <a:endParaRPr lang="en-US" sz="1400" dirty="0">
-              <a:latin typeface="Verdana" panose="020B0604030504040204" pitchFamily="34" charset="0"/>
-              <a:ea typeface="Verdana" panose="020B0604030504040204" pitchFamily="34" charset="0"/>
-            </a:endParaRPr>
-          </a:p>
-          <a:p>
-            <a:pPr algn="r">
-              <a:spcAft>
-                <a:spcPts val="600"/>
-              </a:spcAft>
-            </a:pPr>
-            <a:r>
-              <a:rPr lang="pt-PT" sz="1400" b="1" dirty="0">
-                <a:latin typeface="Verdana" panose="020B0604030504040204" pitchFamily="34" charset="0"/>
-                <a:ea typeface="Verdana" panose="020B0604030504040204" pitchFamily="34" charset="0"/>
-              </a:rPr>
-              <a:t>Docente</a:t>
-            </a:r>
-            <a:r>
-              <a:rPr lang="en-US" sz="1400" b="1" dirty="0">
-                <a:latin typeface="Verdana" panose="020B0604030504040204" pitchFamily="34" charset="0"/>
-                <a:ea typeface="Verdana" panose="020B0604030504040204" pitchFamily="34" charset="0"/>
-              </a:rPr>
-              <a:t>: </a:t>
-            </a:r>
-            <a:r>
-              <a:rPr lang="en-US" sz="1200" dirty="0">
-                <a:latin typeface="Verdana" panose="020B0604030504040204" pitchFamily="34" charset="0"/>
-                <a:ea typeface="Verdana" panose="020B0604030504040204" pitchFamily="34" charset="0"/>
-              </a:rPr>
-              <a:t>Alberto Peixoto Pinto – </a:t>
-            </a:r>
-            <a:r>
-              <a:rPr lang="en-US" sz="1200" dirty="0">
-                <a:latin typeface="Verdana" panose="020B0604030504040204" pitchFamily="34" charset="0"/>
-                <a:ea typeface="Verdana" panose="020B0604030504040204" pitchFamily="34" charset="0"/>
-                <a:hlinkClick r:id="rId3">
-                  <a:extLst>
-                    <a:ext uri="{A12FA001-AC4F-418D-AE19-62706E023703}">
-                      <ahyp:hlinkClr xmlns:ahyp="http://schemas.microsoft.com/office/drawing/2018/hyperlinkcolor" val="tx"/>
-                    </a:ext>
-                  </a:extLst>
-                </a:hlinkClick>
-              </a:rPr>
-              <a:t>apo@isep.ipp.pt</a:t>
-            </a:r>
-            <a:endParaRPr lang="en-US" sz="1200" dirty="0">
-              <a:latin typeface="Verdana" panose="020B0604030504040204" pitchFamily="34" charset="0"/>
-              <a:ea typeface="Verdana" panose="020B0604030504040204" pitchFamily="34" charset="0"/>
-            </a:endParaRPr>
-          </a:p>
-        </p:txBody>
-      </p:sp>
-      <p:pic>
-        <p:nvPicPr>
-          <p:cNvPr id="100" name="Imagem 99" descr="Uma imagem com desenho&#10;&#10;Descrição gerada automaticamente">
-            <a:extLst>
-              <a:ext uri="{FF2B5EF4-FFF2-40B4-BE49-F238E27FC236}">
-                <a16:creationId xmlns:a16="http://schemas.microsoft.com/office/drawing/2014/main" id="{5E8BBA28-0443-4D96-A58A-81742D97264E}"/>
-              </a:ext>
-            </a:extLst>
-          </p:cNvPr>
-          <p:cNvPicPr>
-            <a:picLocks noChangeAspect="1"/>
-          </p:cNvPicPr>
-          <p:nvPr/>
-        </p:nvPicPr>
-        <p:blipFill>
-          <a:blip r:embed="rId4">
-            <a:extLst>
-              <a:ext uri="{28A0092B-C50C-407E-A947-70E740481C1C}">
-                <a14:useLocalDpi xmlns:a14="http://schemas.microsoft.com/office/drawing/2010/main" val="0"/>
-              </a:ext>
-            </a:extLst>
-          </a:blip>
-          <a:stretch>
-            <a:fillRect/>
-          </a:stretch>
-        </p:blipFill>
-        <p:spPr>
-          <a:xfrm>
-            <a:off x="477980" y="164701"/>
-            <a:ext cx="937158" cy="399854"/>
-          </a:xfrm>
-          <a:prstGeom prst="rect">
-            <a:avLst/>
-          </a:prstGeom>
-        </p:spPr>
-      </p:pic>
-      <p:pic>
-        <p:nvPicPr>
-          <p:cNvPr id="101" name="Picture 2">
-            <a:extLst>
-              <a:ext uri="{FF2B5EF4-FFF2-40B4-BE49-F238E27FC236}">
-                <a16:creationId xmlns:a16="http://schemas.microsoft.com/office/drawing/2014/main" id="{4EE37959-9C9F-4D0B-B537-456EFDF46264}"/>
-              </a:ext>
-            </a:extLst>
-          </p:cNvPr>
-          <p:cNvPicPr>
-            <a:picLocks noChangeAspect="1" noChangeArrowheads="1"/>
-          </p:cNvPicPr>
-          <p:nvPr/>
-        </p:nvPicPr>
-        <p:blipFill>
-          <a:blip r:embed="rId5" cstate="print">
-            <a:extLst>
-              <a:ext uri="{28A0092B-C50C-407E-A947-70E740481C1C}">
-                <a14:useLocalDpi xmlns:a14="http://schemas.microsoft.com/office/drawing/2010/main" val="0"/>
-              </a:ext>
-            </a:extLst>
-          </a:blip>
-          <a:srcRect/>
-          <a:stretch>
-            <a:fillRect/>
-          </a:stretch>
-        </p:blipFill>
-        <p:spPr bwMode="auto">
-          <a:xfrm>
-            <a:off x="1566069" y="260668"/>
-            <a:ext cx="1023619" cy="303887"/>
-          </a:xfrm>
-          <a:prstGeom prst="rect">
-            <a:avLst/>
-          </a:prstGeom>
-          <a:noFill/>
-          <a:extLst>
-            <a:ext uri="{909E8E84-426E-40DD-AFC4-6F175D3DCCD1}">
-              <a14:hiddenFill xmlns:a14="http://schemas.microsoft.com/office/drawing/2010/main">
-                <a:solidFill>
-                  <a:srgbClr val="FFFFFF"/>
-                </a:solidFill>
-              </a14:hiddenFill>
-            </a:ext>
-          </a:extLst>
-        </p:spPr>
-      </p:pic>
-      <p:cxnSp>
-        <p:nvCxnSpPr>
-          <p:cNvPr id="18" name="Conexão reta 17">
-            <a:extLst>
-              <a:ext uri="{FF2B5EF4-FFF2-40B4-BE49-F238E27FC236}">
-                <a16:creationId xmlns:a16="http://schemas.microsoft.com/office/drawing/2014/main" id="{DE9EED99-65AA-4992-A384-C9B47EA4F0C2}"/>
-              </a:ext>
-            </a:extLst>
-          </p:cNvPr>
-          <p:cNvCxnSpPr>
-            <a:cxnSpLocks/>
-          </p:cNvCxnSpPr>
-          <p:nvPr/>
-        </p:nvCxnSpPr>
-        <p:spPr>
-          <a:xfrm>
-            <a:off x="946559" y="2463479"/>
-            <a:ext cx="8451441" cy="0"/>
-          </a:xfrm>
-          <a:prstGeom prst="line">
-            <a:avLst/>
-          </a:prstGeom>
-          <a:ln w="25400">
-            <a:gradFill flip="none" rotWithShape="1">
-              <a:gsLst>
-                <a:gs pos="0">
-                  <a:schemeClr val="accent1"/>
-                </a:gs>
-                <a:gs pos="60000">
-                  <a:schemeClr val="accent1">
-                    <a:lumMod val="45000"/>
-                    <a:lumOff val="55000"/>
-                  </a:schemeClr>
-                </a:gs>
-                <a:gs pos="44000">
-                  <a:schemeClr val="accent1">
-                    <a:lumMod val="45000"/>
-                    <a:lumOff val="55000"/>
-                  </a:schemeClr>
-                </a:gs>
-                <a:gs pos="100000">
-                  <a:schemeClr val="accent1">
-                    <a:lumMod val="30000"/>
-                    <a:lumOff val="70000"/>
-                  </a:schemeClr>
-                </a:gs>
-              </a:gsLst>
-              <a:lin ang="0" scaled="1"/>
-              <a:tileRect/>
-            </a:gradFill>
-          </a:ln>
-          <a:effectLst>
-            <a:glow>
-              <a:schemeClr val="accent1"/>
-            </a:glow>
-            <a:reflection endPos="0" dist="50800" dir="5400000" sy="-100000" algn="bl" rotWithShape="0"/>
-            <a:softEdge rad="0"/>
-          </a:effectLst>
-        </p:spPr>
-        <p:style>
-          <a:lnRef idx="1">
-            <a:schemeClr val="accent1"/>
-          </a:lnRef>
-          <a:fillRef idx="0">
-            <a:schemeClr val="accent1"/>
-          </a:fillRef>
-          <a:effectRef idx="0">
-            <a:schemeClr val="accent1"/>
-          </a:effectRef>
-          <a:fontRef idx="minor">
-            <a:schemeClr val="tx1"/>
-          </a:fontRef>
-        </p:style>
-      </p:cxnSp>
-    </p:spTree>
-    <p:extLst>
-      <p:ext uri="{BB962C8B-B14F-4D97-AF65-F5344CB8AC3E}">
-        <p14:creationId xmlns:p14="http://schemas.microsoft.com/office/powerpoint/2010/main" val="7296200"/>
-      </p:ext>
-    </p:extLst>
-  </p:cSld>
-  <p:clrMapOvr>
-    <a:overrideClrMapping bg1="lt1" tx1="dk1" bg2="lt2" tx2="dk2" accent1="accent1" accent2="accent2" accent3="accent3" accent4="accent4" accent5="accent5" accent6="accent6" hlink="hlink" folHlink="folHlink"/>
-  </p:clrMapOvr>
-</p:sld>
-</file>
-
-<file path=ppt/slides/slide10.xml><?xml version="1.0" encoding="utf-8"?>
-<p:sld xmlns:a="http://schemas.openxmlformats.org/drawingml/2006/main" xmlns:r="http://schemas.openxmlformats.org/officeDocument/2006/relationships" xmlns:p="http://schemas.openxmlformats.org/presentationml/2006/main">
-  <p:cSld>
-    <p:spTree>
-      <p:nvGrpSpPr>
-        <p:cNvPr id="1" name=""/>
-        <p:cNvGrpSpPr/>
-        <p:nvPr/>
-      </p:nvGrpSpPr>
-      <p:grpSpPr>
-        <a:xfrm>
-          <a:off x="0" y="0"/>
-          <a:ext cx="0" cy="0"/>
-          <a:chOff x="0" y="0"/>
-          <a:chExt cx="0" cy="0"/>
-        </a:xfrm>
-      </p:grpSpPr>
-      <p:sp>
-        <p:nvSpPr>
-          <p:cNvPr id="2" name="Título 1">
-            <a:extLst>
-              <a:ext uri="{FF2B5EF4-FFF2-40B4-BE49-F238E27FC236}">
-                <a16:creationId xmlns:a16="http://schemas.microsoft.com/office/drawing/2014/main" id="{DFF8C41E-FD67-43D8-8210-3E59477D7582}"/>
-              </a:ext>
-            </a:extLst>
-          </p:cNvPr>
-          <p:cNvSpPr>
-            <a:spLocks noGrp="1"/>
-          </p:cNvSpPr>
-          <p:nvPr>
-            <p:ph type="title"/>
-          </p:nvPr>
-        </p:nvSpPr>
-        <p:spPr/>
-        <p:txBody>
-          <a:bodyPr/>
-          <a:lstStyle/>
-          <a:p>
-            <a:r>
-              <a:rPr lang="pt-PT" dirty="0"/>
-              <a:t>Resultados Esperados</a:t>
-            </a:r>
-          </a:p>
-        </p:txBody>
-      </p:sp>
-      <p:sp>
-        <p:nvSpPr>
-          <p:cNvPr id="3" name="Marcador de Posição de Conteúdo 2">
-            <a:extLst>
-              <a:ext uri="{FF2B5EF4-FFF2-40B4-BE49-F238E27FC236}">
-                <a16:creationId xmlns:a16="http://schemas.microsoft.com/office/drawing/2014/main" id="{CC93A80D-FB45-4ABC-AA08-F12267EA0C47}"/>
-              </a:ext>
-            </a:extLst>
-          </p:cNvPr>
-          <p:cNvSpPr>
-            <a:spLocks noGrp="1"/>
-          </p:cNvSpPr>
-          <p:nvPr>
-            <p:ph idx="1"/>
-          </p:nvPr>
-        </p:nvSpPr>
-        <p:spPr/>
-        <p:txBody>
-          <a:bodyPr/>
-          <a:lstStyle/>
-          <a:p>
-            <a:endParaRPr lang="pt-PT"/>
-          </a:p>
-        </p:txBody>
-      </p:sp>
-    </p:spTree>
-    <p:extLst>
-      <p:ext uri="{BB962C8B-B14F-4D97-AF65-F5344CB8AC3E}">
-        <p14:creationId xmlns:p14="http://schemas.microsoft.com/office/powerpoint/2010/main" val="414264918"/>
-      </p:ext>
-    </p:extLst>
-  </p:cSld>
-  <p:clrMapOvr>
-    <a:masterClrMapping/>
-  </p:clrMapOvr>
-</p:sld>
-</file>
-
-<file path=ppt/slides/slide11.xml><?xml version="1.0" encoding="utf-8"?>
-<p:sld xmlns:a="http://schemas.openxmlformats.org/drawingml/2006/main" xmlns:r="http://schemas.openxmlformats.org/officeDocument/2006/relationships" xmlns:p="http://schemas.openxmlformats.org/presentationml/2006/main">
-  <p:cSld>
-    <p:spTree>
-      <p:nvGrpSpPr>
-        <p:cNvPr id="1" name=""/>
-        <p:cNvGrpSpPr/>
-        <p:nvPr/>
-      </p:nvGrpSpPr>
-      <p:grpSpPr>
-        <a:xfrm>
-          <a:off x="0" y="0"/>
-          <a:ext cx="0" cy="0"/>
-          <a:chOff x="0" y="0"/>
-          <a:chExt cx="0" cy="0"/>
-        </a:xfrm>
-      </p:grpSpPr>
-      <p:sp>
-        <p:nvSpPr>
-          <p:cNvPr id="2" name="Título 1">
-            <a:extLst>
-              <a:ext uri="{FF2B5EF4-FFF2-40B4-BE49-F238E27FC236}">
-                <a16:creationId xmlns:a16="http://schemas.microsoft.com/office/drawing/2014/main" id="{F6DD6624-741B-4C99-B14A-3ACC4F671827}"/>
-              </a:ext>
-            </a:extLst>
-          </p:cNvPr>
-          <p:cNvSpPr>
-            <a:spLocks noGrp="1"/>
-          </p:cNvSpPr>
-          <p:nvPr>
-            <p:ph type="title"/>
-          </p:nvPr>
-        </p:nvSpPr>
-        <p:spPr/>
-        <p:txBody>
-          <a:bodyPr>
-            <a:normAutofit/>
-          </a:bodyPr>
-          <a:lstStyle/>
-          <a:p>
-            <a:r>
-              <a:rPr lang="pt-PT" sz="3600" dirty="0">
-                <a:latin typeface="Verdana" panose="020B0604030504040204" pitchFamily="34" charset="0"/>
-                <a:ea typeface="Verdana" panose="020B0604030504040204" pitchFamily="34" charset="0"/>
-              </a:rPr>
-              <a:t>Evolução da Equipa</a:t>
-            </a:r>
-          </a:p>
-        </p:txBody>
-      </p:sp>
-      <p:sp>
-        <p:nvSpPr>
-          <p:cNvPr id="3" name="Marcador de Posição de Conteúdo 2">
-            <a:extLst>
-              <a:ext uri="{FF2B5EF4-FFF2-40B4-BE49-F238E27FC236}">
-                <a16:creationId xmlns:a16="http://schemas.microsoft.com/office/drawing/2014/main" id="{4A9FBEEB-2874-4E99-B71E-7CC0763514AC}"/>
-              </a:ext>
-            </a:extLst>
-          </p:cNvPr>
-          <p:cNvSpPr>
-            <a:spLocks noGrp="1"/>
-          </p:cNvSpPr>
-          <p:nvPr>
-            <p:ph idx="1"/>
-          </p:nvPr>
-        </p:nvSpPr>
-        <p:spPr/>
-        <p:txBody>
-          <a:bodyPr/>
-          <a:lstStyle/>
-          <a:p>
-            <a:endParaRPr lang="pt-PT" dirty="0"/>
-          </a:p>
-        </p:txBody>
-      </p:sp>
-      <p:graphicFrame>
-        <p:nvGraphicFramePr>
-          <p:cNvPr id="4" name="Tabela 4">
-            <a:extLst>
-              <a:ext uri="{FF2B5EF4-FFF2-40B4-BE49-F238E27FC236}">
-                <a16:creationId xmlns:a16="http://schemas.microsoft.com/office/drawing/2014/main" id="{3A992931-2880-49E2-A09A-D1E77915906A}"/>
-              </a:ext>
-            </a:extLst>
-          </p:cNvPr>
-          <p:cNvGraphicFramePr>
-            <a:graphicFrameLocks/>
-          </p:cNvGraphicFramePr>
-          <p:nvPr>
-            <p:extLst>
-              <p:ext uri="{D42A27DB-BD31-4B8C-83A1-F6EECF244321}">
-                <p14:modId xmlns:p14="http://schemas.microsoft.com/office/powerpoint/2010/main" val="1963263927"/>
-              </p:ext>
-            </p:extLst>
-          </p:nvPr>
-        </p:nvGraphicFramePr>
-        <p:xfrm>
-          <a:off x="533398" y="2642454"/>
-          <a:ext cx="5257800" cy="2270760"/>
-        </p:xfrm>
-        <a:graphic>
-          <a:graphicData uri="http://schemas.openxmlformats.org/drawingml/2006/table">
-            <a:tbl>
-              <a:tblPr firstRow="1" bandRow="1">
-                <a:tableStyleId>{5C22544A-7EE6-4342-B048-85BDC9FD1C3A}</a:tableStyleId>
-              </a:tblPr>
-              <a:tblGrid>
-                <a:gridCol w="2007124">
-                  <a:extLst>
-                    <a:ext uri="{9D8B030D-6E8A-4147-A177-3AD203B41FA5}">
-                      <a16:colId xmlns:a16="http://schemas.microsoft.com/office/drawing/2014/main" val="1449156705"/>
-                    </a:ext>
-                  </a:extLst>
-                </a:gridCol>
-                <a:gridCol w="650180">
-                  <a:extLst>
-                    <a:ext uri="{9D8B030D-6E8A-4147-A177-3AD203B41FA5}">
-                      <a16:colId xmlns:a16="http://schemas.microsoft.com/office/drawing/2014/main" val="3500186421"/>
-                    </a:ext>
-                  </a:extLst>
-                </a:gridCol>
-                <a:gridCol w="650124">
-                  <a:extLst>
-                    <a:ext uri="{9D8B030D-6E8A-4147-A177-3AD203B41FA5}">
-                      <a16:colId xmlns:a16="http://schemas.microsoft.com/office/drawing/2014/main" val="3452294040"/>
-                    </a:ext>
-                  </a:extLst>
-                </a:gridCol>
-                <a:gridCol w="650124">
-                  <a:extLst>
-                    <a:ext uri="{9D8B030D-6E8A-4147-A177-3AD203B41FA5}">
-                      <a16:colId xmlns:a16="http://schemas.microsoft.com/office/drawing/2014/main" val="800563202"/>
-                    </a:ext>
-                  </a:extLst>
-                </a:gridCol>
-                <a:gridCol w="650124">
-                  <a:extLst>
-                    <a:ext uri="{9D8B030D-6E8A-4147-A177-3AD203B41FA5}">
-                      <a16:colId xmlns:a16="http://schemas.microsoft.com/office/drawing/2014/main" val="819999665"/>
-                    </a:ext>
-                  </a:extLst>
-                </a:gridCol>
-                <a:gridCol w="650124">
-                  <a:extLst>
-                    <a:ext uri="{9D8B030D-6E8A-4147-A177-3AD203B41FA5}">
-                      <a16:colId xmlns:a16="http://schemas.microsoft.com/office/drawing/2014/main" val="2492133887"/>
-                    </a:ext>
-                  </a:extLst>
-                </a:gridCol>
-              </a:tblGrid>
-              <a:tr h="370840">
-                <a:tc>
-                  <a:txBody>
-                    <a:bodyPr/>
-                    <a:lstStyle/>
-                    <a:p>
-                      <a:endParaRPr lang="pt-PT" sz="1600" dirty="0">
-                        <a:solidFill>
-                          <a:srgbClr val="C86E00"/>
-                        </a:solidFill>
-                        <a:latin typeface="Verdana" panose="020B0604030504040204" pitchFamily="34" charset="0"/>
-                        <a:ea typeface="Verdana" panose="020B0604030504040204" pitchFamily="34" charset="0"/>
-                      </a:endParaRPr>
-                    </a:p>
-                  </a:txBody>
-                  <a:tcPr/>
-                </a:tc>
-                <a:tc>
-                  <a:txBody>
-                    <a:bodyPr/>
-                    <a:lstStyle/>
-                    <a:p>
-                      <a:r>
-                        <a:rPr lang="pt-PT" sz="1600" dirty="0">
-                          <a:latin typeface="Verdana" panose="020B0604030504040204" pitchFamily="34" charset="0"/>
-                          <a:ea typeface="Verdana" panose="020B0604030504040204" pitchFamily="34" charset="0"/>
-                        </a:rPr>
-                        <a:t>1</a:t>
-                      </a:r>
-                    </a:p>
-                  </a:txBody>
-                  <a:tcPr/>
-                </a:tc>
-                <a:tc>
-                  <a:txBody>
-                    <a:bodyPr/>
-                    <a:lstStyle/>
-                    <a:p>
-                      <a:r>
-                        <a:rPr lang="pt-PT" sz="1600" dirty="0">
-                          <a:latin typeface="Verdana" panose="020B0604030504040204" pitchFamily="34" charset="0"/>
-                          <a:ea typeface="Verdana" panose="020B0604030504040204" pitchFamily="34" charset="0"/>
-                        </a:rPr>
-                        <a:t>2</a:t>
-                      </a:r>
-                    </a:p>
-                  </a:txBody>
-                  <a:tcPr/>
-                </a:tc>
-                <a:tc>
-                  <a:txBody>
-                    <a:bodyPr/>
-                    <a:lstStyle/>
-                    <a:p>
-                      <a:r>
-                        <a:rPr lang="pt-PT" sz="1600" dirty="0">
-                          <a:latin typeface="Verdana" panose="020B0604030504040204" pitchFamily="34" charset="0"/>
-                          <a:ea typeface="Verdana" panose="020B0604030504040204" pitchFamily="34" charset="0"/>
-                        </a:rPr>
-                        <a:t>3</a:t>
-                      </a:r>
-                    </a:p>
-                  </a:txBody>
-                  <a:tcPr/>
-                </a:tc>
-                <a:tc>
-                  <a:txBody>
-                    <a:bodyPr/>
-                    <a:lstStyle/>
-                    <a:p>
-                      <a:r>
-                        <a:rPr lang="pt-PT" sz="1600" dirty="0">
-                          <a:latin typeface="Verdana" panose="020B0604030504040204" pitchFamily="34" charset="0"/>
-                          <a:ea typeface="Verdana" panose="020B0604030504040204" pitchFamily="34" charset="0"/>
-                        </a:rPr>
-                        <a:t>4</a:t>
-                      </a:r>
-                    </a:p>
-                  </a:txBody>
-                  <a:tcPr/>
-                </a:tc>
-                <a:tc>
-                  <a:txBody>
-                    <a:bodyPr/>
-                    <a:lstStyle/>
-                    <a:p>
-                      <a:r>
-                        <a:rPr lang="pt-PT" sz="1600" dirty="0">
-                          <a:latin typeface="Verdana" panose="020B0604030504040204" pitchFamily="34" charset="0"/>
-                          <a:ea typeface="Verdana" panose="020B0604030504040204" pitchFamily="34" charset="0"/>
-                        </a:rPr>
-                        <a:t>5</a:t>
-                      </a:r>
-                    </a:p>
-                  </a:txBody>
-                  <a:tcPr/>
-                </a:tc>
-                <a:extLst>
-                  <a:ext uri="{0D108BD9-81ED-4DB2-BD59-A6C34878D82A}">
-                    <a16:rowId xmlns:a16="http://schemas.microsoft.com/office/drawing/2014/main" val="3404695816"/>
-                  </a:ext>
-                </a:extLst>
-              </a:tr>
-              <a:tr h="370840">
-                <a:tc>
-                  <a:txBody>
-                    <a:bodyPr/>
-                    <a:lstStyle/>
-                    <a:p>
-                      <a:r>
-                        <a:rPr lang="pt-PT" sz="1600" dirty="0">
-                          <a:latin typeface="Verdana" panose="020B0604030504040204" pitchFamily="34" charset="0"/>
-                          <a:ea typeface="Verdana" panose="020B0604030504040204" pitchFamily="34" charset="0"/>
-                        </a:rPr>
-                        <a:t>Java</a:t>
-                      </a:r>
-                    </a:p>
-                  </a:txBody>
-                  <a:tcPr/>
-                </a:tc>
-                <a:tc>
-                  <a:txBody>
-                    <a:bodyPr/>
-                    <a:lstStyle/>
-                    <a:p>
-                      <a:endParaRPr lang="pt-PT" sz="1600" dirty="0">
-                        <a:latin typeface="Verdana" panose="020B0604030504040204" pitchFamily="34" charset="0"/>
-                        <a:ea typeface="Verdana" panose="020B0604030504040204" pitchFamily="34" charset="0"/>
-                      </a:endParaRPr>
-                    </a:p>
-                  </a:txBody>
-                  <a:tcPr/>
-                </a:tc>
-                <a:tc>
-                  <a:txBody>
-                    <a:bodyPr/>
-                    <a:lstStyle/>
-                    <a:p>
-                      <a:endParaRPr lang="pt-PT" sz="1600">
-                        <a:latin typeface="Verdana" panose="020B0604030504040204" pitchFamily="34" charset="0"/>
-                        <a:ea typeface="Verdana" panose="020B0604030504040204" pitchFamily="34" charset="0"/>
-                      </a:endParaRPr>
-                    </a:p>
-                  </a:txBody>
-                  <a:tcPr/>
-                </a:tc>
-                <a:tc>
-                  <a:txBody>
-                    <a:bodyPr/>
-                    <a:lstStyle/>
-                    <a:p>
-                      <a:endParaRPr lang="pt-PT" sz="1600">
-                        <a:latin typeface="Verdana" panose="020B0604030504040204" pitchFamily="34" charset="0"/>
-                        <a:ea typeface="Verdana" panose="020B0604030504040204" pitchFamily="34" charset="0"/>
-                      </a:endParaRPr>
-                    </a:p>
-                  </a:txBody>
-                  <a:tcPr/>
-                </a:tc>
-                <a:tc>
-                  <a:txBody>
-                    <a:bodyPr/>
-                    <a:lstStyle/>
-                    <a:p>
-                      <a:endParaRPr lang="pt-PT" sz="1600">
-                        <a:latin typeface="Verdana" panose="020B0604030504040204" pitchFamily="34" charset="0"/>
-                        <a:ea typeface="Verdana" panose="020B0604030504040204" pitchFamily="34" charset="0"/>
-                      </a:endParaRPr>
-                    </a:p>
-                  </a:txBody>
-                  <a:tcPr/>
-                </a:tc>
-                <a:tc>
-                  <a:txBody>
-                    <a:bodyPr/>
-                    <a:lstStyle/>
-                    <a:p>
-                      <a:endParaRPr lang="pt-PT" sz="1600" dirty="0">
-                        <a:latin typeface="Verdana" panose="020B0604030504040204" pitchFamily="34" charset="0"/>
-                        <a:ea typeface="Verdana" panose="020B0604030504040204" pitchFamily="34" charset="0"/>
-                      </a:endParaRPr>
-                    </a:p>
-                  </a:txBody>
-                  <a:tcPr/>
-                </a:tc>
-                <a:extLst>
-                  <a:ext uri="{0D108BD9-81ED-4DB2-BD59-A6C34878D82A}">
-                    <a16:rowId xmlns:a16="http://schemas.microsoft.com/office/drawing/2014/main" val="4189663187"/>
-                  </a:ext>
-                </a:extLst>
-              </a:tr>
-              <a:tr h="370840">
-                <a:tc>
-                  <a:txBody>
-                    <a:bodyPr/>
-                    <a:lstStyle/>
-                    <a:p>
-                      <a:r>
-                        <a:rPr lang="pt-PT" sz="1600" dirty="0">
-                          <a:latin typeface="Verdana" panose="020B0604030504040204" pitchFamily="34" charset="0"/>
-                          <a:ea typeface="Verdana" panose="020B0604030504040204" pitchFamily="34" charset="0"/>
-                        </a:rPr>
-                        <a:t>Liderança</a:t>
-                      </a:r>
-                    </a:p>
-                  </a:txBody>
-                  <a:tcPr/>
-                </a:tc>
-                <a:tc>
-                  <a:txBody>
-                    <a:bodyPr/>
-                    <a:lstStyle/>
-                    <a:p>
-                      <a:endParaRPr lang="pt-PT" sz="1600" dirty="0">
-                        <a:latin typeface="Verdana" panose="020B0604030504040204" pitchFamily="34" charset="0"/>
-                        <a:ea typeface="Verdana" panose="020B0604030504040204" pitchFamily="34" charset="0"/>
-                      </a:endParaRPr>
-                    </a:p>
-                  </a:txBody>
-                  <a:tcPr/>
-                </a:tc>
-                <a:tc>
-                  <a:txBody>
-                    <a:bodyPr/>
-                    <a:lstStyle/>
-                    <a:p>
-                      <a:endParaRPr lang="pt-PT" sz="1600">
-                        <a:latin typeface="Verdana" panose="020B0604030504040204" pitchFamily="34" charset="0"/>
-                        <a:ea typeface="Verdana" panose="020B0604030504040204" pitchFamily="34" charset="0"/>
-                      </a:endParaRPr>
-                    </a:p>
-                  </a:txBody>
-                  <a:tcPr/>
-                </a:tc>
-                <a:tc>
-                  <a:txBody>
-                    <a:bodyPr/>
-                    <a:lstStyle/>
-                    <a:p>
-                      <a:endParaRPr lang="pt-PT" sz="1600">
-                        <a:latin typeface="Verdana" panose="020B0604030504040204" pitchFamily="34" charset="0"/>
-                        <a:ea typeface="Verdana" panose="020B0604030504040204" pitchFamily="34" charset="0"/>
-                      </a:endParaRPr>
-                    </a:p>
-                  </a:txBody>
-                  <a:tcPr/>
-                </a:tc>
-                <a:tc>
-                  <a:txBody>
-                    <a:bodyPr/>
-                    <a:lstStyle/>
-                    <a:p>
-                      <a:endParaRPr lang="pt-PT" sz="1600">
-                        <a:latin typeface="Verdana" panose="020B0604030504040204" pitchFamily="34" charset="0"/>
-                        <a:ea typeface="Verdana" panose="020B0604030504040204" pitchFamily="34" charset="0"/>
-                      </a:endParaRPr>
-                    </a:p>
-                  </a:txBody>
-                  <a:tcPr/>
-                </a:tc>
-                <a:tc>
-                  <a:txBody>
-                    <a:bodyPr/>
-                    <a:lstStyle/>
-                    <a:p>
-                      <a:endParaRPr lang="pt-PT" sz="1600" dirty="0">
-                        <a:latin typeface="Verdana" panose="020B0604030504040204" pitchFamily="34" charset="0"/>
-                        <a:ea typeface="Verdana" panose="020B0604030504040204" pitchFamily="34" charset="0"/>
-                      </a:endParaRPr>
-                    </a:p>
-                  </a:txBody>
-                  <a:tcPr/>
-                </a:tc>
-                <a:extLst>
-                  <a:ext uri="{0D108BD9-81ED-4DB2-BD59-A6C34878D82A}">
-                    <a16:rowId xmlns:a16="http://schemas.microsoft.com/office/drawing/2014/main" val="2629651851"/>
-                  </a:ext>
-                </a:extLst>
-              </a:tr>
-              <a:tr h="370840">
-                <a:tc>
-                  <a:txBody>
-                    <a:bodyPr/>
-                    <a:lstStyle/>
-                    <a:p>
-                      <a:r>
-                        <a:rPr lang="pt-PT" sz="1600" dirty="0">
-                          <a:latin typeface="Verdana" panose="020B0604030504040204" pitchFamily="34" charset="0"/>
-                          <a:ea typeface="Verdana" panose="020B0604030504040204" pitchFamily="34" charset="0"/>
-                        </a:rPr>
-                        <a:t>Trabalho de Grupo</a:t>
-                      </a:r>
-                    </a:p>
-                  </a:txBody>
-                  <a:tcPr/>
-                </a:tc>
-                <a:tc>
-                  <a:txBody>
-                    <a:bodyPr/>
-                    <a:lstStyle/>
-                    <a:p>
-                      <a:endParaRPr lang="pt-PT" sz="1600" dirty="0">
-                        <a:latin typeface="Verdana" panose="020B0604030504040204" pitchFamily="34" charset="0"/>
-                        <a:ea typeface="Verdana" panose="020B0604030504040204" pitchFamily="34" charset="0"/>
-                      </a:endParaRPr>
-                    </a:p>
-                  </a:txBody>
-                  <a:tcPr/>
-                </a:tc>
-                <a:tc>
-                  <a:txBody>
-                    <a:bodyPr/>
-                    <a:lstStyle/>
-                    <a:p>
-                      <a:endParaRPr lang="pt-PT" sz="1600" dirty="0">
-                        <a:latin typeface="Verdana" panose="020B0604030504040204" pitchFamily="34" charset="0"/>
-                        <a:ea typeface="Verdana" panose="020B0604030504040204" pitchFamily="34" charset="0"/>
-                      </a:endParaRPr>
-                    </a:p>
-                  </a:txBody>
-                  <a:tcPr/>
-                </a:tc>
-                <a:tc>
-                  <a:txBody>
-                    <a:bodyPr/>
-                    <a:lstStyle/>
-                    <a:p>
-                      <a:endParaRPr lang="pt-PT" sz="1600">
-                        <a:latin typeface="Verdana" panose="020B0604030504040204" pitchFamily="34" charset="0"/>
-                        <a:ea typeface="Verdana" panose="020B0604030504040204" pitchFamily="34" charset="0"/>
-                      </a:endParaRPr>
-                    </a:p>
-                  </a:txBody>
-                  <a:tcPr/>
-                </a:tc>
-                <a:tc>
-                  <a:txBody>
-                    <a:bodyPr/>
-                    <a:lstStyle/>
-                    <a:p>
-                      <a:endParaRPr lang="pt-PT" sz="1600">
-                        <a:latin typeface="Verdana" panose="020B0604030504040204" pitchFamily="34" charset="0"/>
-                        <a:ea typeface="Verdana" panose="020B0604030504040204" pitchFamily="34" charset="0"/>
-                      </a:endParaRPr>
-                    </a:p>
-                  </a:txBody>
-                  <a:tcPr/>
-                </a:tc>
-                <a:tc>
-                  <a:txBody>
-                    <a:bodyPr/>
-                    <a:lstStyle/>
-                    <a:p>
-                      <a:endParaRPr lang="pt-PT" sz="1600" dirty="0">
-                        <a:latin typeface="Verdana" panose="020B0604030504040204" pitchFamily="34" charset="0"/>
-                        <a:ea typeface="Verdana" panose="020B0604030504040204" pitchFamily="34" charset="0"/>
-                      </a:endParaRPr>
-                    </a:p>
-                  </a:txBody>
-                  <a:tcPr/>
-                </a:tc>
-                <a:extLst>
-                  <a:ext uri="{0D108BD9-81ED-4DB2-BD59-A6C34878D82A}">
-                    <a16:rowId xmlns:a16="http://schemas.microsoft.com/office/drawing/2014/main" val="2940923386"/>
-                  </a:ext>
-                </a:extLst>
-              </a:tr>
-              <a:tr h="370840">
-                <a:tc>
-                  <a:txBody>
-                    <a:bodyPr/>
-                    <a:lstStyle/>
-                    <a:p>
-                      <a:r>
-                        <a:rPr lang="pt-PT" sz="1600" dirty="0">
-                          <a:latin typeface="Verdana" panose="020B0604030504040204" pitchFamily="34" charset="0"/>
-                          <a:ea typeface="Verdana" panose="020B0604030504040204" pitchFamily="34" charset="0"/>
-                        </a:rPr>
-                        <a:t>Gestão de Conflitos e Tempo</a:t>
-                      </a:r>
-                    </a:p>
-                  </a:txBody>
-                  <a:tcPr/>
-                </a:tc>
-                <a:tc>
-                  <a:txBody>
-                    <a:bodyPr/>
-                    <a:lstStyle/>
-                    <a:p>
-                      <a:endParaRPr lang="pt-PT" sz="1600" dirty="0">
-                        <a:latin typeface="Verdana" panose="020B0604030504040204" pitchFamily="34" charset="0"/>
-                        <a:ea typeface="Verdana" panose="020B0604030504040204" pitchFamily="34" charset="0"/>
-                      </a:endParaRPr>
-                    </a:p>
-                  </a:txBody>
-                  <a:tcPr/>
-                </a:tc>
-                <a:tc>
-                  <a:txBody>
-                    <a:bodyPr/>
-                    <a:lstStyle/>
-                    <a:p>
-                      <a:endParaRPr lang="pt-PT" sz="1600" dirty="0">
-                        <a:latin typeface="Verdana" panose="020B0604030504040204" pitchFamily="34" charset="0"/>
-                        <a:ea typeface="Verdana" panose="020B0604030504040204" pitchFamily="34" charset="0"/>
-                      </a:endParaRPr>
-                    </a:p>
-                  </a:txBody>
-                  <a:tcPr/>
-                </a:tc>
-                <a:tc>
-                  <a:txBody>
-                    <a:bodyPr/>
-                    <a:lstStyle/>
-                    <a:p>
-                      <a:endParaRPr lang="pt-PT" sz="1600" dirty="0">
-                        <a:latin typeface="Verdana" panose="020B0604030504040204" pitchFamily="34" charset="0"/>
-                        <a:ea typeface="Verdana" panose="020B0604030504040204" pitchFamily="34" charset="0"/>
-                      </a:endParaRPr>
-                    </a:p>
-                  </a:txBody>
-                  <a:tcPr/>
-                </a:tc>
-                <a:tc>
-                  <a:txBody>
-                    <a:bodyPr/>
-                    <a:lstStyle/>
-                    <a:p>
-                      <a:endParaRPr lang="pt-PT" sz="1600" dirty="0">
-                        <a:latin typeface="Verdana" panose="020B0604030504040204" pitchFamily="34" charset="0"/>
-                        <a:ea typeface="Verdana" panose="020B0604030504040204" pitchFamily="34" charset="0"/>
-                      </a:endParaRPr>
-                    </a:p>
-                  </a:txBody>
-                  <a:tcPr/>
-                </a:tc>
-                <a:tc>
-                  <a:txBody>
-                    <a:bodyPr/>
-                    <a:lstStyle/>
-                    <a:p>
-                      <a:endParaRPr lang="pt-PT" sz="1600" dirty="0">
-                        <a:latin typeface="Verdana" panose="020B0604030504040204" pitchFamily="34" charset="0"/>
-                        <a:ea typeface="Verdana" panose="020B0604030504040204" pitchFamily="34" charset="0"/>
-                      </a:endParaRPr>
-                    </a:p>
-                  </a:txBody>
-                  <a:tcPr/>
-                </a:tc>
-                <a:extLst>
-                  <a:ext uri="{0D108BD9-81ED-4DB2-BD59-A6C34878D82A}">
-                    <a16:rowId xmlns:a16="http://schemas.microsoft.com/office/drawing/2014/main" val="4135024"/>
-                  </a:ext>
-                </a:extLst>
-              </a:tr>
-            </a:tbl>
-          </a:graphicData>
-        </a:graphic>
-      </p:graphicFrame>
-      <p:graphicFrame>
-        <p:nvGraphicFramePr>
-          <p:cNvPr id="6" name="Tabela 4">
-            <a:extLst>
-              <a:ext uri="{FF2B5EF4-FFF2-40B4-BE49-F238E27FC236}">
-                <a16:creationId xmlns:a16="http://schemas.microsoft.com/office/drawing/2014/main" id="{A3112BB6-27E1-4B69-A46D-35BABA0757C7}"/>
-              </a:ext>
-            </a:extLst>
-          </p:cNvPr>
-          <p:cNvGraphicFramePr>
-            <a:graphicFrameLocks/>
-          </p:cNvGraphicFramePr>
-          <p:nvPr>
-            <p:extLst>
-              <p:ext uri="{D42A27DB-BD31-4B8C-83A1-F6EECF244321}">
-                <p14:modId xmlns:p14="http://schemas.microsoft.com/office/powerpoint/2010/main" val="958171471"/>
-              </p:ext>
-            </p:extLst>
-          </p:nvPr>
-        </p:nvGraphicFramePr>
-        <p:xfrm>
-          <a:off x="6400803" y="2642454"/>
-          <a:ext cx="5257800" cy="2270760"/>
-        </p:xfrm>
-        <a:graphic>
-          <a:graphicData uri="http://schemas.openxmlformats.org/drawingml/2006/table">
-            <a:tbl>
-              <a:tblPr firstRow="1" bandRow="1">
-                <a:tableStyleId>{5C22544A-7EE6-4342-B048-85BDC9FD1C3A}</a:tableStyleId>
-              </a:tblPr>
-              <a:tblGrid>
-                <a:gridCol w="2007124">
-                  <a:extLst>
-                    <a:ext uri="{9D8B030D-6E8A-4147-A177-3AD203B41FA5}">
-                      <a16:colId xmlns:a16="http://schemas.microsoft.com/office/drawing/2014/main" val="1449156705"/>
-                    </a:ext>
-                  </a:extLst>
-                </a:gridCol>
-                <a:gridCol w="650180">
-                  <a:extLst>
-                    <a:ext uri="{9D8B030D-6E8A-4147-A177-3AD203B41FA5}">
-                      <a16:colId xmlns:a16="http://schemas.microsoft.com/office/drawing/2014/main" val="3500186421"/>
-                    </a:ext>
-                  </a:extLst>
-                </a:gridCol>
-                <a:gridCol w="650124">
-                  <a:extLst>
-                    <a:ext uri="{9D8B030D-6E8A-4147-A177-3AD203B41FA5}">
-                      <a16:colId xmlns:a16="http://schemas.microsoft.com/office/drawing/2014/main" val="3452294040"/>
-                    </a:ext>
-                  </a:extLst>
-                </a:gridCol>
-                <a:gridCol w="650124">
-                  <a:extLst>
-                    <a:ext uri="{9D8B030D-6E8A-4147-A177-3AD203B41FA5}">
-                      <a16:colId xmlns:a16="http://schemas.microsoft.com/office/drawing/2014/main" val="800563202"/>
-                    </a:ext>
-                  </a:extLst>
-                </a:gridCol>
-                <a:gridCol w="650124">
-                  <a:extLst>
-                    <a:ext uri="{9D8B030D-6E8A-4147-A177-3AD203B41FA5}">
-                      <a16:colId xmlns:a16="http://schemas.microsoft.com/office/drawing/2014/main" val="819999665"/>
-                    </a:ext>
-                  </a:extLst>
-                </a:gridCol>
-                <a:gridCol w="650124">
-                  <a:extLst>
-                    <a:ext uri="{9D8B030D-6E8A-4147-A177-3AD203B41FA5}">
-                      <a16:colId xmlns:a16="http://schemas.microsoft.com/office/drawing/2014/main" val="2492133887"/>
-                    </a:ext>
-                  </a:extLst>
-                </a:gridCol>
-              </a:tblGrid>
-              <a:tr h="370840">
-                <a:tc>
-                  <a:txBody>
-                    <a:bodyPr/>
-                    <a:lstStyle/>
-                    <a:p>
-                      <a:endParaRPr lang="pt-PT" sz="1600" dirty="0">
-                        <a:latin typeface="Verdana" panose="020B0604030504040204" pitchFamily="34" charset="0"/>
-                        <a:ea typeface="Verdana" panose="020B0604030504040204" pitchFamily="34" charset="0"/>
-                      </a:endParaRPr>
-                    </a:p>
-                  </a:txBody>
-                  <a:tcPr/>
-                </a:tc>
-                <a:tc>
-                  <a:txBody>
-                    <a:bodyPr/>
-                    <a:lstStyle/>
-                    <a:p>
-                      <a:r>
-                        <a:rPr lang="pt-PT" sz="1600" dirty="0">
-                          <a:latin typeface="Verdana" panose="020B0604030504040204" pitchFamily="34" charset="0"/>
-                          <a:ea typeface="Verdana" panose="020B0604030504040204" pitchFamily="34" charset="0"/>
-                        </a:rPr>
-                        <a:t>1</a:t>
-                      </a:r>
-                    </a:p>
-                  </a:txBody>
-                  <a:tcPr/>
-                </a:tc>
-                <a:tc>
-                  <a:txBody>
-                    <a:bodyPr/>
-                    <a:lstStyle/>
-                    <a:p>
-                      <a:r>
-                        <a:rPr lang="pt-PT" sz="1600" dirty="0">
-                          <a:latin typeface="Verdana" panose="020B0604030504040204" pitchFamily="34" charset="0"/>
-                          <a:ea typeface="Verdana" panose="020B0604030504040204" pitchFamily="34" charset="0"/>
-                        </a:rPr>
-                        <a:t>2</a:t>
-                      </a:r>
-                    </a:p>
-                  </a:txBody>
-                  <a:tcPr/>
-                </a:tc>
-                <a:tc>
-                  <a:txBody>
-                    <a:bodyPr/>
-                    <a:lstStyle/>
-                    <a:p>
-                      <a:r>
-                        <a:rPr lang="pt-PT" sz="1600" dirty="0">
-                          <a:latin typeface="Verdana" panose="020B0604030504040204" pitchFamily="34" charset="0"/>
-                          <a:ea typeface="Verdana" panose="020B0604030504040204" pitchFamily="34" charset="0"/>
-                        </a:rPr>
-                        <a:t>3</a:t>
-                      </a:r>
-                    </a:p>
-                  </a:txBody>
-                  <a:tcPr/>
-                </a:tc>
-                <a:tc>
-                  <a:txBody>
-                    <a:bodyPr/>
-                    <a:lstStyle/>
-                    <a:p>
-                      <a:r>
-                        <a:rPr lang="pt-PT" sz="1600" dirty="0">
-                          <a:latin typeface="Verdana" panose="020B0604030504040204" pitchFamily="34" charset="0"/>
-                          <a:ea typeface="Verdana" panose="020B0604030504040204" pitchFamily="34" charset="0"/>
-                        </a:rPr>
-                        <a:t>4</a:t>
-                      </a:r>
-                    </a:p>
-                  </a:txBody>
-                  <a:tcPr/>
-                </a:tc>
-                <a:tc>
-                  <a:txBody>
-                    <a:bodyPr/>
-                    <a:lstStyle/>
-                    <a:p>
-                      <a:r>
-                        <a:rPr lang="pt-PT" sz="1600" dirty="0">
-                          <a:latin typeface="Verdana" panose="020B0604030504040204" pitchFamily="34" charset="0"/>
-                          <a:ea typeface="Verdana" panose="020B0604030504040204" pitchFamily="34" charset="0"/>
-                        </a:rPr>
-                        <a:t>5</a:t>
-                      </a:r>
-                    </a:p>
-                  </a:txBody>
-                  <a:tcPr/>
-                </a:tc>
-                <a:extLst>
-                  <a:ext uri="{0D108BD9-81ED-4DB2-BD59-A6C34878D82A}">
-                    <a16:rowId xmlns:a16="http://schemas.microsoft.com/office/drawing/2014/main" val="3404695816"/>
-                  </a:ext>
-                </a:extLst>
-              </a:tr>
-              <a:tr h="370840">
-                <a:tc>
-                  <a:txBody>
-                    <a:bodyPr/>
-                    <a:lstStyle/>
-                    <a:p>
-                      <a:r>
-                        <a:rPr lang="pt-PT" sz="1600" dirty="0">
-                          <a:latin typeface="Verdana" panose="020B0604030504040204" pitchFamily="34" charset="0"/>
-                          <a:ea typeface="Verdana" panose="020B0604030504040204" pitchFamily="34" charset="0"/>
-                        </a:rPr>
-                        <a:t>Java</a:t>
-                      </a:r>
-                    </a:p>
-                  </a:txBody>
-                  <a:tcPr/>
-                </a:tc>
-                <a:tc>
-                  <a:txBody>
-                    <a:bodyPr/>
-                    <a:lstStyle/>
-                    <a:p>
-                      <a:endParaRPr lang="pt-PT" sz="1600" dirty="0">
-                        <a:latin typeface="Verdana" panose="020B0604030504040204" pitchFamily="34" charset="0"/>
-                        <a:ea typeface="Verdana" panose="020B0604030504040204" pitchFamily="34" charset="0"/>
-                      </a:endParaRPr>
-                    </a:p>
-                  </a:txBody>
-                  <a:tcPr/>
-                </a:tc>
-                <a:tc>
-                  <a:txBody>
-                    <a:bodyPr/>
-                    <a:lstStyle/>
-                    <a:p>
-                      <a:endParaRPr lang="pt-PT" sz="1600">
-                        <a:latin typeface="Verdana" panose="020B0604030504040204" pitchFamily="34" charset="0"/>
-                        <a:ea typeface="Verdana" panose="020B0604030504040204" pitchFamily="34" charset="0"/>
-                      </a:endParaRPr>
-                    </a:p>
-                  </a:txBody>
-                  <a:tcPr/>
-                </a:tc>
-                <a:tc>
-                  <a:txBody>
-                    <a:bodyPr/>
-                    <a:lstStyle/>
-                    <a:p>
-                      <a:endParaRPr lang="pt-PT" sz="1600">
-                        <a:latin typeface="Verdana" panose="020B0604030504040204" pitchFamily="34" charset="0"/>
-                        <a:ea typeface="Verdana" panose="020B0604030504040204" pitchFamily="34" charset="0"/>
-                      </a:endParaRPr>
-                    </a:p>
-                  </a:txBody>
-                  <a:tcPr/>
-                </a:tc>
-                <a:tc>
-                  <a:txBody>
-                    <a:bodyPr/>
-                    <a:lstStyle/>
-                    <a:p>
-                      <a:endParaRPr lang="pt-PT" sz="1600">
-                        <a:latin typeface="Verdana" panose="020B0604030504040204" pitchFamily="34" charset="0"/>
-                        <a:ea typeface="Verdana" panose="020B0604030504040204" pitchFamily="34" charset="0"/>
-                      </a:endParaRPr>
-                    </a:p>
-                  </a:txBody>
-                  <a:tcPr/>
-                </a:tc>
-                <a:tc>
-                  <a:txBody>
-                    <a:bodyPr/>
-                    <a:lstStyle/>
-                    <a:p>
-                      <a:endParaRPr lang="pt-PT" sz="1600" dirty="0">
-                        <a:latin typeface="Verdana" panose="020B0604030504040204" pitchFamily="34" charset="0"/>
-                        <a:ea typeface="Verdana" panose="020B0604030504040204" pitchFamily="34" charset="0"/>
-                      </a:endParaRPr>
-                    </a:p>
-                  </a:txBody>
-                  <a:tcPr/>
-                </a:tc>
-                <a:extLst>
-                  <a:ext uri="{0D108BD9-81ED-4DB2-BD59-A6C34878D82A}">
-                    <a16:rowId xmlns:a16="http://schemas.microsoft.com/office/drawing/2014/main" val="4189663187"/>
-                  </a:ext>
-                </a:extLst>
-              </a:tr>
-              <a:tr h="370840">
-                <a:tc>
-                  <a:txBody>
-                    <a:bodyPr/>
-                    <a:lstStyle/>
-                    <a:p>
-                      <a:r>
-                        <a:rPr lang="pt-PT" sz="1600" dirty="0">
-                          <a:latin typeface="Verdana" panose="020B0604030504040204" pitchFamily="34" charset="0"/>
-                          <a:ea typeface="Verdana" panose="020B0604030504040204" pitchFamily="34" charset="0"/>
-                        </a:rPr>
-                        <a:t>Liderança</a:t>
-                      </a:r>
-                    </a:p>
-                  </a:txBody>
-                  <a:tcPr/>
-                </a:tc>
-                <a:tc>
-                  <a:txBody>
-                    <a:bodyPr/>
-                    <a:lstStyle/>
-                    <a:p>
-                      <a:endParaRPr lang="pt-PT" sz="1600" dirty="0">
-                        <a:latin typeface="Verdana" panose="020B0604030504040204" pitchFamily="34" charset="0"/>
-                        <a:ea typeface="Verdana" panose="020B0604030504040204" pitchFamily="34" charset="0"/>
-                      </a:endParaRPr>
-                    </a:p>
-                  </a:txBody>
-                  <a:tcPr/>
-                </a:tc>
-                <a:tc>
-                  <a:txBody>
-                    <a:bodyPr/>
-                    <a:lstStyle/>
-                    <a:p>
-                      <a:endParaRPr lang="pt-PT" sz="1600">
-                        <a:latin typeface="Verdana" panose="020B0604030504040204" pitchFamily="34" charset="0"/>
-                        <a:ea typeface="Verdana" panose="020B0604030504040204" pitchFamily="34" charset="0"/>
-                      </a:endParaRPr>
-                    </a:p>
-                  </a:txBody>
-                  <a:tcPr/>
-                </a:tc>
-                <a:tc>
-                  <a:txBody>
-                    <a:bodyPr/>
-                    <a:lstStyle/>
-                    <a:p>
-                      <a:endParaRPr lang="pt-PT" sz="1600">
-                        <a:latin typeface="Verdana" panose="020B0604030504040204" pitchFamily="34" charset="0"/>
-                        <a:ea typeface="Verdana" panose="020B0604030504040204" pitchFamily="34" charset="0"/>
-                      </a:endParaRPr>
-                    </a:p>
-                  </a:txBody>
-                  <a:tcPr/>
-                </a:tc>
-                <a:tc>
-                  <a:txBody>
-                    <a:bodyPr/>
-                    <a:lstStyle/>
-                    <a:p>
-                      <a:endParaRPr lang="pt-PT" sz="1600">
-                        <a:latin typeface="Verdana" panose="020B0604030504040204" pitchFamily="34" charset="0"/>
-                        <a:ea typeface="Verdana" panose="020B0604030504040204" pitchFamily="34" charset="0"/>
-                      </a:endParaRPr>
-                    </a:p>
-                  </a:txBody>
-                  <a:tcPr/>
-                </a:tc>
-                <a:tc>
-                  <a:txBody>
-                    <a:bodyPr/>
-                    <a:lstStyle/>
-                    <a:p>
-                      <a:endParaRPr lang="pt-PT" sz="1600" dirty="0">
-                        <a:latin typeface="Verdana" panose="020B0604030504040204" pitchFamily="34" charset="0"/>
-                        <a:ea typeface="Verdana" panose="020B0604030504040204" pitchFamily="34" charset="0"/>
-                      </a:endParaRPr>
-                    </a:p>
-                  </a:txBody>
-                  <a:tcPr/>
-                </a:tc>
-                <a:extLst>
-                  <a:ext uri="{0D108BD9-81ED-4DB2-BD59-A6C34878D82A}">
-                    <a16:rowId xmlns:a16="http://schemas.microsoft.com/office/drawing/2014/main" val="2629651851"/>
-                  </a:ext>
-                </a:extLst>
-              </a:tr>
-              <a:tr h="370840">
-                <a:tc>
-                  <a:txBody>
-                    <a:bodyPr/>
-                    <a:lstStyle/>
-                    <a:p>
-                      <a:r>
-                        <a:rPr lang="pt-PT" sz="1600" dirty="0">
-                          <a:latin typeface="Verdana" panose="020B0604030504040204" pitchFamily="34" charset="0"/>
-                          <a:ea typeface="Verdana" panose="020B0604030504040204" pitchFamily="34" charset="0"/>
-                        </a:rPr>
-                        <a:t>Trabalho de Grupo</a:t>
-                      </a:r>
-                    </a:p>
-                  </a:txBody>
-                  <a:tcPr/>
-                </a:tc>
-                <a:tc>
-                  <a:txBody>
-                    <a:bodyPr/>
-                    <a:lstStyle/>
-                    <a:p>
-                      <a:endParaRPr lang="pt-PT" sz="1600" dirty="0">
-                        <a:latin typeface="Verdana" panose="020B0604030504040204" pitchFamily="34" charset="0"/>
-                        <a:ea typeface="Verdana" panose="020B0604030504040204" pitchFamily="34" charset="0"/>
-                      </a:endParaRPr>
-                    </a:p>
-                  </a:txBody>
-                  <a:tcPr/>
-                </a:tc>
-                <a:tc>
-                  <a:txBody>
-                    <a:bodyPr/>
-                    <a:lstStyle/>
-                    <a:p>
-                      <a:endParaRPr lang="pt-PT" sz="1600">
-                        <a:latin typeface="Verdana" panose="020B0604030504040204" pitchFamily="34" charset="0"/>
-                        <a:ea typeface="Verdana" panose="020B0604030504040204" pitchFamily="34" charset="0"/>
-                      </a:endParaRPr>
-                    </a:p>
-                  </a:txBody>
-                  <a:tcPr/>
-                </a:tc>
-                <a:tc>
-                  <a:txBody>
-                    <a:bodyPr/>
-                    <a:lstStyle/>
-                    <a:p>
-                      <a:endParaRPr lang="pt-PT" sz="1600">
-                        <a:latin typeface="Verdana" panose="020B0604030504040204" pitchFamily="34" charset="0"/>
-                        <a:ea typeface="Verdana" panose="020B0604030504040204" pitchFamily="34" charset="0"/>
-                      </a:endParaRPr>
-                    </a:p>
-                  </a:txBody>
-                  <a:tcPr/>
-                </a:tc>
-                <a:tc>
-                  <a:txBody>
-                    <a:bodyPr/>
-                    <a:lstStyle/>
-                    <a:p>
-                      <a:endParaRPr lang="pt-PT" sz="1600">
-                        <a:latin typeface="Verdana" panose="020B0604030504040204" pitchFamily="34" charset="0"/>
-                        <a:ea typeface="Verdana" panose="020B0604030504040204" pitchFamily="34" charset="0"/>
-                      </a:endParaRPr>
-                    </a:p>
-                  </a:txBody>
-                  <a:tcPr/>
-                </a:tc>
-                <a:tc>
-                  <a:txBody>
-                    <a:bodyPr/>
-                    <a:lstStyle/>
-                    <a:p>
-                      <a:endParaRPr lang="pt-PT" sz="1600" dirty="0">
-                        <a:latin typeface="Verdana" panose="020B0604030504040204" pitchFamily="34" charset="0"/>
-                        <a:ea typeface="Verdana" panose="020B0604030504040204" pitchFamily="34" charset="0"/>
-                      </a:endParaRPr>
-                    </a:p>
-                  </a:txBody>
-                  <a:tcPr/>
-                </a:tc>
-                <a:extLst>
-                  <a:ext uri="{0D108BD9-81ED-4DB2-BD59-A6C34878D82A}">
-                    <a16:rowId xmlns:a16="http://schemas.microsoft.com/office/drawing/2014/main" val="2940923386"/>
-                  </a:ext>
-                </a:extLst>
-              </a:tr>
-              <a:tr h="370840">
-                <a:tc>
-                  <a:txBody>
-                    <a:bodyPr/>
-                    <a:lstStyle/>
-                    <a:p>
-                      <a:r>
-                        <a:rPr lang="pt-PT" sz="1600" dirty="0">
-                          <a:latin typeface="Verdana" panose="020B0604030504040204" pitchFamily="34" charset="0"/>
-                          <a:ea typeface="Verdana" panose="020B0604030504040204" pitchFamily="34" charset="0"/>
-                        </a:rPr>
-                        <a:t>Gestão de Conflitos e Tempo</a:t>
-                      </a:r>
-                    </a:p>
-                  </a:txBody>
-                  <a:tcPr/>
-                </a:tc>
-                <a:tc>
-                  <a:txBody>
-                    <a:bodyPr/>
-                    <a:lstStyle/>
-                    <a:p>
-                      <a:endParaRPr lang="pt-PT" sz="1600" dirty="0">
-                        <a:latin typeface="Verdana" panose="020B0604030504040204" pitchFamily="34" charset="0"/>
-                        <a:ea typeface="Verdana" panose="020B0604030504040204" pitchFamily="34" charset="0"/>
-                      </a:endParaRPr>
-                    </a:p>
-                  </a:txBody>
-                  <a:tcPr/>
-                </a:tc>
-                <a:tc>
-                  <a:txBody>
-                    <a:bodyPr/>
-                    <a:lstStyle/>
-                    <a:p>
-                      <a:endParaRPr lang="pt-PT" sz="1600" dirty="0">
-                        <a:latin typeface="Verdana" panose="020B0604030504040204" pitchFamily="34" charset="0"/>
-                        <a:ea typeface="Verdana" panose="020B0604030504040204" pitchFamily="34" charset="0"/>
-                      </a:endParaRPr>
-                    </a:p>
-                  </a:txBody>
-                  <a:tcPr/>
-                </a:tc>
-                <a:tc>
-                  <a:txBody>
-                    <a:bodyPr/>
-                    <a:lstStyle/>
-                    <a:p>
-                      <a:endParaRPr lang="pt-PT" sz="1600" dirty="0">
-                        <a:latin typeface="Verdana" panose="020B0604030504040204" pitchFamily="34" charset="0"/>
-                        <a:ea typeface="Verdana" panose="020B0604030504040204" pitchFamily="34" charset="0"/>
-                      </a:endParaRPr>
-                    </a:p>
-                  </a:txBody>
-                  <a:tcPr/>
-                </a:tc>
-                <a:tc>
-                  <a:txBody>
-                    <a:bodyPr/>
-                    <a:lstStyle/>
-                    <a:p>
-                      <a:endParaRPr lang="pt-PT" sz="1600" dirty="0">
-                        <a:latin typeface="Verdana" panose="020B0604030504040204" pitchFamily="34" charset="0"/>
-                        <a:ea typeface="Verdana" panose="020B0604030504040204" pitchFamily="34" charset="0"/>
-                      </a:endParaRPr>
-                    </a:p>
-                  </a:txBody>
-                  <a:tcPr/>
-                </a:tc>
-                <a:tc>
-                  <a:txBody>
-                    <a:bodyPr/>
-                    <a:lstStyle/>
-                    <a:p>
-                      <a:endParaRPr lang="pt-PT" sz="1600" dirty="0">
-                        <a:latin typeface="Verdana" panose="020B0604030504040204" pitchFamily="34" charset="0"/>
-                        <a:ea typeface="Verdana" panose="020B0604030504040204" pitchFamily="34" charset="0"/>
-                      </a:endParaRPr>
-                    </a:p>
-                  </a:txBody>
-                  <a:tcPr/>
-                </a:tc>
-                <a:extLst>
-                  <a:ext uri="{0D108BD9-81ED-4DB2-BD59-A6C34878D82A}">
-                    <a16:rowId xmlns:a16="http://schemas.microsoft.com/office/drawing/2014/main" val="4135024"/>
-                  </a:ext>
-                </a:extLst>
-              </a:tr>
-            </a:tbl>
-          </a:graphicData>
-        </a:graphic>
-      </p:graphicFrame>
-    </p:spTree>
-    <p:extLst>
-      <p:ext uri="{BB962C8B-B14F-4D97-AF65-F5344CB8AC3E}">
-        <p14:creationId xmlns:p14="http://schemas.microsoft.com/office/powerpoint/2010/main" val="3063018683"/>
-      </p:ext>
-    </p:extLst>
-  </p:cSld>
-  <p:clrMapOvr>
-    <a:masterClrMapping/>
-  </p:clrMapOvr>
-</p:sld>
-</file>
-
-<file path=ppt/slides/slide12.xml><?xml version="1.0" encoding="utf-8"?>
-<p:sld xmlns:a="http://schemas.openxmlformats.org/drawingml/2006/main" xmlns:r="http://schemas.openxmlformats.org/officeDocument/2006/relationships" xmlns:p="http://schemas.openxmlformats.org/presentationml/2006/main">
-  <p:cSld>
-    <p:spTree>
-      <p:nvGrpSpPr>
-        <p:cNvPr id="1" name=""/>
-        <p:cNvGrpSpPr/>
-        <p:nvPr/>
-      </p:nvGrpSpPr>
-      <p:grpSpPr>
-        <a:xfrm>
-          <a:off x="0" y="0"/>
-          <a:ext cx="0" cy="0"/>
-          <a:chOff x="0" y="0"/>
-          <a:chExt cx="0" cy="0"/>
-        </a:xfrm>
-      </p:grpSpPr>
-      <p:sp>
-        <p:nvSpPr>
-          <p:cNvPr id="2" name="Título 1">
-            <a:extLst>
-              <a:ext uri="{FF2B5EF4-FFF2-40B4-BE49-F238E27FC236}">
-                <a16:creationId xmlns:a16="http://schemas.microsoft.com/office/drawing/2014/main" id="{FD2B9DF6-4A89-44C2-B068-0135B6696ABD}"/>
-              </a:ext>
-            </a:extLst>
-          </p:cNvPr>
-          <p:cNvSpPr>
-            <a:spLocks noGrp="1"/>
-          </p:cNvSpPr>
-          <p:nvPr>
-            <p:ph type="title"/>
-          </p:nvPr>
-        </p:nvSpPr>
-        <p:spPr>
-          <a:xfrm>
-            <a:off x="1115568" y="548640"/>
-            <a:ext cx="9867392" cy="1179576"/>
-          </a:xfrm>
-        </p:spPr>
-        <p:txBody>
-          <a:bodyPr>
-            <a:noAutofit/>
-          </a:bodyPr>
-          <a:lstStyle/>
-          <a:p>
-            <a:r>
-              <a:rPr lang="pt-PT" sz="3600" dirty="0">
-                <a:latin typeface="Verdana" panose="020B0604030504040204" pitchFamily="34" charset="0"/>
-                <a:ea typeface="Verdana" panose="020B0604030504040204" pitchFamily="34" charset="0"/>
-              </a:rPr>
-              <a:t>Evolução de Cada Membro da Equipa</a:t>
-            </a:r>
-          </a:p>
-        </p:txBody>
-      </p:sp>
-      <p:sp>
-        <p:nvSpPr>
-          <p:cNvPr id="3" name="Marcador de Posição de Conteúdo 2">
-            <a:extLst>
-              <a:ext uri="{FF2B5EF4-FFF2-40B4-BE49-F238E27FC236}">
-                <a16:creationId xmlns:a16="http://schemas.microsoft.com/office/drawing/2014/main" id="{3E0531D9-5661-4ECF-BF77-710A2A399C1E}"/>
-              </a:ext>
-            </a:extLst>
-          </p:cNvPr>
-          <p:cNvSpPr>
-            <a:spLocks noGrp="1"/>
-          </p:cNvSpPr>
-          <p:nvPr>
-            <p:ph idx="1"/>
-          </p:nvPr>
-        </p:nvSpPr>
-        <p:spPr/>
-        <p:txBody>
-          <a:bodyPr/>
-          <a:lstStyle/>
-          <a:p>
-            <a:endParaRPr lang="pt-PT" dirty="0"/>
-          </a:p>
-        </p:txBody>
-      </p:sp>
-      <p:graphicFrame>
-        <p:nvGraphicFramePr>
-          <p:cNvPr id="4" name="Tabela 4">
-            <a:extLst>
-              <a:ext uri="{FF2B5EF4-FFF2-40B4-BE49-F238E27FC236}">
-                <a16:creationId xmlns:a16="http://schemas.microsoft.com/office/drawing/2014/main" id="{09115221-14AD-4CC3-813B-B4BCD3C9D5D2}"/>
-              </a:ext>
-            </a:extLst>
-          </p:cNvPr>
-          <p:cNvGraphicFramePr>
-            <a:graphicFrameLocks/>
-          </p:cNvGraphicFramePr>
-          <p:nvPr>
-            <p:extLst>
-              <p:ext uri="{D42A27DB-BD31-4B8C-83A1-F6EECF244321}">
-                <p14:modId xmlns:p14="http://schemas.microsoft.com/office/powerpoint/2010/main" val="1079188675"/>
-              </p:ext>
-            </p:extLst>
-          </p:nvPr>
-        </p:nvGraphicFramePr>
-        <p:xfrm>
-          <a:off x="1158240" y="1728216"/>
-          <a:ext cx="9782048" cy="2055450"/>
-        </p:xfrm>
-        <a:graphic>
-          <a:graphicData uri="http://schemas.openxmlformats.org/drawingml/2006/table">
-            <a:tbl>
-              <a:tblPr firstRow="1" bandRow="1">
-                <a:tableStyleId>{5C22544A-7EE6-4342-B048-85BDC9FD1C3A}</a:tableStyleId>
-              </a:tblPr>
-              <a:tblGrid>
-                <a:gridCol w="2558288">
-                  <a:extLst>
-                    <a:ext uri="{9D8B030D-6E8A-4147-A177-3AD203B41FA5}">
-                      <a16:colId xmlns:a16="http://schemas.microsoft.com/office/drawing/2014/main" val="1449156705"/>
-                    </a:ext>
-                  </a:extLst>
-                </a:gridCol>
-                <a:gridCol w="741680">
-                  <a:extLst>
-                    <a:ext uri="{9D8B030D-6E8A-4147-A177-3AD203B41FA5}">
-                      <a16:colId xmlns:a16="http://schemas.microsoft.com/office/drawing/2014/main" val="3500186421"/>
-                    </a:ext>
-                  </a:extLst>
-                </a:gridCol>
-                <a:gridCol w="1259840">
-                  <a:extLst>
-                    <a:ext uri="{9D8B030D-6E8A-4147-A177-3AD203B41FA5}">
-                      <a16:colId xmlns:a16="http://schemas.microsoft.com/office/drawing/2014/main" val="3452294040"/>
-                    </a:ext>
-                  </a:extLst>
-                </a:gridCol>
-                <a:gridCol w="2072640">
-                  <a:extLst>
-                    <a:ext uri="{9D8B030D-6E8A-4147-A177-3AD203B41FA5}">
-                      <a16:colId xmlns:a16="http://schemas.microsoft.com/office/drawing/2014/main" val="800563202"/>
-                    </a:ext>
-                  </a:extLst>
-                </a:gridCol>
-                <a:gridCol w="3149600">
-                  <a:extLst>
-                    <a:ext uri="{9D8B030D-6E8A-4147-A177-3AD203B41FA5}">
-                      <a16:colId xmlns:a16="http://schemas.microsoft.com/office/drawing/2014/main" val="819999665"/>
-                    </a:ext>
-                  </a:extLst>
-                </a:gridCol>
-              </a:tblGrid>
-              <a:tr h="343150">
-                <a:tc>
-                  <a:txBody>
-                    <a:bodyPr/>
-                    <a:lstStyle/>
-                    <a:p>
-                      <a:pPr algn="l"/>
-                      <a:endParaRPr lang="pt-PT" sz="1400" dirty="0">
-                        <a:latin typeface="Verdana" panose="020B0604030504040204" pitchFamily="34" charset="0"/>
-                        <a:ea typeface="Verdana" panose="020B0604030504040204" pitchFamily="34" charset="0"/>
-                      </a:endParaRPr>
-                    </a:p>
-                  </a:txBody>
-                  <a:tcPr anchor="ctr"/>
-                </a:tc>
-                <a:tc>
-                  <a:txBody>
-                    <a:bodyPr/>
-                    <a:lstStyle/>
-                    <a:p>
-                      <a:pPr algn="ctr"/>
-                      <a:r>
-                        <a:rPr lang="pt-PT" sz="1400" dirty="0">
-                          <a:latin typeface="Verdana" panose="020B0604030504040204" pitchFamily="34" charset="0"/>
-                          <a:ea typeface="Verdana" panose="020B0604030504040204" pitchFamily="34" charset="0"/>
-                        </a:rPr>
-                        <a:t>Java</a:t>
-                      </a:r>
-                    </a:p>
-                  </a:txBody>
-                  <a:tcPr anchor="ctr"/>
-                </a:tc>
-                <a:tc>
-                  <a:txBody>
-                    <a:bodyPr/>
-                    <a:lstStyle/>
-                    <a:p>
-                      <a:pPr algn="ctr"/>
-                      <a:r>
-                        <a:rPr lang="pt-PT" sz="1400" dirty="0">
-                          <a:latin typeface="Verdana" panose="020B0604030504040204" pitchFamily="34" charset="0"/>
-                          <a:ea typeface="Verdana" panose="020B0604030504040204" pitchFamily="34" charset="0"/>
-                        </a:rPr>
-                        <a:t>Liderança</a:t>
-                      </a:r>
-                    </a:p>
-                  </a:txBody>
-                  <a:tcPr anchor="ctr"/>
-                </a:tc>
-                <a:tc>
-                  <a:txBody>
-                    <a:bodyPr/>
-                    <a:lstStyle/>
-                    <a:p>
-                      <a:pPr algn="ctr"/>
-                      <a:r>
-                        <a:rPr lang="pt-PT" sz="1400" dirty="0">
-                          <a:latin typeface="Verdana" panose="020B0604030504040204" pitchFamily="34" charset="0"/>
-                          <a:ea typeface="Verdana" panose="020B0604030504040204" pitchFamily="34" charset="0"/>
-                        </a:rPr>
-                        <a:t>Trabalho de Grupo</a:t>
-                      </a:r>
-                    </a:p>
-                  </a:txBody>
-                  <a:tcPr anchor="ctr"/>
-                </a:tc>
-                <a:tc>
-                  <a:txBody>
-                    <a:bodyPr/>
-                    <a:lstStyle/>
-                    <a:p>
-                      <a:pPr algn="ctr"/>
-                      <a:r>
-                        <a:rPr lang="pt-PT" sz="1400" dirty="0">
-                          <a:latin typeface="Verdana" panose="020B0604030504040204" pitchFamily="34" charset="0"/>
-                          <a:ea typeface="Verdana" panose="020B0604030504040204" pitchFamily="34" charset="0"/>
-                        </a:rPr>
-                        <a:t>Gestão de Conflitos e Tempo</a:t>
-                      </a:r>
-                    </a:p>
-                  </a:txBody>
-                  <a:tcPr anchor="ctr"/>
-                </a:tc>
-                <a:extLst>
-                  <a:ext uri="{0D108BD9-81ED-4DB2-BD59-A6C34878D82A}">
-                    <a16:rowId xmlns:a16="http://schemas.microsoft.com/office/drawing/2014/main" val="3404695816"/>
-                  </a:ext>
-                </a:extLst>
-              </a:tr>
-              <a:tr h="343150">
-                <a:tc>
-                  <a:txBody>
-                    <a:bodyPr/>
-                    <a:lstStyle/>
-                    <a:p>
-                      <a:pPr algn="l"/>
-                      <a:r>
-                        <a:rPr lang="pt-PT" sz="1400" dirty="0">
-                          <a:latin typeface="Verdana" panose="020B0604030504040204" pitchFamily="34" charset="0"/>
-                          <a:ea typeface="Verdana" panose="020B0604030504040204" pitchFamily="34" charset="0"/>
-                        </a:rPr>
-                        <a:t>1190429 - Beatriz Vaz</a:t>
-                      </a:r>
-                    </a:p>
-                  </a:txBody>
-                  <a:tcPr anchor="ctr"/>
-                </a:tc>
-                <a:tc>
-                  <a:txBody>
-                    <a:bodyPr/>
-                    <a:lstStyle/>
-                    <a:p>
-                      <a:pPr algn="ctr"/>
-                      <a:endParaRPr lang="pt-PT" sz="1400" dirty="0">
-                        <a:latin typeface="Verdana" panose="020B0604030504040204" pitchFamily="34" charset="0"/>
-                        <a:ea typeface="Verdana" panose="020B0604030504040204" pitchFamily="34" charset="0"/>
-                      </a:endParaRPr>
-                    </a:p>
-                  </a:txBody>
-                  <a:tcPr anchor="ctr"/>
-                </a:tc>
-                <a:tc>
-                  <a:txBody>
-                    <a:bodyPr/>
-                    <a:lstStyle/>
-                    <a:p>
-                      <a:pPr algn="ctr"/>
-                      <a:endParaRPr lang="pt-PT" sz="1400" dirty="0">
-                        <a:latin typeface="Verdana" panose="020B0604030504040204" pitchFamily="34" charset="0"/>
-                        <a:ea typeface="Verdana" panose="020B0604030504040204" pitchFamily="34" charset="0"/>
-                      </a:endParaRPr>
-                    </a:p>
-                  </a:txBody>
-                  <a:tcPr anchor="ctr"/>
-                </a:tc>
-                <a:tc>
-                  <a:txBody>
-                    <a:bodyPr/>
-                    <a:lstStyle/>
-                    <a:p>
-                      <a:pPr algn="ctr"/>
-                      <a:endParaRPr lang="pt-PT" sz="1400" dirty="0">
-                        <a:latin typeface="Verdana" panose="020B0604030504040204" pitchFamily="34" charset="0"/>
-                        <a:ea typeface="Verdana" panose="020B0604030504040204" pitchFamily="34" charset="0"/>
-                      </a:endParaRPr>
-                    </a:p>
-                  </a:txBody>
-                  <a:tcPr anchor="ctr"/>
-                </a:tc>
-                <a:tc>
-                  <a:txBody>
-                    <a:bodyPr/>
-                    <a:lstStyle/>
-                    <a:p>
-                      <a:pPr algn="ctr"/>
-                      <a:endParaRPr lang="pt-PT" sz="1400" dirty="0">
-                        <a:latin typeface="Verdana" panose="020B0604030504040204" pitchFamily="34" charset="0"/>
-                        <a:ea typeface="Verdana" panose="020B0604030504040204" pitchFamily="34" charset="0"/>
-                      </a:endParaRPr>
-                    </a:p>
-                  </a:txBody>
-                  <a:tcPr anchor="ctr"/>
-                </a:tc>
-                <a:extLst>
-                  <a:ext uri="{0D108BD9-81ED-4DB2-BD59-A6C34878D82A}">
-                    <a16:rowId xmlns:a16="http://schemas.microsoft.com/office/drawing/2014/main" val="4189663187"/>
-                  </a:ext>
-                </a:extLst>
-              </a:tr>
-              <a:tr h="342000">
-                <a:tc>
-                  <a:txBody>
-                    <a:bodyPr/>
-                    <a:lstStyle/>
-                    <a:p>
-                      <a:pPr marL="0" indent="0" algn="l">
-                        <a:buFont typeface="Arial" panose="020B0604020202020204" pitchFamily="34" charset="0"/>
-                        <a:buNone/>
-                      </a:pPr>
-                      <a:r>
-                        <a:rPr lang="en-US" sz="1400" dirty="0">
-                          <a:latin typeface="Verdana" panose="020B0604030504040204" pitchFamily="34" charset="0"/>
-                          <a:ea typeface="Verdana" panose="020B0604030504040204" pitchFamily="34" charset="0"/>
-                        </a:rPr>
-                        <a:t>1190769 - José Oliveira</a:t>
-                      </a:r>
-                    </a:p>
-                  </a:txBody>
-                  <a:tcPr anchor="ctr"/>
-                </a:tc>
-                <a:tc>
-                  <a:txBody>
-                    <a:bodyPr/>
-                    <a:lstStyle/>
-                    <a:p>
-                      <a:pPr algn="ctr"/>
-                      <a:endParaRPr lang="pt-PT" sz="1400" dirty="0">
-                        <a:latin typeface="Verdana" panose="020B0604030504040204" pitchFamily="34" charset="0"/>
-                        <a:ea typeface="Verdana" panose="020B0604030504040204" pitchFamily="34" charset="0"/>
-                      </a:endParaRPr>
-                    </a:p>
-                  </a:txBody>
-                  <a:tcPr anchor="ctr"/>
-                </a:tc>
-                <a:tc>
-                  <a:txBody>
-                    <a:bodyPr/>
-                    <a:lstStyle/>
-                    <a:p>
-                      <a:pPr algn="ctr"/>
-                      <a:endParaRPr lang="pt-PT" sz="1400">
-                        <a:latin typeface="Verdana" panose="020B0604030504040204" pitchFamily="34" charset="0"/>
-                        <a:ea typeface="Verdana" panose="020B0604030504040204" pitchFamily="34" charset="0"/>
-                      </a:endParaRPr>
-                    </a:p>
-                  </a:txBody>
-                  <a:tcPr anchor="ctr"/>
-                </a:tc>
-                <a:tc>
-                  <a:txBody>
-                    <a:bodyPr/>
-                    <a:lstStyle/>
-                    <a:p>
-                      <a:pPr algn="ctr"/>
-                      <a:endParaRPr lang="pt-PT" sz="1400" dirty="0">
-                        <a:latin typeface="Verdana" panose="020B0604030504040204" pitchFamily="34" charset="0"/>
-                        <a:ea typeface="Verdana" panose="020B0604030504040204" pitchFamily="34" charset="0"/>
-                      </a:endParaRPr>
-                    </a:p>
-                  </a:txBody>
-                  <a:tcPr anchor="ctr"/>
-                </a:tc>
-                <a:tc>
-                  <a:txBody>
-                    <a:bodyPr/>
-                    <a:lstStyle/>
-                    <a:p>
-                      <a:pPr algn="ctr"/>
-                      <a:endParaRPr lang="pt-PT" sz="1400" dirty="0">
-                        <a:latin typeface="Verdana" panose="020B0604030504040204" pitchFamily="34" charset="0"/>
-                        <a:ea typeface="Verdana" panose="020B0604030504040204" pitchFamily="34" charset="0"/>
-                      </a:endParaRPr>
-                    </a:p>
-                  </a:txBody>
-                  <a:tcPr anchor="ctr"/>
-                </a:tc>
-                <a:extLst>
-                  <a:ext uri="{0D108BD9-81ED-4DB2-BD59-A6C34878D82A}">
-                    <a16:rowId xmlns:a16="http://schemas.microsoft.com/office/drawing/2014/main" val="2629651851"/>
-                  </a:ext>
-                </a:extLst>
-              </a:tr>
-              <a:tr h="342000">
-                <a:tc>
-                  <a:txBody>
-                    <a:bodyPr/>
-                    <a:lstStyle/>
-                    <a:p>
-                      <a:pPr marL="0" indent="0" algn="l">
-                        <a:buFont typeface="Arial" panose="020B0604020202020204" pitchFamily="34" charset="0"/>
-                        <a:buNone/>
-                      </a:pPr>
-                      <a:r>
-                        <a:rPr lang="en-US" sz="1400" dirty="0">
-                          <a:latin typeface="Verdana" panose="020B0604030504040204" pitchFamily="34" charset="0"/>
-                          <a:ea typeface="Verdana" panose="020B0604030504040204" pitchFamily="34" charset="0"/>
-                        </a:rPr>
-                        <a:t>1190974 - Pedro </a:t>
-                      </a:r>
-                      <a:r>
-                        <a:rPr lang="en-US" sz="1400" dirty="0" err="1">
-                          <a:latin typeface="Verdana" panose="020B0604030504040204" pitchFamily="34" charset="0"/>
-                          <a:ea typeface="Verdana" panose="020B0604030504040204" pitchFamily="34" charset="0"/>
-                        </a:rPr>
-                        <a:t>Lemos</a:t>
-                      </a:r>
-                      <a:endParaRPr lang="en-US" sz="1400" dirty="0">
-                        <a:latin typeface="Verdana" panose="020B0604030504040204" pitchFamily="34" charset="0"/>
-                        <a:ea typeface="Verdana" panose="020B0604030504040204" pitchFamily="34" charset="0"/>
-                      </a:endParaRPr>
-                    </a:p>
-                  </a:txBody>
-                  <a:tcPr anchor="ctr"/>
-                </a:tc>
-                <a:tc>
-                  <a:txBody>
-                    <a:bodyPr/>
-                    <a:lstStyle/>
-                    <a:p>
-                      <a:pPr algn="ctr"/>
-                      <a:endParaRPr lang="pt-PT" sz="1400" dirty="0">
-                        <a:latin typeface="Verdana" panose="020B0604030504040204" pitchFamily="34" charset="0"/>
-                        <a:ea typeface="Verdana" panose="020B0604030504040204" pitchFamily="34" charset="0"/>
-                      </a:endParaRPr>
-                    </a:p>
-                  </a:txBody>
-                  <a:tcPr anchor="ctr"/>
-                </a:tc>
-                <a:tc>
-                  <a:txBody>
-                    <a:bodyPr/>
-                    <a:lstStyle/>
-                    <a:p>
-                      <a:pPr algn="ctr"/>
-                      <a:endParaRPr lang="pt-PT" sz="1400">
-                        <a:latin typeface="Verdana" panose="020B0604030504040204" pitchFamily="34" charset="0"/>
-                        <a:ea typeface="Verdana" panose="020B0604030504040204" pitchFamily="34" charset="0"/>
-                      </a:endParaRPr>
-                    </a:p>
-                  </a:txBody>
-                  <a:tcPr anchor="ctr"/>
-                </a:tc>
-                <a:tc>
-                  <a:txBody>
-                    <a:bodyPr/>
-                    <a:lstStyle/>
-                    <a:p>
-                      <a:pPr algn="ctr"/>
-                      <a:endParaRPr lang="pt-PT" sz="1400">
-                        <a:latin typeface="Verdana" panose="020B0604030504040204" pitchFamily="34" charset="0"/>
-                        <a:ea typeface="Verdana" panose="020B0604030504040204" pitchFamily="34" charset="0"/>
-                      </a:endParaRPr>
-                    </a:p>
-                  </a:txBody>
-                  <a:tcPr anchor="ctr"/>
-                </a:tc>
-                <a:tc>
-                  <a:txBody>
-                    <a:bodyPr/>
-                    <a:lstStyle/>
-                    <a:p>
-                      <a:pPr algn="ctr"/>
-                      <a:endParaRPr lang="pt-PT" sz="1400" dirty="0">
-                        <a:latin typeface="Verdana" panose="020B0604030504040204" pitchFamily="34" charset="0"/>
-                        <a:ea typeface="Verdana" panose="020B0604030504040204" pitchFamily="34" charset="0"/>
-                      </a:endParaRPr>
-                    </a:p>
-                  </a:txBody>
-                  <a:tcPr anchor="ctr"/>
-                </a:tc>
-                <a:extLst>
-                  <a:ext uri="{0D108BD9-81ED-4DB2-BD59-A6C34878D82A}">
-                    <a16:rowId xmlns:a16="http://schemas.microsoft.com/office/drawing/2014/main" val="2940923386"/>
-                  </a:ext>
-                </a:extLst>
-              </a:tr>
-              <a:tr h="342000">
-                <a:tc>
-                  <a:txBody>
-                    <a:bodyPr/>
-                    <a:lstStyle/>
-                    <a:p>
-                      <a:pPr marL="0" indent="0" algn="l">
-                        <a:buFont typeface="Arial" panose="020B0604020202020204" pitchFamily="34" charset="0"/>
-                        <a:buNone/>
-                      </a:pPr>
-                      <a:r>
-                        <a:rPr lang="en-US" sz="1400" dirty="0">
-                          <a:latin typeface="Verdana" panose="020B0604030504040204" pitchFamily="34" charset="0"/>
-                          <a:ea typeface="Verdana" panose="020B0604030504040204" pitchFamily="34" charset="0"/>
-                        </a:rPr>
-                        <a:t>1190800 - Leandro Sousa</a:t>
-                      </a:r>
-                    </a:p>
-                  </a:txBody>
-                  <a:tcPr anchor="ctr"/>
-                </a:tc>
-                <a:tc>
-                  <a:txBody>
-                    <a:bodyPr/>
-                    <a:lstStyle/>
-                    <a:p>
-                      <a:pPr algn="ctr"/>
-                      <a:endParaRPr lang="pt-PT" sz="1400" dirty="0">
-                        <a:latin typeface="Verdana" panose="020B0604030504040204" pitchFamily="34" charset="0"/>
-                        <a:ea typeface="Verdana" panose="020B0604030504040204" pitchFamily="34" charset="0"/>
-                      </a:endParaRPr>
-                    </a:p>
-                  </a:txBody>
-                  <a:tcPr anchor="ctr"/>
-                </a:tc>
-                <a:tc>
-                  <a:txBody>
-                    <a:bodyPr/>
-                    <a:lstStyle/>
-                    <a:p>
-                      <a:pPr algn="ctr"/>
-                      <a:endParaRPr lang="pt-PT" sz="1400" dirty="0">
-                        <a:latin typeface="Verdana" panose="020B0604030504040204" pitchFamily="34" charset="0"/>
-                        <a:ea typeface="Verdana" panose="020B0604030504040204" pitchFamily="34" charset="0"/>
-                      </a:endParaRPr>
-                    </a:p>
-                  </a:txBody>
-                  <a:tcPr anchor="ctr"/>
-                </a:tc>
-                <a:tc>
-                  <a:txBody>
-                    <a:bodyPr/>
-                    <a:lstStyle/>
-                    <a:p>
-                      <a:pPr algn="ctr"/>
-                      <a:endParaRPr lang="pt-PT" sz="1400" dirty="0">
-                        <a:latin typeface="Verdana" panose="020B0604030504040204" pitchFamily="34" charset="0"/>
-                        <a:ea typeface="Verdana" panose="020B0604030504040204" pitchFamily="34" charset="0"/>
-                      </a:endParaRPr>
-                    </a:p>
-                  </a:txBody>
-                  <a:tcPr anchor="ctr"/>
-                </a:tc>
-                <a:tc>
-                  <a:txBody>
-                    <a:bodyPr/>
-                    <a:lstStyle/>
-                    <a:p>
-                      <a:pPr algn="ctr"/>
-                      <a:endParaRPr lang="pt-PT" sz="1400" dirty="0">
-                        <a:latin typeface="Verdana" panose="020B0604030504040204" pitchFamily="34" charset="0"/>
-                        <a:ea typeface="Verdana" panose="020B0604030504040204" pitchFamily="34" charset="0"/>
-                      </a:endParaRPr>
-                    </a:p>
-                  </a:txBody>
-                  <a:tcPr anchor="ctr"/>
-                </a:tc>
-                <a:extLst>
-                  <a:ext uri="{0D108BD9-81ED-4DB2-BD59-A6C34878D82A}">
-                    <a16:rowId xmlns:a16="http://schemas.microsoft.com/office/drawing/2014/main" val="4135024"/>
-                  </a:ext>
-                </a:extLst>
-              </a:tr>
-              <a:tr h="343150">
-                <a:tc>
-                  <a:txBody>
-                    <a:bodyPr/>
-                    <a:lstStyle/>
-                    <a:p>
-                      <a:pPr marL="0" marR="0" lvl="0" indent="0" algn="l" defTabSz="914400" rtl="0" eaLnBrk="1" fontAlgn="auto" latinLnBrk="0" hangingPunct="1">
-                        <a:lnSpc>
-                          <a:spcPct val="100000"/>
-                        </a:lnSpc>
-                        <a:spcBef>
-                          <a:spcPts val="0"/>
-                        </a:spcBef>
-                        <a:spcAft>
-                          <a:spcPts val="0"/>
-                        </a:spcAft>
-                        <a:buClrTx/>
-                        <a:buSzTx/>
-                        <a:buFont typeface="Arial" panose="020B0604020202020204" pitchFamily="34" charset="0"/>
-                        <a:buNone/>
-                        <a:tabLst/>
-                        <a:defRPr/>
-                      </a:pPr>
-                      <a:r>
-                        <a:rPr lang="en-US" sz="1400" dirty="0">
-                          <a:latin typeface="Verdana" panose="020B0604030504040204" pitchFamily="34" charset="0"/>
-                          <a:ea typeface="Verdana" panose="020B0604030504040204" pitchFamily="34" charset="0"/>
-                        </a:rPr>
-                        <a:t>1191098 - Tiago Pinto</a:t>
-                      </a:r>
-                      <a:endParaRPr lang="pt-PT" sz="1400" dirty="0">
-                        <a:latin typeface="Verdana" panose="020B0604030504040204" pitchFamily="34" charset="0"/>
-                        <a:ea typeface="Verdana" panose="020B0604030504040204" pitchFamily="34" charset="0"/>
-                      </a:endParaRPr>
-                    </a:p>
-                  </a:txBody>
-                  <a:tcPr anchor="ctr"/>
-                </a:tc>
-                <a:tc>
-                  <a:txBody>
-                    <a:bodyPr/>
-                    <a:lstStyle/>
-                    <a:p>
-                      <a:pPr algn="ctr"/>
-                      <a:endParaRPr lang="pt-PT" sz="1400" dirty="0">
-                        <a:latin typeface="Verdana" panose="020B0604030504040204" pitchFamily="34" charset="0"/>
-                        <a:ea typeface="Verdana" panose="020B0604030504040204" pitchFamily="34" charset="0"/>
-                      </a:endParaRPr>
-                    </a:p>
-                  </a:txBody>
-                  <a:tcPr anchor="ctr"/>
-                </a:tc>
-                <a:tc>
-                  <a:txBody>
-                    <a:bodyPr/>
-                    <a:lstStyle/>
-                    <a:p>
-                      <a:pPr algn="ctr"/>
-                      <a:endParaRPr lang="pt-PT" sz="1400" dirty="0">
-                        <a:latin typeface="Verdana" panose="020B0604030504040204" pitchFamily="34" charset="0"/>
-                        <a:ea typeface="Verdana" panose="020B0604030504040204" pitchFamily="34" charset="0"/>
-                      </a:endParaRPr>
-                    </a:p>
-                  </a:txBody>
-                  <a:tcPr anchor="ctr"/>
-                </a:tc>
-                <a:tc>
-                  <a:txBody>
-                    <a:bodyPr/>
-                    <a:lstStyle/>
-                    <a:p>
-                      <a:pPr algn="ctr"/>
-                      <a:endParaRPr lang="pt-PT" sz="1400" dirty="0">
-                        <a:latin typeface="Verdana" panose="020B0604030504040204" pitchFamily="34" charset="0"/>
-                        <a:ea typeface="Verdana" panose="020B0604030504040204" pitchFamily="34" charset="0"/>
-                      </a:endParaRPr>
-                    </a:p>
-                  </a:txBody>
-                  <a:tcPr anchor="ctr"/>
-                </a:tc>
-                <a:tc>
-                  <a:txBody>
-                    <a:bodyPr/>
-                    <a:lstStyle/>
-                    <a:p>
-                      <a:pPr algn="ctr"/>
-                      <a:endParaRPr lang="pt-PT" sz="1400" dirty="0">
-                        <a:latin typeface="Verdana" panose="020B0604030504040204" pitchFamily="34" charset="0"/>
-                        <a:ea typeface="Verdana" panose="020B0604030504040204" pitchFamily="34" charset="0"/>
-                      </a:endParaRPr>
-                    </a:p>
-                  </a:txBody>
-                  <a:tcPr anchor="ctr"/>
-                </a:tc>
-                <a:extLst>
-                  <a:ext uri="{0D108BD9-81ED-4DB2-BD59-A6C34878D82A}">
-                    <a16:rowId xmlns:a16="http://schemas.microsoft.com/office/drawing/2014/main" val="2036538492"/>
-                  </a:ext>
-                </a:extLst>
-              </a:tr>
-            </a:tbl>
-          </a:graphicData>
-        </a:graphic>
-      </p:graphicFrame>
-      <p:graphicFrame>
-        <p:nvGraphicFramePr>
-          <p:cNvPr id="6" name="Tabela 4">
-            <a:extLst>
-              <a:ext uri="{FF2B5EF4-FFF2-40B4-BE49-F238E27FC236}">
-                <a16:creationId xmlns:a16="http://schemas.microsoft.com/office/drawing/2014/main" id="{B3AEF48C-5198-4672-A8DA-9BD2ED91EE43}"/>
-              </a:ext>
-            </a:extLst>
-          </p:cNvPr>
-          <p:cNvGraphicFramePr>
-            <a:graphicFrameLocks/>
-          </p:cNvGraphicFramePr>
-          <p:nvPr>
-            <p:extLst>
-              <p:ext uri="{D42A27DB-BD31-4B8C-83A1-F6EECF244321}">
-                <p14:modId xmlns:p14="http://schemas.microsoft.com/office/powerpoint/2010/main" val="3407297963"/>
-              </p:ext>
-            </p:extLst>
-          </p:nvPr>
-        </p:nvGraphicFramePr>
-        <p:xfrm>
-          <a:off x="1158240" y="4253910"/>
-          <a:ext cx="9782048" cy="2055450"/>
-        </p:xfrm>
-        <a:graphic>
-          <a:graphicData uri="http://schemas.openxmlformats.org/drawingml/2006/table">
-            <a:tbl>
-              <a:tblPr firstRow="1" bandRow="1">
-                <a:tableStyleId>{5C22544A-7EE6-4342-B048-85BDC9FD1C3A}</a:tableStyleId>
-              </a:tblPr>
-              <a:tblGrid>
-                <a:gridCol w="2558288">
-                  <a:extLst>
-                    <a:ext uri="{9D8B030D-6E8A-4147-A177-3AD203B41FA5}">
-                      <a16:colId xmlns:a16="http://schemas.microsoft.com/office/drawing/2014/main" val="1449156705"/>
-                    </a:ext>
-                  </a:extLst>
-                </a:gridCol>
-                <a:gridCol w="741680">
-                  <a:extLst>
-                    <a:ext uri="{9D8B030D-6E8A-4147-A177-3AD203B41FA5}">
-                      <a16:colId xmlns:a16="http://schemas.microsoft.com/office/drawing/2014/main" val="3500186421"/>
-                    </a:ext>
-                  </a:extLst>
-                </a:gridCol>
-                <a:gridCol w="1259840">
-                  <a:extLst>
-                    <a:ext uri="{9D8B030D-6E8A-4147-A177-3AD203B41FA5}">
-                      <a16:colId xmlns:a16="http://schemas.microsoft.com/office/drawing/2014/main" val="3452294040"/>
-                    </a:ext>
-                  </a:extLst>
-                </a:gridCol>
-                <a:gridCol w="2072640">
-                  <a:extLst>
-                    <a:ext uri="{9D8B030D-6E8A-4147-A177-3AD203B41FA5}">
-                      <a16:colId xmlns:a16="http://schemas.microsoft.com/office/drawing/2014/main" val="800563202"/>
-                    </a:ext>
-                  </a:extLst>
-                </a:gridCol>
-                <a:gridCol w="3149600">
-                  <a:extLst>
-                    <a:ext uri="{9D8B030D-6E8A-4147-A177-3AD203B41FA5}">
-                      <a16:colId xmlns:a16="http://schemas.microsoft.com/office/drawing/2014/main" val="819999665"/>
-                    </a:ext>
-                  </a:extLst>
-                </a:gridCol>
-              </a:tblGrid>
-              <a:tr h="343150">
-                <a:tc>
-                  <a:txBody>
-                    <a:bodyPr/>
-                    <a:lstStyle/>
-                    <a:p>
-                      <a:pPr algn="l"/>
-                      <a:endParaRPr lang="pt-PT" sz="1400" dirty="0">
-                        <a:latin typeface="Verdana" panose="020B0604030504040204" pitchFamily="34" charset="0"/>
-                        <a:ea typeface="Verdana" panose="020B0604030504040204" pitchFamily="34" charset="0"/>
-                      </a:endParaRPr>
-                    </a:p>
-                  </a:txBody>
-                  <a:tcPr anchor="ctr"/>
-                </a:tc>
-                <a:tc>
-                  <a:txBody>
-                    <a:bodyPr/>
-                    <a:lstStyle/>
-                    <a:p>
-                      <a:pPr algn="ctr"/>
-                      <a:r>
-                        <a:rPr lang="pt-PT" sz="1400" dirty="0">
-                          <a:latin typeface="Verdana" panose="020B0604030504040204" pitchFamily="34" charset="0"/>
-                          <a:ea typeface="Verdana" panose="020B0604030504040204" pitchFamily="34" charset="0"/>
-                        </a:rPr>
-                        <a:t>Java</a:t>
-                      </a:r>
-                    </a:p>
-                  </a:txBody>
-                  <a:tcPr anchor="ctr"/>
-                </a:tc>
-                <a:tc>
-                  <a:txBody>
-                    <a:bodyPr/>
-                    <a:lstStyle/>
-                    <a:p>
-                      <a:pPr algn="ctr"/>
-                      <a:r>
-                        <a:rPr lang="pt-PT" sz="1400" dirty="0">
-                          <a:latin typeface="Verdana" panose="020B0604030504040204" pitchFamily="34" charset="0"/>
-                          <a:ea typeface="Verdana" panose="020B0604030504040204" pitchFamily="34" charset="0"/>
-                        </a:rPr>
-                        <a:t>Liderança</a:t>
-                      </a:r>
-                    </a:p>
-                  </a:txBody>
-                  <a:tcPr anchor="ctr"/>
-                </a:tc>
-                <a:tc>
-                  <a:txBody>
-                    <a:bodyPr/>
-                    <a:lstStyle/>
-                    <a:p>
-                      <a:pPr algn="ctr"/>
-                      <a:r>
-                        <a:rPr lang="pt-PT" sz="1400" dirty="0">
-                          <a:latin typeface="Verdana" panose="020B0604030504040204" pitchFamily="34" charset="0"/>
-                          <a:ea typeface="Verdana" panose="020B0604030504040204" pitchFamily="34" charset="0"/>
-                        </a:rPr>
-                        <a:t>Trabalho de Grupo</a:t>
-                      </a:r>
-                    </a:p>
-                  </a:txBody>
-                  <a:tcPr anchor="ctr"/>
-                </a:tc>
-                <a:tc>
-                  <a:txBody>
-                    <a:bodyPr/>
-                    <a:lstStyle/>
-                    <a:p>
-                      <a:pPr algn="ctr"/>
-                      <a:r>
-                        <a:rPr lang="pt-PT" sz="1400" dirty="0">
-                          <a:latin typeface="Verdana" panose="020B0604030504040204" pitchFamily="34" charset="0"/>
-                          <a:ea typeface="Verdana" panose="020B0604030504040204" pitchFamily="34" charset="0"/>
-                        </a:rPr>
-                        <a:t>Gestão de Conflitos e Tempo</a:t>
-                      </a:r>
-                    </a:p>
-                  </a:txBody>
-                  <a:tcPr anchor="ctr"/>
-                </a:tc>
-                <a:extLst>
-                  <a:ext uri="{0D108BD9-81ED-4DB2-BD59-A6C34878D82A}">
-                    <a16:rowId xmlns:a16="http://schemas.microsoft.com/office/drawing/2014/main" val="3404695816"/>
-                  </a:ext>
-                </a:extLst>
-              </a:tr>
-              <a:tr h="343150">
-                <a:tc>
-                  <a:txBody>
-                    <a:bodyPr/>
-                    <a:lstStyle/>
-                    <a:p>
-                      <a:pPr algn="l"/>
-                      <a:r>
-                        <a:rPr lang="pt-PT" sz="1400" dirty="0">
-                          <a:latin typeface="Verdana" panose="020B0604030504040204" pitchFamily="34" charset="0"/>
-                          <a:ea typeface="Verdana" panose="020B0604030504040204" pitchFamily="34" charset="0"/>
-                        </a:rPr>
-                        <a:t>1190429 - Beatriz Vaz</a:t>
-                      </a:r>
-                    </a:p>
-                  </a:txBody>
-                  <a:tcPr anchor="ctr"/>
-                </a:tc>
-                <a:tc>
-                  <a:txBody>
-                    <a:bodyPr/>
-                    <a:lstStyle/>
-                    <a:p>
-                      <a:pPr algn="ctr"/>
-                      <a:endParaRPr lang="pt-PT" sz="1400" dirty="0">
-                        <a:latin typeface="Verdana" panose="020B0604030504040204" pitchFamily="34" charset="0"/>
-                        <a:ea typeface="Verdana" panose="020B0604030504040204" pitchFamily="34" charset="0"/>
-                      </a:endParaRPr>
-                    </a:p>
-                  </a:txBody>
-                  <a:tcPr anchor="ctr"/>
-                </a:tc>
-                <a:tc>
-                  <a:txBody>
-                    <a:bodyPr/>
-                    <a:lstStyle/>
-                    <a:p>
-                      <a:pPr algn="ctr"/>
-                      <a:endParaRPr lang="pt-PT" sz="1400" dirty="0">
-                        <a:latin typeface="Verdana" panose="020B0604030504040204" pitchFamily="34" charset="0"/>
-                        <a:ea typeface="Verdana" panose="020B0604030504040204" pitchFamily="34" charset="0"/>
-                      </a:endParaRPr>
-                    </a:p>
-                  </a:txBody>
-                  <a:tcPr anchor="ctr"/>
-                </a:tc>
-                <a:tc>
-                  <a:txBody>
-                    <a:bodyPr/>
-                    <a:lstStyle/>
-                    <a:p>
-                      <a:pPr algn="ctr"/>
-                      <a:endParaRPr lang="pt-PT" sz="1400" dirty="0">
-                        <a:latin typeface="Verdana" panose="020B0604030504040204" pitchFamily="34" charset="0"/>
-                        <a:ea typeface="Verdana" panose="020B0604030504040204" pitchFamily="34" charset="0"/>
-                      </a:endParaRPr>
-                    </a:p>
-                  </a:txBody>
-                  <a:tcPr anchor="ctr"/>
-                </a:tc>
-                <a:tc>
-                  <a:txBody>
-                    <a:bodyPr/>
-                    <a:lstStyle/>
-                    <a:p>
-                      <a:pPr algn="ctr"/>
-                      <a:endParaRPr lang="pt-PT" sz="1400" dirty="0">
-                        <a:latin typeface="Verdana" panose="020B0604030504040204" pitchFamily="34" charset="0"/>
-                        <a:ea typeface="Verdana" panose="020B0604030504040204" pitchFamily="34" charset="0"/>
-                      </a:endParaRPr>
-                    </a:p>
-                  </a:txBody>
-                  <a:tcPr anchor="ctr"/>
-                </a:tc>
-                <a:extLst>
-                  <a:ext uri="{0D108BD9-81ED-4DB2-BD59-A6C34878D82A}">
-                    <a16:rowId xmlns:a16="http://schemas.microsoft.com/office/drawing/2014/main" val="4189663187"/>
-                  </a:ext>
-                </a:extLst>
-              </a:tr>
-              <a:tr h="342000">
-                <a:tc>
-                  <a:txBody>
-                    <a:bodyPr/>
-                    <a:lstStyle/>
-                    <a:p>
-                      <a:pPr marL="0" indent="0" algn="l">
-                        <a:buFont typeface="Arial" panose="020B0604020202020204" pitchFamily="34" charset="0"/>
-                        <a:buNone/>
-                      </a:pPr>
-                      <a:r>
-                        <a:rPr lang="en-US" sz="1400" dirty="0">
-                          <a:latin typeface="Verdana" panose="020B0604030504040204" pitchFamily="34" charset="0"/>
-                          <a:ea typeface="Verdana" panose="020B0604030504040204" pitchFamily="34" charset="0"/>
-                        </a:rPr>
-                        <a:t>1190769 - José Oliveira</a:t>
-                      </a:r>
-                    </a:p>
-                  </a:txBody>
-                  <a:tcPr anchor="ctr"/>
-                </a:tc>
-                <a:tc>
-                  <a:txBody>
-                    <a:bodyPr/>
-                    <a:lstStyle/>
-                    <a:p>
-                      <a:pPr algn="ctr"/>
-                      <a:endParaRPr lang="pt-PT" sz="1400" dirty="0">
-                        <a:latin typeface="Verdana" panose="020B0604030504040204" pitchFamily="34" charset="0"/>
-                        <a:ea typeface="Verdana" panose="020B0604030504040204" pitchFamily="34" charset="0"/>
-                      </a:endParaRPr>
-                    </a:p>
-                  </a:txBody>
-                  <a:tcPr anchor="ctr"/>
-                </a:tc>
-                <a:tc>
-                  <a:txBody>
-                    <a:bodyPr/>
-                    <a:lstStyle/>
-                    <a:p>
-                      <a:pPr algn="ctr"/>
-                      <a:endParaRPr lang="pt-PT" sz="1400">
-                        <a:latin typeface="Verdana" panose="020B0604030504040204" pitchFamily="34" charset="0"/>
-                        <a:ea typeface="Verdana" panose="020B0604030504040204" pitchFamily="34" charset="0"/>
-                      </a:endParaRPr>
-                    </a:p>
-                  </a:txBody>
-                  <a:tcPr anchor="ctr"/>
-                </a:tc>
-                <a:tc>
-                  <a:txBody>
-                    <a:bodyPr/>
-                    <a:lstStyle/>
-                    <a:p>
-                      <a:pPr algn="ctr"/>
-                      <a:endParaRPr lang="pt-PT" sz="1400" dirty="0">
-                        <a:latin typeface="Verdana" panose="020B0604030504040204" pitchFamily="34" charset="0"/>
-                        <a:ea typeface="Verdana" panose="020B0604030504040204" pitchFamily="34" charset="0"/>
-                      </a:endParaRPr>
-                    </a:p>
-                  </a:txBody>
-                  <a:tcPr anchor="ctr"/>
-                </a:tc>
-                <a:tc>
-                  <a:txBody>
-                    <a:bodyPr/>
-                    <a:lstStyle/>
-                    <a:p>
-                      <a:pPr algn="ctr"/>
-                      <a:endParaRPr lang="pt-PT" sz="1400" dirty="0">
-                        <a:latin typeface="Verdana" panose="020B0604030504040204" pitchFamily="34" charset="0"/>
-                        <a:ea typeface="Verdana" panose="020B0604030504040204" pitchFamily="34" charset="0"/>
-                      </a:endParaRPr>
-                    </a:p>
-                  </a:txBody>
-                  <a:tcPr anchor="ctr"/>
-                </a:tc>
-                <a:extLst>
-                  <a:ext uri="{0D108BD9-81ED-4DB2-BD59-A6C34878D82A}">
-                    <a16:rowId xmlns:a16="http://schemas.microsoft.com/office/drawing/2014/main" val="2629651851"/>
-                  </a:ext>
-                </a:extLst>
-              </a:tr>
-              <a:tr h="342000">
-                <a:tc>
-                  <a:txBody>
-                    <a:bodyPr/>
-                    <a:lstStyle/>
-                    <a:p>
-                      <a:pPr marL="0" indent="0" algn="l">
-                        <a:buFont typeface="Arial" panose="020B0604020202020204" pitchFamily="34" charset="0"/>
-                        <a:buNone/>
-                      </a:pPr>
-                      <a:r>
-                        <a:rPr lang="en-US" sz="1400" dirty="0">
-                          <a:latin typeface="Verdana" panose="020B0604030504040204" pitchFamily="34" charset="0"/>
-                          <a:ea typeface="Verdana" panose="020B0604030504040204" pitchFamily="34" charset="0"/>
-                        </a:rPr>
-                        <a:t>1190974 - Pedro </a:t>
-                      </a:r>
-                      <a:r>
-                        <a:rPr lang="en-US" sz="1400" dirty="0" err="1">
-                          <a:latin typeface="Verdana" panose="020B0604030504040204" pitchFamily="34" charset="0"/>
-                          <a:ea typeface="Verdana" panose="020B0604030504040204" pitchFamily="34" charset="0"/>
-                        </a:rPr>
-                        <a:t>Lemos</a:t>
-                      </a:r>
-                      <a:endParaRPr lang="en-US" sz="1400" dirty="0">
-                        <a:latin typeface="Verdana" panose="020B0604030504040204" pitchFamily="34" charset="0"/>
-                        <a:ea typeface="Verdana" panose="020B0604030504040204" pitchFamily="34" charset="0"/>
-                      </a:endParaRPr>
-                    </a:p>
-                  </a:txBody>
-                  <a:tcPr anchor="ctr"/>
-                </a:tc>
-                <a:tc>
-                  <a:txBody>
-                    <a:bodyPr/>
-                    <a:lstStyle/>
-                    <a:p>
-                      <a:pPr algn="ctr"/>
-                      <a:endParaRPr lang="pt-PT" sz="1400" dirty="0">
-                        <a:latin typeface="Verdana" panose="020B0604030504040204" pitchFamily="34" charset="0"/>
-                        <a:ea typeface="Verdana" panose="020B0604030504040204" pitchFamily="34" charset="0"/>
-                      </a:endParaRPr>
-                    </a:p>
-                  </a:txBody>
-                  <a:tcPr anchor="ctr"/>
-                </a:tc>
-                <a:tc>
-                  <a:txBody>
-                    <a:bodyPr/>
-                    <a:lstStyle/>
-                    <a:p>
-                      <a:pPr algn="ctr"/>
-                      <a:endParaRPr lang="pt-PT" sz="1400">
-                        <a:latin typeface="Verdana" panose="020B0604030504040204" pitchFamily="34" charset="0"/>
-                        <a:ea typeface="Verdana" panose="020B0604030504040204" pitchFamily="34" charset="0"/>
-                      </a:endParaRPr>
-                    </a:p>
-                  </a:txBody>
-                  <a:tcPr anchor="ctr"/>
-                </a:tc>
-                <a:tc>
-                  <a:txBody>
-                    <a:bodyPr/>
-                    <a:lstStyle/>
-                    <a:p>
-                      <a:pPr algn="ctr"/>
-                      <a:endParaRPr lang="pt-PT" sz="1400">
-                        <a:latin typeface="Verdana" panose="020B0604030504040204" pitchFamily="34" charset="0"/>
-                        <a:ea typeface="Verdana" panose="020B0604030504040204" pitchFamily="34" charset="0"/>
-                      </a:endParaRPr>
-                    </a:p>
-                  </a:txBody>
-                  <a:tcPr anchor="ctr"/>
-                </a:tc>
-                <a:tc>
-                  <a:txBody>
-                    <a:bodyPr/>
-                    <a:lstStyle/>
-                    <a:p>
-                      <a:pPr algn="ctr"/>
-                      <a:endParaRPr lang="pt-PT" sz="1400" dirty="0">
-                        <a:latin typeface="Verdana" panose="020B0604030504040204" pitchFamily="34" charset="0"/>
-                        <a:ea typeface="Verdana" panose="020B0604030504040204" pitchFamily="34" charset="0"/>
-                      </a:endParaRPr>
-                    </a:p>
-                  </a:txBody>
-                  <a:tcPr anchor="ctr"/>
-                </a:tc>
-                <a:extLst>
-                  <a:ext uri="{0D108BD9-81ED-4DB2-BD59-A6C34878D82A}">
-                    <a16:rowId xmlns:a16="http://schemas.microsoft.com/office/drawing/2014/main" val="2940923386"/>
-                  </a:ext>
-                </a:extLst>
-              </a:tr>
-              <a:tr h="342000">
-                <a:tc>
-                  <a:txBody>
-                    <a:bodyPr/>
-                    <a:lstStyle/>
-                    <a:p>
-                      <a:pPr marL="0" indent="0" algn="l">
-                        <a:buFont typeface="Arial" panose="020B0604020202020204" pitchFamily="34" charset="0"/>
-                        <a:buNone/>
-                      </a:pPr>
-                      <a:r>
-                        <a:rPr lang="en-US" sz="1400" dirty="0">
-                          <a:latin typeface="Verdana" panose="020B0604030504040204" pitchFamily="34" charset="0"/>
-                          <a:ea typeface="Verdana" panose="020B0604030504040204" pitchFamily="34" charset="0"/>
-                        </a:rPr>
-                        <a:t>1190800 - Leandro Sousa</a:t>
-                      </a:r>
-                    </a:p>
-                  </a:txBody>
-                  <a:tcPr anchor="ctr"/>
-                </a:tc>
-                <a:tc>
-                  <a:txBody>
-                    <a:bodyPr/>
-                    <a:lstStyle/>
-                    <a:p>
-                      <a:pPr algn="ctr"/>
-                      <a:endParaRPr lang="pt-PT" sz="1400" dirty="0">
-                        <a:latin typeface="Verdana" panose="020B0604030504040204" pitchFamily="34" charset="0"/>
-                        <a:ea typeface="Verdana" panose="020B0604030504040204" pitchFamily="34" charset="0"/>
-                      </a:endParaRPr>
-                    </a:p>
-                  </a:txBody>
-                  <a:tcPr anchor="ctr"/>
-                </a:tc>
-                <a:tc>
-                  <a:txBody>
-                    <a:bodyPr/>
-                    <a:lstStyle/>
-                    <a:p>
-                      <a:pPr algn="ctr"/>
-                      <a:endParaRPr lang="pt-PT" sz="1400" dirty="0">
-                        <a:latin typeface="Verdana" panose="020B0604030504040204" pitchFamily="34" charset="0"/>
-                        <a:ea typeface="Verdana" panose="020B0604030504040204" pitchFamily="34" charset="0"/>
-                      </a:endParaRPr>
-                    </a:p>
-                  </a:txBody>
-                  <a:tcPr anchor="ctr"/>
-                </a:tc>
-                <a:tc>
-                  <a:txBody>
-                    <a:bodyPr/>
-                    <a:lstStyle/>
-                    <a:p>
-                      <a:pPr algn="ctr"/>
-                      <a:endParaRPr lang="pt-PT" sz="1400" dirty="0">
-                        <a:latin typeface="Verdana" panose="020B0604030504040204" pitchFamily="34" charset="0"/>
-                        <a:ea typeface="Verdana" panose="020B0604030504040204" pitchFamily="34" charset="0"/>
-                      </a:endParaRPr>
-                    </a:p>
-                  </a:txBody>
-                  <a:tcPr anchor="ctr"/>
-                </a:tc>
-                <a:tc>
-                  <a:txBody>
-                    <a:bodyPr/>
-                    <a:lstStyle/>
-                    <a:p>
-                      <a:pPr algn="ctr"/>
-                      <a:endParaRPr lang="pt-PT" sz="1400" dirty="0">
-                        <a:latin typeface="Verdana" panose="020B0604030504040204" pitchFamily="34" charset="0"/>
-                        <a:ea typeface="Verdana" panose="020B0604030504040204" pitchFamily="34" charset="0"/>
-                      </a:endParaRPr>
-                    </a:p>
-                  </a:txBody>
-                  <a:tcPr anchor="ctr"/>
-                </a:tc>
-                <a:extLst>
-                  <a:ext uri="{0D108BD9-81ED-4DB2-BD59-A6C34878D82A}">
-                    <a16:rowId xmlns:a16="http://schemas.microsoft.com/office/drawing/2014/main" val="4135024"/>
-                  </a:ext>
-                </a:extLst>
-              </a:tr>
-              <a:tr h="343150">
-                <a:tc>
-                  <a:txBody>
-                    <a:bodyPr/>
-                    <a:lstStyle/>
-                    <a:p>
-                      <a:pPr marL="0" marR="0" lvl="0" indent="0" algn="l" defTabSz="914400" rtl="0" eaLnBrk="1" fontAlgn="auto" latinLnBrk="0" hangingPunct="1">
-                        <a:lnSpc>
-                          <a:spcPct val="100000"/>
-                        </a:lnSpc>
-                        <a:spcBef>
-                          <a:spcPts val="0"/>
-                        </a:spcBef>
-                        <a:spcAft>
-                          <a:spcPts val="0"/>
-                        </a:spcAft>
-                        <a:buClrTx/>
-                        <a:buSzTx/>
-                        <a:buFont typeface="Arial" panose="020B0604020202020204" pitchFamily="34" charset="0"/>
-                        <a:buNone/>
-                        <a:tabLst/>
-                        <a:defRPr/>
-                      </a:pPr>
-                      <a:r>
-                        <a:rPr lang="en-US" sz="1400" dirty="0">
-                          <a:latin typeface="Verdana" panose="020B0604030504040204" pitchFamily="34" charset="0"/>
-                          <a:ea typeface="Verdana" panose="020B0604030504040204" pitchFamily="34" charset="0"/>
-                        </a:rPr>
-                        <a:t>1191098 - Tiago Pinto</a:t>
-                      </a:r>
-                      <a:endParaRPr lang="pt-PT" sz="1400" dirty="0">
-                        <a:latin typeface="Verdana" panose="020B0604030504040204" pitchFamily="34" charset="0"/>
-                        <a:ea typeface="Verdana" panose="020B0604030504040204" pitchFamily="34" charset="0"/>
-                      </a:endParaRPr>
-                    </a:p>
-                  </a:txBody>
-                  <a:tcPr anchor="ctr"/>
-                </a:tc>
-                <a:tc>
-                  <a:txBody>
-                    <a:bodyPr/>
-                    <a:lstStyle/>
-                    <a:p>
-                      <a:pPr algn="ctr"/>
-                      <a:endParaRPr lang="pt-PT" sz="1400" dirty="0">
-                        <a:latin typeface="Verdana" panose="020B0604030504040204" pitchFamily="34" charset="0"/>
-                        <a:ea typeface="Verdana" panose="020B0604030504040204" pitchFamily="34" charset="0"/>
-                      </a:endParaRPr>
-                    </a:p>
-                  </a:txBody>
-                  <a:tcPr anchor="ctr"/>
-                </a:tc>
-                <a:tc>
-                  <a:txBody>
-                    <a:bodyPr/>
-                    <a:lstStyle/>
-                    <a:p>
-                      <a:pPr algn="ctr"/>
-                      <a:endParaRPr lang="pt-PT" sz="1400" dirty="0">
-                        <a:latin typeface="Verdana" panose="020B0604030504040204" pitchFamily="34" charset="0"/>
-                        <a:ea typeface="Verdana" panose="020B0604030504040204" pitchFamily="34" charset="0"/>
-                      </a:endParaRPr>
-                    </a:p>
-                  </a:txBody>
-                  <a:tcPr anchor="ctr"/>
-                </a:tc>
-                <a:tc>
-                  <a:txBody>
-                    <a:bodyPr/>
-                    <a:lstStyle/>
-                    <a:p>
-                      <a:pPr algn="ctr"/>
-                      <a:endParaRPr lang="pt-PT" sz="1400" dirty="0">
-                        <a:latin typeface="Verdana" panose="020B0604030504040204" pitchFamily="34" charset="0"/>
-                        <a:ea typeface="Verdana" panose="020B0604030504040204" pitchFamily="34" charset="0"/>
-                      </a:endParaRPr>
-                    </a:p>
-                  </a:txBody>
-                  <a:tcPr anchor="ctr"/>
-                </a:tc>
-                <a:tc>
-                  <a:txBody>
-                    <a:bodyPr/>
-                    <a:lstStyle/>
-                    <a:p>
-                      <a:pPr algn="ctr"/>
-                      <a:endParaRPr lang="pt-PT" sz="1400" dirty="0">
-                        <a:latin typeface="Verdana" panose="020B0604030504040204" pitchFamily="34" charset="0"/>
-                        <a:ea typeface="Verdana" panose="020B0604030504040204" pitchFamily="34" charset="0"/>
-                      </a:endParaRPr>
-                    </a:p>
-                  </a:txBody>
-                  <a:tcPr anchor="ctr"/>
-                </a:tc>
-                <a:extLst>
-                  <a:ext uri="{0D108BD9-81ED-4DB2-BD59-A6C34878D82A}">
-                    <a16:rowId xmlns:a16="http://schemas.microsoft.com/office/drawing/2014/main" val="2036538492"/>
-                  </a:ext>
-                </a:extLst>
-              </a:tr>
-            </a:tbl>
-          </a:graphicData>
-        </a:graphic>
-      </p:graphicFrame>
-      <p:sp>
-        <p:nvSpPr>
-          <p:cNvPr id="49" name="Google Shape;1056;p61">
-            <a:extLst>
-              <a:ext uri="{FF2B5EF4-FFF2-40B4-BE49-F238E27FC236}">
-                <a16:creationId xmlns:a16="http://schemas.microsoft.com/office/drawing/2014/main" id="{5B78CF30-37F0-4EDA-9771-E8E12A7F901B}"/>
-              </a:ext>
-            </a:extLst>
-          </p:cNvPr>
-          <p:cNvSpPr/>
-          <p:nvPr/>
-        </p:nvSpPr>
-        <p:spPr>
-          <a:xfrm rot="5400000">
-            <a:off x="5999923" y="3897111"/>
-            <a:ext cx="399416" cy="243355"/>
-          </a:xfrm>
-          <a:prstGeom prst="stripedRightArrow">
-            <a:avLst>
-              <a:gd name="adj1" fmla="val 50000"/>
-              <a:gd name="adj2" fmla="val 50000"/>
-            </a:avLst>
-          </a:prstGeom>
-          <a:solidFill>
-            <a:schemeClr val="tx1"/>
-          </a:solidFill>
-          <a:ln>
-            <a:noFill/>
-          </a:ln>
-        </p:spPr>
-        <p:txBody>
-          <a:bodyPr spcFirstLastPara="1" wrap="square" lIns="91425" tIns="91425" rIns="91425" bIns="91425" anchor="ctr" anchorCtr="0">
-            <a:noAutofit/>
-          </a:bodyPr>
-          <a:lstStyle/>
-          <a:p>
-            <a:pPr marL="0" lvl="0" indent="0" algn="l" rtl="0">
-              <a:spcBef>
-                <a:spcPts val="0"/>
-              </a:spcBef>
-              <a:spcAft>
-                <a:spcPts val="0"/>
-              </a:spcAft>
-              <a:buNone/>
-            </a:pPr>
-            <a:endParaRPr/>
-          </a:p>
-        </p:txBody>
-      </p:sp>
-    </p:spTree>
-    <p:extLst>
-      <p:ext uri="{BB962C8B-B14F-4D97-AF65-F5344CB8AC3E}">
-        <p14:creationId xmlns:p14="http://schemas.microsoft.com/office/powerpoint/2010/main" val="2114783133"/>
-      </p:ext>
-    </p:extLst>
-  </p:cSld>
-  <p:clrMapOvr>
-    <a:masterClrMapping/>
-  </p:clrMapOvr>
-</p:sld>
-</file>
-
-<file path=ppt/slides/slide2.xml><?xml version="1.0" encoding="utf-8"?>
-<p:sld xmlns:a="http://schemas.openxmlformats.org/drawingml/2006/main" xmlns:r="http://schemas.openxmlformats.org/officeDocument/2006/relationships" xmlns:p="http://schemas.openxmlformats.org/presentationml/2006/main">
-  <p:cSld>
-    <p:bg>
-      <p:bgPr>
-        <a:solidFill>
-          <a:schemeClr val="bg1"/>
-        </a:solidFill>
-        <a:effectLst/>
-      </p:bgPr>
-    </p:bg>
-    <p:spTree>
-      <p:nvGrpSpPr>
-        <p:cNvPr id="1" name=""/>
-        <p:cNvGrpSpPr/>
-        <p:nvPr/>
-      </p:nvGrpSpPr>
-      <p:grpSpPr>
-        <a:xfrm>
-          <a:off x="0" y="0"/>
-          <a:ext cx="0" cy="0"/>
-          <a:chOff x="0" y="0"/>
-          <a:chExt cx="0" cy="0"/>
-        </a:xfrm>
-      </p:grpSpPr>
-      <p:sp useBgFill="1">
-        <p:nvSpPr>
-          <p:cNvPr id="26" name="Rectangle 25">
-            <a:extLst>
-              <a:ext uri="{FF2B5EF4-FFF2-40B4-BE49-F238E27FC236}">
-                <a16:creationId xmlns:a16="http://schemas.microsoft.com/office/drawing/2014/main" id="{E91DC736-0EF8-4F87-9146-EBF1D2EE4D3D}"/>
-              </a:ext>
-              <a:ext uri="{C183D7F6-B498-43B3-948B-1728B52AA6E4}">
-                <adec:decorative xmlns:adec="http://schemas.microsoft.com/office/drawing/2017/decorative" val="1"/>
-              </a:ext>
-            </a:extLst>
-          </p:cNvPr>
-          <p:cNvSpPr>
-            <a:spLocks noGrp="1" noRot="1" noChangeAspect="1" noMove="1" noResize="1" noEditPoints="1" noAdjustHandles="1" noChangeArrowheads="1" noChangeShapeType="1" noTextEdit="1"/>
-          </p:cNvSpPr>
-          <p:nvPr>
-            <p:extLst>
-              <p:ext uri="{386F3935-93C4-4BCD-93E2-E3B085C9AB24}">
-                <p16:designElem xmlns:p16="http://schemas.microsoft.com/office/powerpoint/2015/main" val="1"/>
-              </p:ext>
-            </p:extLst>
-          </p:nvPr>
-        </p:nvSpPr>
-        <p:spPr>
-          <a:xfrm>
-            <a:off x="0" y="0"/>
-            <a:ext cx="12192000" cy="6858000"/>
-          </a:xfrm>
-          <a:prstGeom prst="rect">
-            <a:avLst/>
-          </a:prstGeom>
-          <a:ln>
-            <a:noFill/>
-          </a:ln>
-        </p:spPr>
-        <p:style>
-          <a:lnRef idx="2">
-            <a:schemeClr val="accent1">
-              <a:shade val="50000"/>
-            </a:schemeClr>
-          </a:lnRef>
-          <a:fillRef idx="1">
-            <a:schemeClr val="accent1"/>
-          </a:fillRef>
-          <a:effectRef idx="0">
-            <a:schemeClr val="accent1"/>
-          </a:effectRef>
-          <a:fontRef idx="minor">
-            <a:schemeClr val="lt1"/>
-          </a:fontRef>
-        </p:style>
-        <p:txBody>
-          <a:bodyPr rtlCol="0" anchor="ctr"/>
-          <a:lstStyle/>
-          <a:p>
-            <a:pPr algn="ctr"/>
-            <a:endParaRPr lang="en-US"/>
-          </a:p>
-        </p:txBody>
-      </p:sp>
-      <p:pic>
-        <p:nvPicPr>
-          <p:cNvPr id="1034" name="Picture 10" descr="Armis - Sistemas de Informação, Lda. - COTEC Portugal">
-            <a:extLst>
-              <a:ext uri="{FF2B5EF4-FFF2-40B4-BE49-F238E27FC236}">
-                <a16:creationId xmlns:a16="http://schemas.microsoft.com/office/drawing/2014/main" id="{26AB37AB-8D5C-4AF8-8C78-ADA7BC36FD40}"/>
-              </a:ext>
-            </a:extLst>
-          </p:cNvPr>
-          <p:cNvPicPr>
-            <a:picLocks noChangeAspect="1" noChangeArrowheads="1"/>
-          </p:cNvPicPr>
-          <p:nvPr/>
-        </p:nvPicPr>
-        <p:blipFill rotWithShape="1">
-          <a:blip r:embed="rId2">
-            <a:duotone>
-              <a:prstClr val="black"/>
-              <a:srgbClr val="C86E00">
-                <a:tint val="45000"/>
-                <a:satMod val="400000"/>
-              </a:srgbClr>
-            </a:duotone>
-            <a:extLst>
-              <a:ext uri="{28A0092B-C50C-407E-A947-70E740481C1C}">
-                <a14:useLocalDpi xmlns:a14="http://schemas.microsoft.com/office/drawing/2010/main" val="0"/>
-              </a:ext>
-            </a:extLst>
-          </a:blip>
-          <a:srcRect r="8033"/>
-          <a:stretch/>
-        </p:blipFill>
-        <p:spPr bwMode="auto">
-          <a:xfrm>
-            <a:off x="1087532" y="2141"/>
-            <a:ext cx="11104468" cy="6858000"/>
-          </a:xfrm>
-          <a:prstGeom prst="rect">
-            <a:avLst/>
-          </a:prstGeom>
-          <a:noFill/>
-          <a:extLst>
-            <a:ext uri="{909E8E84-426E-40DD-AFC4-6F175D3DCCD1}">
-              <a14:hiddenFill xmlns:a14="http://schemas.microsoft.com/office/drawing/2010/main">
-                <a:solidFill>
-                  <a:srgbClr val="FFFFFF"/>
-                </a:solidFill>
-              </a14:hiddenFill>
-            </a:ext>
-          </a:extLst>
-        </p:spPr>
-      </p:pic>
-      <p:sp>
-        <p:nvSpPr>
-          <p:cNvPr id="28" name="Rectangle 27">
-            <a:extLst>
-              <a:ext uri="{FF2B5EF4-FFF2-40B4-BE49-F238E27FC236}">
-                <a16:creationId xmlns:a16="http://schemas.microsoft.com/office/drawing/2014/main" id="{097CD68E-23E3-4007-8847-CD0944C4F7BE}"/>
-              </a:ext>
-              <a:ext uri="{C183D7F6-B498-43B3-948B-1728B52AA6E4}">
-                <adec:decorative xmlns:adec="http://schemas.microsoft.com/office/drawing/2017/decorative" val="1"/>
-              </a:ext>
-            </a:extLst>
-          </p:cNvPr>
-          <p:cNvSpPr>
-            <a:spLocks noGrp="1" noRot="1" noChangeAspect="1" noMove="1" noResize="1" noEditPoints="1" noAdjustHandles="1" noChangeArrowheads="1" noChangeShapeType="1" noTextEdit="1"/>
-          </p:cNvSpPr>
-          <p:nvPr>
-            <p:extLst>
-              <p:ext uri="{386F3935-93C4-4BCD-93E2-E3B085C9AB24}">
-                <p16:designElem xmlns:p16="http://schemas.microsoft.com/office/powerpoint/2015/main" val="1"/>
-              </p:ext>
-            </p:extLst>
-          </p:nvPr>
-        </p:nvSpPr>
-        <p:spPr>
-          <a:xfrm>
-            <a:off x="0" y="0"/>
-            <a:ext cx="9756601" cy="6858000"/>
-          </a:xfrm>
-          <a:prstGeom prst="rect">
-            <a:avLst/>
-          </a:prstGeom>
-          <a:gradFill>
-            <a:gsLst>
-              <a:gs pos="58000">
-                <a:schemeClr val="bg1"/>
-              </a:gs>
-              <a:gs pos="35000">
-                <a:schemeClr val="bg1">
-                  <a:alpha val="79000"/>
-                </a:schemeClr>
-              </a:gs>
-              <a:gs pos="19000">
-                <a:schemeClr val="bg1">
-                  <a:alpha val="38000"/>
-                </a:schemeClr>
-              </a:gs>
-              <a:gs pos="0">
-                <a:schemeClr val="bg1">
-                  <a:alpha val="0"/>
-                </a:schemeClr>
-              </a:gs>
-              <a:gs pos="100000">
-                <a:schemeClr val="bg1"/>
-              </a:gs>
-            </a:gsLst>
-            <a:lin ang="10800000" scaled="0"/>
-          </a:gradFill>
-          <a:ln>
-            <a:noFill/>
-          </a:ln>
-        </p:spPr>
-        <p:style>
-          <a:lnRef idx="2">
-            <a:schemeClr val="accent1">
-              <a:shade val="50000"/>
-            </a:schemeClr>
-          </a:lnRef>
-          <a:fillRef idx="1">
-            <a:schemeClr val="accent1"/>
-          </a:fillRef>
-          <a:effectRef idx="0">
-            <a:schemeClr val="accent1"/>
-          </a:effectRef>
-          <a:fontRef idx="minor">
-            <a:schemeClr val="lt1"/>
-          </a:fontRef>
-        </p:style>
-        <p:txBody>
-          <a:bodyPr rtlCol="0" anchor="ctr"/>
-          <a:lstStyle/>
-          <a:p>
-            <a:pPr algn="ctr"/>
-            <a:endParaRPr lang="en-US" dirty="0"/>
-          </a:p>
-        </p:txBody>
-      </p:sp>
-      <p:sp>
-        <p:nvSpPr>
-          <p:cNvPr id="2" name="Título 1">
-            <a:extLst>
-              <a:ext uri="{FF2B5EF4-FFF2-40B4-BE49-F238E27FC236}">
-                <a16:creationId xmlns:a16="http://schemas.microsoft.com/office/drawing/2014/main" id="{99FAFBA9-AE1F-4D3E-86FC-624B243341C4}"/>
-              </a:ext>
-            </a:extLst>
-          </p:cNvPr>
-          <p:cNvSpPr>
-            <a:spLocks noGrp="1"/>
-          </p:cNvSpPr>
-          <p:nvPr>
-            <p:ph type="ctrTitle"/>
-          </p:nvPr>
-        </p:nvSpPr>
-        <p:spPr>
-          <a:xfrm>
-            <a:off x="813260" y="1417003"/>
-            <a:ext cx="9649245" cy="1005836"/>
-          </a:xfrm>
-        </p:spPr>
-        <p:txBody>
-          <a:bodyPr anchor="b">
-            <a:normAutofit/>
-          </a:bodyPr>
-          <a:lstStyle/>
-          <a:p>
-            <a:r>
-              <a:rPr kumimoji="0" lang="pt-PT" sz="3200" b="1" i="0" u="none" strike="noStrike" kern="1200" cap="none" spc="0" normalizeH="0" baseline="0" noProof="0" dirty="0">
-                <a:ln>
-                  <a:noFill/>
-                </a:ln>
-                <a:effectLst/>
-                <a:uLnTx/>
-                <a:uFillTx/>
-                <a:latin typeface="Verdana" panose="020B0604030504040204" pitchFamily="34" charset="0"/>
-                <a:ea typeface="Verdana" panose="020B0604030504040204" pitchFamily="34" charset="0"/>
-              </a:rPr>
-              <a:t>Sistema de gestão e suporte à prestação</a:t>
-            </a:r>
-            <a:br>
-              <a:rPr kumimoji="0" lang="pt-PT" sz="3200" b="1" i="0" u="none" strike="noStrike" kern="1200" cap="none" spc="0" normalizeH="0" baseline="0" noProof="0" dirty="0">
-                <a:ln>
-                  <a:noFill/>
-                </a:ln>
-                <a:effectLst/>
-                <a:uLnTx/>
-                <a:uFillTx/>
-                <a:latin typeface="Verdana" panose="020B0604030504040204" pitchFamily="34" charset="0"/>
-                <a:ea typeface="Verdana" panose="020B0604030504040204" pitchFamily="34" charset="0"/>
-              </a:rPr>
-            </a:br>
-            <a:r>
-              <a:rPr kumimoji="0" lang="pt-PT" sz="3200" b="1" i="0" u="none" strike="noStrike" kern="1200" cap="none" spc="0" normalizeH="0" baseline="0" noProof="0" dirty="0">
-                <a:ln>
-                  <a:noFill/>
-                </a:ln>
-                <a:effectLst/>
-                <a:uLnTx/>
-                <a:uFillTx/>
-                <a:latin typeface="Verdana" panose="020B0604030504040204" pitchFamily="34" charset="0"/>
-                <a:ea typeface="Verdana" panose="020B0604030504040204" pitchFamily="34" charset="0"/>
-              </a:rPr>
-              <a:t>de serviços e resolução de problemas</a:t>
-            </a:r>
-            <a:endParaRPr lang="pt-PT" sz="3200" b="1" dirty="0">
-              <a:latin typeface="Verdana" panose="020B0604030504040204" pitchFamily="34" charset="0"/>
-              <a:ea typeface="Verdana" panose="020B0604030504040204" pitchFamily="34" charset="0"/>
-            </a:endParaRPr>
-          </a:p>
-        </p:txBody>
-      </p:sp>
-      <p:sp>
-        <p:nvSpPr>
-          <p:cNvPr id="3" name="Subtítulo 2">
-            <a:extLst>
-              <a:ext uri="{FF2B5EF4-FFF2-40B4-BE49-F238E27FC236}">
-                <a16:creationId xmlns:a16="http://schemas.microsoft.com/office/drawing/2014/main" id="{A403FB94-1409-4FBF-A2ED-237E73D40716}"/>
-              </a:ext>
-            </a:extLst>
-          </p:cNvPr>
-          <p:cNvSpPr>
-            <a:spLocks noGrp="1"/>
-          </p:cNvSpPr>
-          <p:nvPr>
-            <p:ph type="subTitle" idx="1"/>
-          </p:nvPr>
-        </p:nvSpPr>
-        <p:spPr>
-          <a:xfrm>
-            <a:off x="833073" y="2585808"/>
-            <a:ext cx="7712291" cy="600164"/>
-          </a:xfrm>
-        </p:spPr>
-        <p:txBody>
-          <a:bodyPr>
-            <a:normAutofit fontScale="55000" lnSpcReduction="20000"/>
-          </a:bodyPr>
-          <a:lstStyle/>
-          <a:p>
-            <a:pPr>
-              <a:lnSpc>
-                <a:spcPct val="100000"/>
-              </a:lnSpc>
-            </a:pPr>
-            <a:r>
-              <a:rPr lang="pt-PT" sz="3200" cap="small" dirty="0">
-                <a:latin typeface="Verdana" panose="020B0604030504040204" pitchFamily="34" charset="0"/>
-                <a:ea typeface="Verdana" panose="020B0604030504040204" pitchFamily="34" charset="0"/>
-              </a:rPr>
-              <a:t>Apresentação do Sprint D do Projeto Integrador do 4º Semestre</a:t>
-            </a:r>
-            <a:br>
-              <a:rPr lang="pt-PT" sz="1700" cap="small" dirty="0">
-                <a:latin typeface="Verdana" panose="020B0604030504040204" pitchFamily="34" charset="0"/>
-                <a:ea typeface="Verdana" panose="020B0604030504040204" pitchFamily="34" charset="0"/>
-              </a:rPr>
-            </a:br>
-            <a:r>
-              <a:rPr lang="pt-PT" sz="2500" cap="small" dirty="0">
-                <a:latin typeface="Verdana" panose="020B0604030504040204" pitchFamily="34" charset="0"/>
-                <a:ea typeface="Verdana" panose="020B0604030504040204" pitchFamily="34" charset="0"/>
-              </a:rPr>
-              <a:t>Licenciatura em Engenharia Informática</a:t>
-            </a:r>
-            <a:endParaRPr lang="pt-PT" sz="1700" dirty="0">
-              <a:latin typeface="Verdana" panose="020B0604030504040204" pitchFamily="34" charset="0"/>
-              <a:ea typeface="Verdana" panose="020B0604030504040204" pitchFamily="34" charset="0"/>
-            </a:endParaRPr>
-          </a:p>
-        </p:txBody>
-      </p:sp>
-      <p:sp>
-        <p:nvSpPr>
-          <p:cNvPr id="30" name="Rectangle 29">
-            <a:extLst>
-              <a:ext uri="{FF2B5EF4-FFF2-40B4-BE49-F238E27FC236}">
-                <a16:creationId xmlns:a16="http://schemas.microsoft.com/office/drawing/2014/main" id="{AF2F604E-43BE-4DC3-B983-E071523364F8}"/>
-              </a:ext>
-              <a:ext uri="{C183D7F6-B498-43B3-948B-1728B52AA6E4}">
-                <adec:decorative xmlns:adec="http://schemas.microsoft.com/office/drawing/2017/decorative" val="1"/>
-              </a:ext>
-            </a:extLst>
-          </p:cNvPr>
-          <p:cNvSpPr>
-            <a:spLocks noGrp="1" noRot="1" noChangeAspect="1" noMove="1" noResize="1" noEditPoints="1" noAdjustHandles="1" noChangeArrowheads="1" noChangeShapeType="1" noTextEdit="1"/>
-          </p:cNvSpPr>
-          <p:nvPr>
-            <p:extLst>
-              <p:ext uri="{386F3935-93C4-4BCD-93E2-E3B085C9AB24}">
-                <p16:designElem xmlns:p16="http://schemas.microsoft.com/office/powerpoint/2015/main" val="1"/>
-              </p:ext>
-            </p:extLst>
-          </p:nvPr>
-        </p:nvSpPr>
-        <p:spPr>
-          <a:xfrm rot="5400000">
-            <a:off x="759921" y="346791"/>
-            <a:ext cx="146304" cy="704088"/>
-          </a:xfrm>
-          <a:prstGeom prst="rect">
-            <a:avLst/>
-          </a:prstGeom>
-          <a:solidFill>
-            <a:schemeClr val="accent1"/>
-          </a:solidFill>
-          <a:ln>
-            <a:noFill/>
-          </a:ln>
-        </p:spPr>
-        <p:style>
-          <a:lnRef idx="2">
-            <a:schemeClr val="accent1">
-              <a:shade val="50000"/>
-            </a:schemeClr>
-          </a:lnRef>
-          <a:fillRef idx="1">
-            <a:schemeClr val="accent1"/>
-          </a:fillRef>
-          <a:effectRef idx="0">
-            <a:schemeClr val="accent1"/>
-          </a:effectRef>
-          <a:fontRef idx="minor">
-            <a:schemeClr val="lt1"/>
-          </a:fontRef>
-        </p:style>
-        <p:txBody>
-          <a:bodyPr rtlCol="0" anchor="ctr"/>
-          <a:lstStyle/>
-          <a:p>
-            <a:pPr marL="0" marR="0" lvl="0" indent="0" algn="ctr" defTabSz="914400" rtl="0" eaLnBrk="1" fontAlgn="auto" latinLnBrk="0" hangingPunct="1">
-              <a:lnSpc>
-                <a:spcPct val="100000"/>
-              </a:lnSpc>
-              <a:spcBef>
-                <a:spcPts val="0"/>
-              </a:spcBef>
-              <a:spcAft>
-                <a:spcPts val="0"/>
-              </a:spcAft>
-              <a:buClrTx/>
-              <a:buSzTx/>
-              <a:buFontTx/>
-              <a:buNone/>
-              <a:tabLst/>
-              <a:defRPr/>
-            </a:pPr>
-            <a:endParaRPr kumimoji="0" lang="en-US" sz="1800" b="0" i="0" u="none" strike="noStrike" kern="1200" cap="none" spc="0" normalizeH="0" baseline="0" noProof="0">
-              <a:ln>
-                <a:noFill/>
-              </a:ln>
-              <a:solidFill>
-                <a:prstClr val="white"/>
-              </a:solidFill>
-              <a:effectLst/>
-              <a:uLnTx/>
-              <a:uFillTx/>
-              <a:latin typeface="Calibri" panose="020F0502020204030204"/>
-              <a:ea typeface="+mn-ea"/>
-              <a:cs typeface="+mn-cs"/>
-            </a:endParaRPr>
-          </a:p>
-        </p:txBody>
-      </p:sp>
-      <p:sp>
-        <p:nvSpPr>
-          <p:cNvPr id="32" name="Rectangle 31">
-            <a:extLst>
-              <a:ext uri="{FF2B5EF4-FFF2-40B4-BE49-F238E27FC236}">
-                <a16:creationId xmlns:a16="http://schemas.microsoft.com/office/drawing/2014/main" id="{08C9B587-E65E-4B52-B37C-ABEBB6E87928}"/>
-              </a:ext>
-              <a:ext uri="{C183D7F6-B498-43B3-948B-1728B52AA6E4}">
-                <adec:decorative xmlns:adec="http://schemas.microsoft.com/office/drawing/2017/decorative" val="1"/>
-              </a:ext>
-            </a:extLst>
-          </p:cNvPr>
-          <p:cNvSpPr>
-            <a:spLocks noGrp="1" noRot="1" noChangeAspect="1" noMove="1" noResize="1" noEditPoints="1" noAdjustHandles="1" noChangeArrowheads="1" noChangeShapeType="1" noTextEdit="1"/>
-          </p:cNvSpPr>
-          <p:nvPr>
-            <p:extLst>
-              <p:ext uri="{386F3935-93C4-4BCD-93E2-E3B085C9AB24}">
-                <p16:designElem xmlns:p16="http://schemas.microsoft.com/office/powerpoint/2015/main" val="1"/>
-              </p:ext>
-            </p:extLst>
-          </p:nvPr>
-        </p:nvSpPr>
-        <p:spPr>
-          <a:xfrm>
-            <a:off x="481029" y="4546920"/>
-            <a:ext cx="3977640" cy="18288"/>
-          </a:xfrm>
-          <a:prstGeom prst="rect">
-            <a:avLst/>
-          </a:prstGeom>
-          <a:solidFill>
-            <a:schemeClr val="tx2">
-              <a:lumMod val="25000"/>
-              <a:lumOff val="75000"/>
-            </a:schemeClr>
-          </a:solidFill>
-          <a:ln w="3175">
-            <a:solidFill>
-              <a:schemeClr val="tx2">
-                <a:lumMod val="25000"/>
-                <a:lumOff val="75000"/>
-              </a:schemeClr>
-            </a:solidFill>
-          </a:ln>
-          <a:effectLst/>
-        </p:spPr>
-        <p:style>
-          <a:lnRef idx="2">
-            <a:schemeClr val="accent1">
-              <a:shade val="50000"/>
-            </a:schemeClr>
-          </a:lnRef>
-          <a:fillRef idx="1">
-            <a:schemeClr val="accent1"/>
-          </a:fillRef>
-          <a:effectRef idx="0">
-            <a:schemeClr val="accent1"/>
-          </a:effectRef>
-          <a:fontRef idx="minor">
-            <a:schemeClr val="lt1"/>
-          </a:fontRef>
-        </p:style>
-        <p:txBody>
-          <a:bodyPr rtlCol="0" anchor="ctr"/>
-          <a:lstStyle/>
-          <a:p>
-            <a:pPr marL="0" marR="0" lvl="0" indent="0" algn="ctr" defTabSz="914400" rtl="0" eaLnBrk="1" fontAlgn="auto" latinLnBrk="0" hangingPunct="1">
-              <a:lnSpc>
-                <a:spcPct val="100000"/>
-              </a:lnSpc>
-              <a:spcBef>
-                <a:spcPts val="0"/>
-              </a:spcBef>
-              <a:spcAft>
-                <a:spcPts val="0"/>
-              </a:spcAft>
-              <a:buClrTx/>
-              <a:buSzTx/>
-              <a:buFontTx/>
-              <a:buNone/>
-              <a:tabLst/>
-              <a:defRPr/>
-            </a:pPr>
-            <a:endParaRPr kumimoji="0" lang="en-US" sz="1800" b="0" i="0" u="none" strike="noStrike" kern="1200" cap="none" spc="0" normalizeH="0" baseline="0" noProof="0">
-              <a:ln>
-                <a:noFill/>
-              </a:ln>
-              <a:solidFill>
-                <a:prstClr val="white"/>
-              </a:solidFill>
-              <a:effectLst/>
-              <a:uLnTx/>
-              <a:uFillTx/>
-              <a:latin typeface="Calibri" panose="020F0502020204030204"/>
-              <a:ea typeface="+mn-ea"/>
-              <a:cs typeface="+mn-cs"/>
-            </a:endParaRPr>
-          </a:p>
-        </p:txBody>
-      </p:sp>
-      <p:sp>
-        <p:nvSpPr>
-          <p:cNvPr id="8" name="CaixaDeTexto 7">
-            <a:extLst>
-              <a:ext uri="{FF2B5EF4-FFF2-40B4-BE49-F238E27FC236}">
-                <a16:creationId xmlns:a16="http://schemas.microsoft.com/office/drawing/2014/main" id="{8EE7BB73-FFE3-47FB-890F-A84F1EDC39F9}"/>
-              </a:ext>
-            </a:extLst>
-          </p:cNvPr>
-          <p:cNvSpPr txBox="1"/>
-          <p:nvPr/>
-        </p:nvSpPr>
-        <p:spPr>
-          <a:xfrm>
-            <a:off x="813260" y="4254456"/>
-            <a:ext cx="4556750" cy="2046714"/>
-          </a:xfrm>
-          <a:prstGeom prst="rect">
-            <a:avLst/>
-          </a:prstGeom>
-          <a:noFill/>
-        </p:spPr>
-        <p:txBody>
-          <a:bodyPr wrap="square" rtlCol="0">
-            <a:spAutoFit/>
-          </a:bodyPr>
-          <a:lstStyle/>
-          <a:p>
-            <a:r>
-              <a:rPr lang="pt-PT" sz="1400" dirty="0">
-                <a:latin typeface="Verdana" panose="020B0604030504040204" pitchFamily="34" charset="0"/>
-                <a:ea typeface="Verdana" panose="020B0604030504040204" pitchFamily="34" charset="0"/>
-              </a:rPr>
-              <a:t>Turma 2DI Grupo 4</a:t>
-            </a:r>
-            <a:endParaRPr lang="pt-PT" sz="1600" dirty="0">
-              <a:latin typeface="Verdana" panose="020B0604030504040204" pitchFamily="34" charset="0"/>
-              <a:ea typeface="Verdana" panose="020B0604030504040204" pitchFamily="34" charset="0"/>
-            </a:endParaRPr>
-          </a:p>
-          <a:p>
-            <a:endParaRPr lang="pt-PT" sz="1400" b="1" u="sng" dirty="0">
-              <a:latin typeface="Verdana" panose="020B0604030504040204" pitchFamily="34" charset="0"/>
-              <a:ea typeface="Verdana" panose="020B0604030504040204" pitchFamily="34" charset="0"/>
-            </a:endParaRPr>
-          </a:p>
-          <a:p>
-            <a:pPr>
-              <a:spcAft>
-                <a:spcPts val="600"/>
-              </a:spcAft>
-            </a:pPr>
-            <a:r>
-              <a:rPr lang="pt-PT" sz="1400" b="1" u="sng" dirty="0">
-                <a:latin typeface="Verdana" panose="020B0604030504040204" pitchFamily="34" charset="0"/>
-                <a:ea typeface="Verdana" panose="020B0604030504040204" pitchFamily="34" charset="0"/>
-              </a:rPr>
-              <a:t>Equipa:</a:t>
-            </a:r>
-          </a:p>
-          <a:p>
-            <a:pPr>
-              <a:spcAft>
-                <a:spcPts val="600"/>
-              </a:spcAft>
-            </a:pPr>
-            <a:r>
-              <a:rPr lang="pt-PT" sz="1200" dirty="0">
-                <a:latin typeface="Verdana" panose="020B0604030504040204" pitchFamily="34" charset="0"/>
-                <a:ea typeface="Verdana" panose="020B0604030504040204" pitchFamily="34" charset="0"/>
-              </a:rPr>
-              <a:t>1190429 - Beatriz Vaz</a:t>
-            </a:r>
-          </a:p>
-          <a:p>
-            <a:pPr>
-              <a:spcAft>
-                <a:spcPts val="600"/>
-              </a:spcAft>
-            </a:pPr>
-            <a:r>
-              <a:rPr lang="pt-PT" sz="1200" dirty="0">
-                <a:latin typeface="Verdana" panose="020B0604030504040204" pitchFamily="34" charset="0"/>
-                <a:ea typeface="Verdana" panose="020B0604030504040204" pitchFamily="34" charset="0"/>
-              </a:rPr>
-              <a:t>1190769 - José Oliveira</a:t>
-            </a:r>
-          </a:p>
-          <a:p>
-            <a:pPr>
-              <a:spcAft>
-                <a:spcPts val="600"/>
-              </a:spcAft>
-            </a:pPr>
-            <a:r>
-              <a:rPr lang="pt-PT" sz="1200" dirty="0">
-                <a:latin typeface="Verdana" panose="020B0604030504040204" pitchFamily="34" charset="0"/>
-                <a:ea typeface="Verdana" panose="020B0604030504040204" pitchFamily="34" charset="0"/>
-              </a:rPr>
-              <a:t>1190974 - Pedro Lemos</a:t>
-            </a:r>
-          </a:p>
-          <a:p>
-            <a:pPr>
-              <a:spcAft>
-                <a:spcPts val="600"/>
-              </a:spcAft>
-            </a:pPr>
-            <a:r>
-              <a:rPr lang="pt-PT" sz="1200" dirty="0">
-                <a:latin typeface="Verdana" panose="020B0604030504040204" pitchFamily="34" charset="0"/>
-                <a:ea typeface="Verdana" panose="020B0604030504040204" pitchFamily="34" charset="0"/>
-              </a:rPr>
-              <a:t>1190800 - Leandro Sousa</a:t>
-            </a:r>
-          </a:p>
-          <a:p>
-            <a:pPr>
-              <a:spcAft>
-                <a:spcPts val="600"/>
-              </a:spcAft>
-            </a:pPr>
-            <a:r>
-              <a:rPr lang="pt-PT" sz="1200" dirty="0">
-                <a:latin typeface="Verdana" panose="020B0604030504040204" pitchFamily="34" charset="0"/>
-                <a:ea typeface="Verdana" panose="020B0604030504040204" pitchFamily="34" charset="0"/>
-              </a:rPr>
-              <a:t>1191098 - Tiago Pinto</a:t>
-            </a:r>
-          </a:p>
-        </p:txBody>
-      </p:sp>
-      <p:sp>
-        <p:nvSpPr>
-          <p:cNvPr id="10" name="CaixaDeTexto 9">
-            <a:extLst>
-              <a:ext uri="{FF2B5EF4-FFF2-40B4-BE49-F238E27FC236}">
-                <a16:creationId xmlns:a16="http://schemas.microsoft.com/office/drawing/2014/main" id="{22E6D551-B200-4E5A-82BA-77D519509E63}"/>
-              </a:ext>
-            </a:extLst>
-          </p:cNvPr>
-          <p:cNvSpPr txBox="1"/>
-          <p:nvPr/>
-        </p:nvSpPr>
-        <p:spPr>
-          <a:xfrm>
-            <a:off x="7530796" y="5701006"/>
-            <a:ext cx="4183224" cy="600164"/>
-          </a:xfrm>
-          <a:prstGeom prst="rect">
-            <a:avLst/>
-          </a:prstGeom>
-          <a:noFill/>
-        </p:spPr>
-        <p:txBody>
-          <a:bodyPr wrap="square" rtlCol="0">
-            <a:spAutoFit/>
-          </a:bodyPr>
-          <a:lstStyle/>
-          <a:p>
-            <a:pPr algn="r">
-              <a:spcAft>
-                <a:spcPts val="600"/>
-              </a:spcAft>
-            </a:pPr>
-            <a:r>
-              <a:rPr lang="en-US" sz="1400" b="1" cap="none" dirty="0">
-                <a:latin typeface="Verdana" panose="020B0604030504040204" pitchFamily="34" charset="0"/>
-                <a:ea typeface="Verdana" panose="020B0604030504040204" pitchFamily="34" charset="0"/>
-              </a:rPr>
-              <a:t>Data: </a:t>
-            </a:r>
-            <a:r>
-              <a:rPr lang="en-US" sz="1200" cap="none" dirty="0">
-                <a:latin typeface="Verdana" panose="020B0604030504040204" pitchFamily="34" charset="0"/>
-                <a:ea typeface="Verdana" panose="020B0604030504040204" pitchFamily="34" charset="0"/>
-              </a:rPr>
-              <a:t>20/06/2021</a:t>
-            </a:r>
-            <a:endParaRPr lang="en-US" sz="1400" dirty="0">
-              <a:latin typeface="Verdana" panose="020B0604030504040204" pitchFamily="34" charset="0"/>
-              <a:ea typeface="Verdana" panose="020B0604030504040204" pitchFamily="34" charset="0"/>
-            </a:endParaRPr>
-          </a:p>
-          <a:p>
-            <a:pPr algn="r">
-              <a:spcAft>
-                <a:spcPts val="600"/>
-              </a:spcAft>
-            </a:pPr>
-            <a:r>
-              <a:rPr lang="pt-PT" sz="1400" b="1" dirty="0">
-                <a:latin typeface="Verdana" panose="020B0604030504040204" pitchFamily="34" charset="0"/>
-                <a:ea typeface="Verdana" panose="020B0604030504040204" pitchFamily="34" charset="0"/>
-              </a:rPr>
-              <a:t>Docente</a:t>
-            </a:r>
-            <a:r>
-              <a:rPr lang="en-US" sz="1400" b="1" dirty="0">
-                <a:latin typeface="Verdana" panose="020B0604030504040204" pitchFamily="34" charset="0"/>
-                <a:ea typeface="Verdana" panose="020B0604030504040204" pitchFamily="34" charset="0"/>
-              </a:rPr>
-              <a:t>: </a:t>
-            </a:r>
-            <a:r>
-              <a:rPr lang="en-US" sz="1200" dirty="0">
-                <a:latin typeface="Verdana" panose="020B0604030504040204" pitchFamily="34" charset="0"/>
-                <a:ea typeface="Verdana" panose="020B0604030504040204" pitchFamily="34" charset="0"/>
-              </a:rPr>
-              <a:t>Alberto Peixoto Pinto – </a:t>
-            </a:r>
-            <a:r>
-              <a:rPr lang="en-US" sz="1200" dirty="0">
-                <a:latin typeface="Verdana" panose="020B0604030504040204" pitchFamily="34" charset="0"/>
-                <a:ea typeface="Verdana" panose="020B0604030504040204" pitchFamily="34" charset="0"/>
-                <a:hlinkClick r:id="rId3">
-                  <a:extLst>
-                    <a:ext uri="{A12FA001-AC4F-418D-AE19-62706E023703}">
-                      <ahyp:hlinkClr xmlns:ahyp="http://schemas.microsoft.com/office/drawing/2018/hyperlinkcolor" val="tx"/>
-                    </a:ext>
-                  </a:extLst>
-                </a:hlinkClick>
-              </a:rPr>
-              <a:t>apo@isep.ipp.pt</a:t>
-            </a:r>
-            <a:endParaRPr lang="en-US" sz="1200" dirty="0">
-              <a:latin typeface="Verdana" panose="020B0604030504040204" pitchFamily="34" charset="0"/>
-              <a:ea typeface="Verdana" panose="020B0604030504040204" pitchFamily="34" charset="0"/>
-            </a:endParaRPr>
-          </a:p>
-        </p:txBody>
-      </p:sp>
-      <p:pic>
-        <p:nvPicPr>
-          <p:cNvPr id="100" name="Imagem 99" descr="Uma imagem com desenho&#10;&#10;Descrição gerada automaticamente">
-            <a:extLst>
-              <a:ext uri="{FF2B5EF4-FFF2-40B4-BE49-F238E27FC236}">
-                <a16:creationId xmlns:a16="http://schemas.microsoft.com/office/drawing/2014/main" id="{5E8BBA28-0443-4D96-A58A-81742D97264E}"/>
-              </a:ext>
-            </a:extLst>
-          </p:cNvPr>
-          <p:cNvPicPr>
-            <a:picLocks noChangeAspect="1"/>
-          </p:cNvPicPr>
-          <p:nvPr/>
-        </p:nvPicPr>
-        <p:blipFill>
-          <a:blip r:embed="rId4">
-            <a:extLst>
-              <a:ext uri="{28A0092B-C50C-407E-A947-70E740481C1C}">
-                <a14:useLocalDpi xmlns:a14="http://schemas.microsoft.com/office/drawing/2010/main" val="0"/>
-              </a:ext>
-            </a:extLst>
-          </a:blip>
-          <a:stretch>
-            <a:fillRect/>
-          </a:stretch>
-        </p:blipFill>
-        <p:spPr>
-          <a:xfrm>
-            <a:off x="477980" y="164701"/>
-            <a:ext cx="937158" cy="399854"/>
-          </a:xfrm>
-          <a:prstGeom prst="rect">
-            <a:avLst/>
-          </a:prstGeom>
-        </p:spPr>
-      </p:pic>
-      <p:pic>
-        <p:nvPicPr>
-          <p:cNvPr id="101" name="Picture 2">
-            <a:extLst>
-              <a:ext uri="{FF2B5EF4-FFF2-40B4-BE49-F238E27FC236}">
-                <a16:creationId xmlns:a16="http://schemas.microsoft.com/office/drawing/2014/main" id="{4EE37959-9C9F-4D0B-B537-456EFDF46264}"/>
-              </a:ext>
-            </a:extLst>
-          </p:cNvPr>
-          <p:cNvPicPr>
-            <a:picLocks noChangeAspect="1" noChangeArrowheads="1"/>
-          </p:cNvPicPr>
-          <p:nvPr/>
-        </p:nvPicPr>
-        <p:blipFill>
-          <a:blip r:embed="rId5" cstate="print">
-            <a:extLst>
-              <a:ext uri="{28A0092B-C50C-407E-A947-70E740481C1C}">
-                <a14:useLocalDpi xmlns:a14="http://schemas.microsoft.com/office/drawing/2010/main" val="0"/>
-              </a:ext>
-            </a:extLst>
-          </a:blip>
-          <a:srcRect/>
-          <a:stretch>
-            <a:fillRect/>
-          </a:stretch>
-        </p:blipFill>
-        <p:spPr bwMode="auto">
-          <a:xfrm>
-            <a:off x="1566069" y="260668"/>
-            <a:ext cx="1023619" cy="303887"/>
-          </a:xfrm>
-          <a:prstGeom prst="rect">
-            <a:avLst/>
-          </a:prstGeom>
-          <a:noFill/>
-          <a:extLst>
-            <a:ext uri="{909E8E84-426E-40DD-AFC4-6F175D3DCCD1}">
-              <a14:hiddenFill xmlns:a14="http://schemas.microsoft.com/office/drawing/2010/main">
-                <a:solidFill>
-                  <a:srgbClr val="FFFFFF"/>
-                </a:solidFill>
-              </a14:hiddenFill>
-            </a:ext>
-          </a:extLst>
-        </p:spPr>
-      </p:pic>
-      <p:cxnSp>
-        <p:nvCxnSpPr>
-          <p:cNvPr id="18" name="Conexão reta 17">
-            <a:extLst>
-              <a:ext uri="{FF2B5EF4-FFF2-40B4-BE49-F238E27FC236}">
-                <a16:creationId xmlns:a16="http://schemas.microsoft.com/office/drawing/2014/main" id="{DE9EED99-65AA-4992-A384-C9B47EA4F0C2}"/>
-              </a:ext>
-            </a:extLst>
-          </p:cNvPr>
-          <p:cNvCxnSpPr>
-            <a:cxnSpLocks/>
-          </p:cNvCxnSpPr>
-          <p:nvPr/>
-        </p:nvCxnSpPr>
-        <p:spPr>
-          <a:xfrm>
-            <a:off x="946559" y="2463479"/>
-            <a:ext cx="8451441" cy="0"/>
-          </a:xfrm>
-          <a:prstGeom prst="line">
-            <a:avLst/>
-          </a:prstGeom>
-          <a:ln w="25400">
-            <a:gradFill flip="none" rotWithShape="1">
-              <a:gsLst>
-                <a:gs pos="0">
-                  <a:schemeClr val="accent1"/>
-                </a:gs>
-                <a:gs pos="60000">
-                  <a:schemeClr val="accent1">
-                    <a:lumMod val="45000"/>
-                    <a:lumOff val="55000"/>
-                  </a:schemeClr>
-                </a:gs>
-                <a:gs pos="44000">
-                  <a:schemeClr val="accent1">
-                    <a:lumMod val="45000"/>
-                    <a:lumOff val="55000"/>
-                  </a:schemeClr>
-                </a:gs>
-                <a:gs pos="100000">
-                  <a:schemeClr val="accent1">
-                    <a:lumMod val="30000"/>
-                    <a:lumOff val="70000"/>
-                  </a:schemeClr>
-                </a:gs>
-              </a:gsLst>
-              <a:lin ang="0" scaled="1"/>
-              <a:tileRect/>
-            </a:gradFill>
-          </a:ln>
-          <a:effectLst>
-            <a:glow>
-              <a:schemeClr val="accent1"/>
-            </a:glow>
-            <a:reflection endPos="0" dist="50800" dir="5400000" sy="-100000" algn="bl" rotWithShape="0"/>
-            <a:softEdge rad="0"/>
-          </a:effectLst>
-        </p:spPr>
-        <p:style>
-          <a:lnRef idx="1">
-            <a:schemeClr val="accent1"/>
-          </a:lnRef>
-          <a:fillRef idx="0">
-            <a:schemeClr val="accent1"/>
-          </a:fillRef>
-          <a:effectRef idx="0">
-            <a:schemeClr val="accent1"/>
-          </a:effectRef>
-          <a:fontRef idx="minor">
-            <a:schemeClr val="tx1"/>
-          </a:fontRef>
-        </p:style>
-      </p:cxnSp>
-    </p:spTree>
-    <p:extLst>
-      <p:ext uri="{BB962C8B-B14F-4D97-AF65-F5344CB8AC3E}">
-        <p14:creationId xmlns:p14="http://schemas.microsoft.com/office/powerpoint/2010/main" val="977042970"/>
-      </p:ext>
-    </p:extLst>
-  </p:cSld>
-  <p:clrMapOvr>
-    <a:overrideClrMapping bg1="lt1" tx1="dk1" bg2="lt2" tx2="dk2" accent1="accent1" accent2="accent2" accent3="accent3" accent4="accent4" accent5="accent5" accent6="accent6" hlink="hlink" folHlink="folHlink"/>
-  </p:clrMapOvr>
-</p:sld>
-</file>
-
-<file path=ppt/slides/slide3.xml><?xml version="1.0" encoding="utf-8"?>
 <p:sld xmlns:a="http://schemas.openxmlformats.org/drawingml/2006/main" xmlns:r="http://schemas.openxmlformats.org/officeDocument/2006/relationships" xmlns:p="http://schemas.openxmlformats.org/presentationml/2006/main">
   <p:cSld>
     <p:bg>
@@ -26475,7 +22019,2545 @@
 </p:sld>
 </file>
 
-<file path=ppt/slides/slide4.xml><?xml version="1.0" encoding="utf-8"?>
+<file path=ppt/slides/slide10.xml><?xml version="1.0" encoding="utf-8"?>
+<p:sld xmlns:a="http://schemas.openxmlformats.org/drawingml/2006/main" xmlns:r="http://schemas.openxmlformats.org/officeDocument/2006/relationships" xmlns:p="http://schemas.openxmlformats.org/presentationml/2006/main">
+  <p:cSld>
+    <p:spTree>
+      <p:nvGrpSpPr>
+        <p:cNvPr id="1" name=""/>
+        <p:cNvGrpSpPr/>
+        <p:nvPr/>
+      </p:nvGrpSpPr>
+      <p:grpSpPr>
+        <a:xfrm>
+          <a:off x="0" y="0"/>
+          <a:ext cx="0" cy="0"/>
+          <a:chOff x="0" y="0"/>
+          <a:chExt cx="0" cy="0"/>
+        </a:xfrm>
+      </p:grpSpPr>
+      <p:sp>
+        <p:nvSpPr>
+          <p:cNvPr id="2" name="Título 1">
+            <a:extLst>
+              <a:ext uri="{FF2B5EF4-FFF2-40B4-BE49-F238E27FC236}">
+                <a16:creationId xmlns:a16="http://schemas.microsoft.com/office/drawing/2014/main" id="{F6DD6624-741B-4C99-B14A-3ACC4F671827}"/>
+              </a:ext>
+            </a:extLst>
+          </p:cNvPr>
+          <p:cNvSpPr>
+            <a:spLocks noGrp="1"/>
+          </p:cNvSpPr>
+          <p:nvPr>
+            <p:ph type="title"/>
+          </p:nvPr>
+        </p:nvSpPr>
+        <p:spPr/>
+        <p:txBody>
+          <a:bodyPr>
+            <a:normAutofit/>
+          </a:bodyPr>
+          <a:lstStyle/>
+          <a:p>
+            <a:r>
+              <a:rPr lang="pt-PT" sz="3600" dirty="0">
+                <a:latin typeface="Verdana" panose="020B0604030504040204" pitchFamily="34" charset="0"/>
+                <a:ea typeface="Verdana" panose="020B0604030504040204" pitchFamily="34" charset="0"/>
+              </a:rPr>
+              <a:t>Evolução da Equipa</a:t>
+            </a:r>
+          </a:p>
+        </p:txBody>
+      </p:sp>
+      <p:graphicFrame>
+        <p:nvGraphicFramePr>
+          <p:cNvPr id="4" name="Tabela 4">
+            <a:extLst>
+              <a:ext uri="{FF2B5EF4-FFF2-40B4-BE49-F238E27FC236}">
+                <a16:creationId xmlns:a16="http://schemas.microsoft.com/office/drawing/2014/main" id="{3A992931-2880-49E2-A09A-D1E77915906A}"/>
+              </a:ext>
+            </a:extLst>
+          </p:cNvPr>
+          <p:cNvGraphicFramePr>
+            <a:graphicFrameLocks/>
+          </p:cNvGraphicFramePr>
+          <p:nvPr>
+            <p:extLst>
+              <p:ext uri="{D42A27DB-BD31-4B8C-83A1-F6EECF244321}">
+                <p14:modId xmlns:p14="http://schemas.microsoft.com/office/powerpoint/2010/main" val="3481256014"/>
+              </p:ext>
+            </p:extLst>
+          </p:nvPr>
+        </p:nvGraphicFramePr>
+        <p:xfrm>
+          <a:off x="533398" y="2642454"/>
+          <a:ext cx="5257800" cy="2270760"/>
+        </p:xfrm>
+        <a:graphic>
+          <a:graphicData uri="http://schemas.openxmlformats.org/drawingml/2006/table">
+            <a:tbl>
+              <a:tblPr firstRow="1" bandRow="1">
+                <a:tableStyleId>{5C22544A-7EE6-4342-B048-85BDC9FD1C3A}</a:tableStyleId>
+              </a:tblPr>
+              <a:tblGrid>
+                <a:gridCol w="2007124">
+                  <a:extLst>
+                    <a:ext uri="{9D8B030D-6E8A-4147-A177-3AD203B41FA5}">
+                      <a16:colId xmlns:a16="http://schemas.microsoft.com/office/drawing/2014/main" val="1449156705"/>
+                    </a:ext>
+                  </a:extLst>
+                </a:gridCol>
+                <a:gridCol w="650180">
+                  <a:extLst>
+                    <a:ext uri="{9D8B030D-6E8A-4147-A177-3AD203B41FA5}">
+                      <a16:colId xmlns:a16="http://schemas.microsoft.com/office/drawing/2014/main" val="3500186421"/>
+                    </a:ext>
+                  </a:extLst>
+                </a:gridCol>
+                <a:gridCol w="650124">
+                  <a:extLst>
+                    <a:ext uri="{9D8B030D-6E8A-4147-A177-3AD203B41FA5}">
+                      <a16:colId xmlns:a16="http://schemas.microsoft.com/office/drawing/2014/main" val="3452294040"/>
+                    </a:ext>
+                  </a:extLst>
+                </a:gridCol>
+                <a:gridCol w="650124">
+                  <a:extLst>
+                    <a:ext uri="{9D8B030D-6E8A-4147-A177-3AD203B41FA5}">
+                      <a16:colId xmlns:a16="http://schemas.microsoft.com/office/drawing/2014/main" val="800563202"/>
+                    </a:ext>
+                  </a:extLst>
+                </a:gridCol>
+                <a:gridCol w="650124">
+                  <a:extLst>
+                    <a:ext uri="{9D8B030D-6E8A-4147-A177-3AD203B41FA5}">
+                      <a16:colId xmlns:a16="http://schemas.microsoft.com/office/drawing/2014/main" val="819999665"/>
+                    </a:ext>
+                  </a:extLst>
+                </a:gridCol>
+                <a:gridCol w="650124">
+                  <a:extLst>
+                    <a:ext uri="{9D8B030D-6E8A-4147-A177-3AD203B41FA5}">
+                      <a16:colId xmlns:a16="http://schemas.microsoft.com/office/drawing/2014/main" val="2492133887"/>
+                    </a:ext>
+                  </a:extLst>
+                </a:gridCol>
+              </a:tblGrid>
+              <a:tr h="370840">
+                <a:tc>
+                  <a:txBody>
+                    <a:bodyPr/>
+                    <a:lstStyle/>
+                    <a:p>
+                      <a:endParaRPr lang="pt-PT" sz="1600" dirty="0">
+                        <a:solidFill>
+                          <a:srgbClr val="C86E00"/>
+                        </a:solidFill>
+                        <a:latin typeface="Verdana" panose="020B0604030504040204" pitchFamily="34" charset="0"/>
+                        <a:ea typeface="Verdana" panose="020B0604030504040204" pitchFamily="34" charset="0"/>
+                      </a:endParaRPr>
+                    </a:p>
+                  </a:txBody>
+                  <a:tcPr/>
+                </a:tc>
+                <a:tc>
+                  <a:txBody>
+                    <a:bodyPr/>
+                    <a:lstStyle/>
+                    <a:p>
+                      <a:r>
+                        <a:rPr lang="pt-PT" sz="1600" dirty="0">
+                          <a:latin typeface="Verdana" panose="020B0604030504040204" pitchFamily="34" charset="0"/>
+                          <a:ea typeface="Verdana" panose="020B0604030504040204" pitchFamily="34" charset="0"/>
+                        </a:rPr>
+                        <a:t>1</a:t>
+                      </a:r>
+                    </a:p>
+                  </a:txBody>
+                  <a:tcPr/>
+                </a:tc>
+                <a:tc>
+                  <a:txBody>
+                    <a:bodyPr/>
+                    <a:lstStyle/>
+                    <a:p>
+                      <a:r>
+                        <a:rPr lang="pt-PT" sz="1600" dirty="0">
+                          <a:latin typeface="Verdana" panose="020B0604030504040204" pitchFamily="34" charset="0"/>
+                          <a:ea typeface="Verdana" panose="020B0604030504040204" pitchFamily="34" charset="0"/>
+                        </a:rPr>
+                        <a:t>2</a:t>
+                      </a:r>
+                    </a:p>
+                  </a:txBody>
+                  <a:tcPr/>
+                </a:tc>
+                <a:tc>
+                  <a:txBody>
+                    <a:bodyPr/>
+                    <a:lstStyle/>
+                    <a:p>
+                      <a:r>
+                        <a:rPr lang="pt-PT" sz="1600" dirty="0">
+                          <a:latin typeface="Verdana" panose="020B0604030504040204" pitchFamily="34" charset="0"/>
+                          <a:ea typeface="Verdana" panose="020B0604030504040204" pitchFamily="34" charset="0"/>
+                        </a:rPr>
+                        <a:t>3</a:t>
+                      </a:r>
+                    </a:p>
+                  </a:txBody>
+                  <a:tcPr/>
+                </a:tc>
+                <a:tc>
+                  <a:txBody>
+                    <a:bodyPr/>
+                    <a:lstStyle/>
+                    <a:p>
+                      <a:r>
+                        <a:rPr lang="pt-PT" sz="1600" dirty="0">
+                          <a:latin typeface="Verdana" panose="020B0604030504040204" pitchFamily="34" charset="0"/>
+                          <a:ea typeface="Verdana" panose="020B0604030504040204" pitchFamily="34" charset="0"/>
+                        </a:rPr>
+                        <a:t>4</a:t>
+                      </a:r>
+                    </a:p>
+                  </a:txBody>
+                  <a:tcPr/>
+                </a:tc>
+                <a:tc>
+                  <a:txBody>
+                    <a:bodyPr/>
+                    <a:lstStyle/>
+                    <a:p>
+                      <a:r>
+                        <a:rPr lang="pt-PT" sz="1600" dirty="0">
+                          <a:latin typeface="Verdana" panose="020B0604030504040204" pitchFamily="34" charset="0"/>
+                          <a:ea typeface="Verdana" panose="020B0604030504040204" pitchFamily="34" charset="0"/>
+                        </a:rPr>
+                        <a:t>5</a:t>
+                      </a:r>
+                    </a:p>
+                  </a:txBody>
+                  <a:tcPr/>
+                </a:tc>
+                <a:extLst>
+                  <a:ext uri="{0D108BD9-81ED-4DB2-BD59-A6C34878D82A}">
+                    <a16:rowId xmlns:a16="http://schemas.microsoft.com/office/drawing/2014/main" val="3404695816"/>
+                  </a:ext>
+                </a:extLst>
+              </a:tr>
+              <a:tr h="370840">
+                <a:tc>
+                  <a:txBody>
+                    <a:bodyPr/>
+                    <a:lstStyle/>
+                    <a:p>
+                      <a:r>
+                        <a:rPr lang="pt-PT" sz="1600" dirty="0">
+                          <a:latin typeface="Verdana" panose="020B0604030504040204" pitchFamily="34" charset="0"/>
+                          <a:ea typeface="Verdana" panose="020B0604030504040204" pitchFamily="34" charset="0"/>
+                        </a:rPr>
+                        <a:t>Java</a:t>
+                      </a:r>
+                    </a:p>
+                  </a:txBody>
+                  <a:tcPr/>
+                </a:tc>
+                <a:tc>
+                  <a:txBody>
+                    <a:bodyPr/>
+                    <a:lstStyle/>
+                    <a:p>
+                      <a:endParaRPr lang="pt-PT" sz="1600" dirty="0">
+                        <a:latin typeface="Verdana" panose="020B0604030504040204" pitchFamily="34" charset="0"/>
+                        <a:ea typeface="Verdana" panose="020B0604030504040204" pitchFamily="34" charset="0"/>
+                      </a:endParaRPr>
+                    </a:p>
+                  </a:txBody>
+                  <a:tcPr/>
+                </a:tc>
+                <a:tc>
+                  <a:txBody>
+                    <a:bodyPr/>
+                    <a:lstStyle/>
+                    <a:p>
+                      <a:endParaRPr lang="pt-PT" sz="1600">
+                        <a:latin typeface="Verdana" panose="020B0604030504040204" pitchFamily="34" charset="0"/>
+                        <a:ea typeface="Verdana" panose="020B0604030504040204" pitchFamily="34" charset="0"/>
+                      </a:endParaRPr>
+                    </a:p>
+                  </a:txBody>
+                  <a:tcPr/>
+                </a:tc>
+                <a:tc>
+                  <a:txBody>
+                    <a:bodyPr/>
+                    <a:lstStyle/>
+                    <a:p>
+                      <a:endParaRPr lang="pt-PT" sz="1600">
+                        <a:latin typeface="Verdana" panose="020B0604030504040204" pitchFamily="34" charset="0"/>
+                        <a:ea typeface="Verdana" panose="020B0604030504040204" pitchFamily="34" charset="0"/>
+                      </a:endParaRPr>
+                    </a:p>
+                  </a:txBody>
+                  <a:tcPr/>
+                </a:tc>
+                <a:tc>
+                  <a:txBody>
+                    <a:bodyPr/>
+                    <a:lstStyle/>
+                    <a:p>
+                      <a:endParaRPr lang="pt-PT" sz="1600">
+                        <a:latin typeface="Verdana" panose="020B0604030504040204" pitchFamily="34" charset="0"/>
+                        <a:ea typeface="Verdana" panose="020B0604030504040204" pitchFamily="34" charset="0"/>
+                      </a:endParaRPr>
+                    </a:p>
+                  </a:txBody>
+                  <a:tcPr/>
+                </a:tc>
+                <a:tc>
+                  <a:txBody>
+                    <a:bodyPr/>
+                    <a:lstStyle/>
+                    <a:p>
+                      <a:endParaRPr lang="pt-PT" sz="1600" dirty="0">
+                        <a:latin typeface="Verdana" panose="020B0604030504040204" pitchFamily="34" charset="0"/>
+                        <a:ea typeface="Verdana" panose="020B0604030504040204" pitchFamily="34" charset="0"/>
+                      </a:endParaRPr>
+                    </a:p>
+                  </a:txBody>
+                  <a:tcPr/>
+                </a:tc>
+                <a:extLst>
+                  <a:ext uri="{0D108BD9-81ED-4DB2-BD59-A6C34878D82A}">
+                    <a16:rowId xmlns:a16="http://schemas.microsoft.com/office/drawing/2014/main" val="4189663187"/>
+                  </a:ext>
+                </a:extLst>
+              </a:tr>
+              <a:tr h="370840">
+                <a:tc>
+                  <a:txBody>
+                    <a:bodyPr/>
+                    <a:lstStyle/>
+                    <a:p>
+                      <a:r>
+                        <a:rPr lang="pt-PT" sz="1600" dirty="0">
+                          <a:latin typeface="Verdana" panose="020B0604030504040204" pitchFamily="34" charset="0"/>
+                          <a:ea typeface="Verdana" panose="020B0604030504040204" pitchFamily="34" charset="0"/>
+                        </a:rPr>
+                        <a:t>Liderança</a:t>
+                      </a:r>
+                    </a:p>
+                  </a:txBody>
+                  <a:tcPr/>
+                </a:tc>
+                <a:tc>
+                  <a:txBody>
+                    <a:bodyPr/>
+                    <a:lstStyle/>
+                    <a:p>
+                      <a:endParaRPr lang="pt-PT" sz="1600" dirty="0">
+                        <a:latin typeface="Verdana" panose="020B0604030504040204" pitchFamily="34" charset="0"/>
+                        <a:ea typeface="Verdana" panose="020B0604030504040204" pitchFamily="34" charset="0"/>
+                      </a:endParaRPr>
+                    </a:p>
+                  </a:txBody>
+                  <a:tcPr/>
+                </a:tc>
+                <a:tc>
+                  <a:txBody>
+                    <a:bodyPr/>
+                    <a:lstStyle/>
+                    <a:p>
+                      <a:endParaRPr lang="pt-PT" sz="1600">
+                        <a:latin typeface="Verdana" panose="020B0604030504040204" pitchFamily="34" charset="0"/>
+                        <a:ea typeface="Verdana" panose="020B0604030504040204" pitchFamily="34" charset="0"/>
+                      </a:endParaRPr>
+                    </a:p>
+                  </a:txBody>
+                  <a:tcPr/>
+                </a:tc>
+                <a:tc>
+                  <a:txBody>
+                    <a:bodyPr/>
+                    <a:lstStyle/>
+                    <a:p>
+                      <a:endParaRPr lang="pt-PT" sz="1600">
+                        <a:latin typeface="Verdana" panose="020B0604030504040204" pitchFamily="34" charset="0"/>
+                        <a:ea typeface="Verdana" panose="020B0604030504040204" pitchFamily="34" charset="0"/>
+                      </a:endParaRPr>
+                    </a:p>
+                  </a:txBody>
+                  <a:tcPr/>
+                </a:tc>
+                <a:tc>
+                  <a:txBody>
+                    <a:bodyPr/>
+                    <a:lstStyle/>
+                    <a:p>
+                      <a:endParaRPr lang="pt-PT" sz="1600">
+                        <a:latin typeface="Verdana" panose="020B0604030504040204" pitchFamily="34" charset="0"/>
+                        <a:ea typeface="Verdana" panose="020B0604030504040204" pitchFamily="34" charset="0"/>
+                      </a:endParaRPr>
+                    </a:p>
+                  </a:txBody>
+                  <a:tcPr/>
+                </a:tc>
+                <a:tc>
+                  <a:txBody>
+                    <a:bodyPr/>
+                    <a:lstStyle/>
+                    <a:p>
+                      <a:endParaRPr lang="pt-PT" sz="1600" dirty="0">
+                        <a:latin typeface="Verdana" panose="020B0604030504040204" pitchFamily="34" charset="0"/>
+                        <a:ea typeface="Verdana" panose="020B0604030504040204" pitchFamily="34" charset="0"/>
+                      </a:endParaRPr>
+                    </a:p>
+                  </a:txBody>
+                  <a:tcPr/>
+                </a:tc>
+                <a:extLst>
+                  <a:ext uri="{0D108BD9-81ED-4DB2-BD59-A6C34878D82A}">
+                    <a16:rowId xmlns:a16="http://schemas.microsoft.com/office/drawing/2014/main" val="2629651851"/>
+                  </a:ext>
+                </a:extLst>
+              </a:tr>
+              <a:tr h="370840">
+                <a:tc>
+                  <a:txBody>
+                    <a:bodyPr/>
+                    <a:lstStyle/>
+                    <a:p>
+                      <a:r>
+                        <a:rPr lang="pt-PT" sz="1600" dirty="0">
+                          <a:latin typeface="Verdana" panose="020B0604030504040204" pitchFamily="34" charset="0"/>
+                          <a:ea typeface="Verdana" panose="020B0604030504040204" pitchFamily="34" charset="0"/>
+                        </a:rPr>
+                        <a:t>Trabalho de Grupo</a:t>
+                      </a:r>
+                    </a:p>
+                  </a:txBody>
+                  <a:tcPr/>
+                </a:tc>
+                <a:tc>
+                  <a:txBody>
+                    <a:bodyPr/>
+                    <a:lstStyle/>
+                    <a:p>
+                      <a:endParaRPr lang="pt-PT" sz="1600" dirty="0">
+                        <a:latin typeface="Verdana" panose="020B0604030504040204" pitchFamily="34" charset="0"/>
+                        <a:ea typeface="Verdana" panose="020B0604030504040204" pitchFamily="34" charset="0"/>
+                      </a:endParaRPr>
+                    </a:p>
+                  </a:txBody>
+                  <a:tcPr/>
+                </a:tc>
+                <a:tc>
+                  <a:txBody>
+                    <a:bodyPr/>
+                    <a:lstStyle/>
+                    <a:p>
+                      <a:endParaRPr lang="pt-PT" sz="1600" dirty="0">
+                        <a:latin typeface="Verdana" panose="020B0604030504040204" pitchFamily="34" charset="0"/>
+                        <a:ea typeface="Verdana" panose="020B0604030504040204" pitchFamily="34" charset="0"/>
+                      </a:endParaRPr>
+                    </a:p>
+                  </a:txBody>
+                  <a:tcPr/>
+                </a:tc>
+                <a:tc>
+                  <a:txBody>
+                    <a:bodyPr/>
+                    <a:lstStyle/>
+                    <a:p>
+                      <a:endParaRPr lang="pt-PT" sz="1600">
+                        <a:latin typeface="Verdana" panose="020B0604030504040204" pitchFamily="34" charset="0"/>
+                        <a:ea typeface="Verdana" panose="020B0604030504040204" pitchFamily="34" charset="0"/>
+                      </a:endParaRPr>
+                    </a:p>
+                  </a:txBody>
+                  <a:tcPr/>
+                </a:tc>
+                <a:tc>
+                  <a:txBody>
+                    <a:bodyPr/>
+                    <a:lstStyle/>
+                    <a:p>
+                      <a:endParaRPr lang="pt-PT" sz="1600">
+                        <a:latin typeface="Verdana" panose="020B0604030504040204" pitchFamily="34" charset="0"/>
+                        <a:ea typeface="Verdana" panose="020B0604030504040204" pitchFamily="34" charset="0"/>
+                      </a:endParaRPr>
+                    </a:p>
+                  </a:txBody>
+                  <a:tcPr/>
+                </a:tc>
+                <a:tc>
+                  <a:txBody>
+                    <a:bodyPr/>
+                    <a:lstStyle/>
+                    <a:p>
+                      <a:endParaRPr lang="pt-PT" sz="1600" dirty="0">
+                        <a:latin typeface="Verdana" panose="020B0604030504040204" pitchFamily="34" charset="0"/>
+                        <a:ea typeface="Verdana" panose="020B0604030504040204" pitchFamily="34" charset="0"/>
+                      </a:endParaRPr>
+                    </a:p>
+                  </a:txBody>
+                  <a:tcPr/>
+                </a:tc>
+                <a:extLst>
+                  <a:ext uri="{0D108BD9-81ED-4DB2-BD59-A6C34878D82A}">
+                    <a16:rowId xmlns:a16="http://schemas.microsoft.com/office/drawing/2014/main" val="2940923386"/>
+                  </a:ext>
+                </a:extLst>
+              </a:tr>
+              <a:tr h="370840">
+                <a:tc>
+                  <a:txBody>
+                    <a:bodyPr/>
+                    <a:lstStyle/>
+                    <a:p>
+                      <a:r>
+                        <a:rPr lang="pt-PT" sz="1600" dirty="0">
+                          <a:latin typeface="Verdana" panose="020B0604030504040204" pitchFamily="34" charset="0"/>
+                          <a:ea typeface="Verdana" panose="020B0604030504040204" pitchFamily="34" charset="0"/>
+                        </a:rPr>
+                        <a:t>Gestão de Conflitos e Tempo</a:t>
+                      </a:r>
+                    </a:p>
+                  </a:txBody>
+                  <a:tcPr/>
+                </a:tc>
+                <a:tc>
+                  <a:txBody>
+                    <a:bodyPr/>
+                    <a:lstStyle/>
+                    <a:p>
+                      <a:r>
+                        <a:rPr lang="pt-PT" sz="1600" dirty="0">
+                          <a:latin typeface="Verdana" panose="020B0604030504040204" pitchFamily="34" charset="0"/>
+                          <a:ea typeface="Verdana" panose="020B0604030504040204" pitchFamily="34" charset="0"/>
+                        </a:rPr>
+                        <a:t>X</a:t>
+                      </a:r>
+                    </a:p>
+                  </a:txBody>
+                  <a:tcPr/>
+                </a:tc>
+                <a:tc>
+                  <a:txBody>
+                    <a:bodyPr/>
+                    <a:lstStyle/>
+                    <a:p>
+                      <a:endParaRPr lang="pt-PT" sz="1600" dirty="0">
+                        <a:latin typeface="Verdana" panose="020B0604030504040204" pitchFamily="34" charset="0"/>
+                        <a:ea typeface="Verdana" panose="020B0604030504040204" pitchFamily="34" charset="0"/>
+                      </a:endParaRPr>
+                    </a:p>
+                  </a:txBody>
+                  <a:tcPr/>
+                </a:tc>
+                <a:tc>
+                  <a:txBody>
+                    <a:bodyPr/>
+                    <a:lstStyle/>
+                    <a:p>
+                      <a:endParaRPr lang="pt-PT" sz="1600" dirty="0">
+                        <a:latin typeface="Verdana" panose="020B0604030504040204" pitchFamily="34" charset="0"/>
+                        <a:ea typeface="Verdana" panose="020B0604030504040204" pitchFamily="34" charset="0"/>
+                      </a:endParaRPr>
+                    </a:p>
+                  </a:txBody>
+                  <a:tcPr/>
+                </a:tc>
+                <a:tc>
+                  <a:txBody>
+                    <a:bodyPr/>
+                    <a:lstStyle/>
+                    <a:p>
+                      <a:endParaRPr lang="pt-PT" sz="1600" dirty="0">
+                        <a:latin typeface="Verdana" panose="020B0604030504040204" pitchFamily="34" charset="0"/>
+                        <a:ea typeface="Verdana" panose="020B0604030504040204" pitchFamily="34" charset="0"/>
+                      </a:endParaRPr>
+                    </a:p>
+                  </a:txBody>
+                  <a:tcPr/>
+                </a:tc>
+                <a:tc>
+                  <a:txBody>
+                    <a:bodyPr/>
+                    <a:lstStyle/>
+                    <a:p>
+                      <a:endParaRPr lang="pt-PT" sz="1600" dirty="0">
+                        <a:latin typeface="Verdana" panose="020B0604030504040204" pitchFamily="34" charset="0"/>
+                        <a:ea typeface="Verdana" panose="020B0604030504040204" pitchFamily="34" charset="0"/>
+                      </a:endParaRPr>
+                    </a:p>
+                  </a:txBody>
+                  <a:tcPr/>
+                </a:tc>
+                <a:extLst>
+                  <a:ext uri="{0D108BD9-81ED-4DB2-BD59-A6C34878D82A}">
+                    <a16:rowId xmlns:a16="http://schemas.microsoft.com/office/drawing/2014/main" val="4135024"/>
+                  </a:ext>
+                </a:extLst>
+              </a:tr>
+            </a:tbl>
+          </a:graphicData>
+        </a:graphic>
+      </p:graphicFrame>
+      <p:graphicFrame>
+        <p:nvGraphicFramePr>
+          <p:cNvPr id="6" name="Tabela 4">
+            <a:extLst>
+              <a:ext uri="{FF2B5EF4-FFF2-40B4-BE49-F238E27FC236}">
+                <a16:creationId xmlns:a16="http://schemas.microsoft.com/office/drawing/2014/main" id="{A3112BB6-27E1-4B69-A46D-35BABA0757C7}"/>
+              </a:ext>
+            </a:extLst>
+          </p:cNvPr>
+          <p:cNvGraphicFramePr>
+            <a:graphicFrameLocks/>
+          </p:cNvGraphicFramePr>
+          <p:nvPr>
+            <p:extLst>
+              <p:ext uri="{D42A27DB-BD31-4B8C-83A1-F6EECF244321}">
+                <p14:modId xmlns:p14="http://schemas.microsoft.com/office/powerpoint/2010/main" val="1597185989"/>
+              </p:ext>
+            </p:extLst>
+          </p:nvPr>
+        </p:nvGraphicFramePr>
+        <p:xfrm>
+          <a:off x="6400803" y="2642454"/>
+          <a:ext cx="5257800" cy="2270760"/>
+        </p:xfrm>
+        <a:graphic>
+          <a:graphicData uri="http://schemas.openxmlformats.org/drawingml/2006/table">
+            <a:tbl>
+              <a:tblPr firstRow="1" bandRow="1">
+                <a:tableStyleId>{5C22544A-7EE6-4342-B048-85BDC9FD1C3A}</a:tableStyleId>
+              </a:tblPr>
+              <a:tblGrid>
+                <a:gridCol w="2007124">
+                  <a:extLst>
+                    <a:ext uri="{9D8B030D-6E8A-4147-A177-3AD203B41FA5}">
+                      <a16:colId xmlns:a16="http://schemas.microsoft.com/office/drawing/2014/main" val="1449156705"/>
+                    </a:ext>
+                  </a:extLst>
+                </a:gridCol>
+                <a:gridCol w="650180">
+                  <a:extLst>
+                    <a:ext uri="{9D8B030D-6E8A-4147-A177-3AD203B41FA5}">
+                      <a16:colId xmlns:a16="http://schemas.microsoft.com/office/drawing/2014/main" val="3500186421"/>
+                    </a:ext>
+                  </a:extLst>
+                </a:gridCol>
+                <a:gridCol w="650124">
+                  <a:extLst>
+                    <a:ext uri="{9D8B030D-6E8A-4147-A177-3AD203B41FA5}">
+                      <a16:colId xmlns:a16="http://schemas.microsoft.com/office/drawing/2014/main" val="3452294040"/>
+                    </a:ext>
+                  </a:extLst>
+                </a:gridCol>
+                <a:gridCol w="650124">
+                  <a:extLst>
+                    <a:ext uri="{9D8B030D-6E8A-4147-A177-3AD203B41FA5}">
+                      <a16:colId xmlns:a16="http://schemas.microsoft.com/office/drawing/2014/main" val="800563202"/>
+                    </a:ext>
+                  </a:extLst>
+                </a:gridCol>
+                <a:gridCol w="650124">
+                  <a:extLst>
+                    <a:ext uri="{9D8B030D-6E8A-4147-A177-3AD203B41FA5}">
+                      <a16:colId xmlns:a16="http://schemas.microsoft.com/office/drawing/2014/main" val="819999665"/>
+                    </a:ext>
+                  </a:extLst>
+                </a:gridCol>
+                <a:gridCol w="650124">
+                  <a:extLst>
+                    <a:ext uri="{9D8B030D-6E8A-4147-A177-3AD203B41FA5}">
+                      <a16:colId xmlns:a16="http://schemas.microsoft.com/office/drawing/2014/main" val="2492133887"/>
+                    </a:ext>
+                  </a:extLst>
+                </a:gridCol>
+              </a:tblGrid>
+              <a:tr h="370840">
+                <a:tc>
+                  <a:txBody>
+                    <a:bodyPr/>
+                    <a:lstStyle/>
+                    <a:p>
+                      <a:endParaRPr lang="pt-PT" sz="1600" dirty="0">
+                        <a:latin typeface="Verdana" panose="020B0604030504040204" pitchFamily="34" charset="0"/>
+                        <a:ea typeface="Verdana" panose="020B0604030504040204" pitchFamily="34" charset="0"/>
+                      </a:endParaRPr>
+                    </a:p>
+                  </a:txBody>
+                  <a:tcPr/>
+                </a:tc>
+                <a:tc>
+                  <a:txBody>
+                    <a:bodyPr/>
+                    <a:lstStyle/>
+                    <a:p>
+                      <a:r>
+                        <a:rPr lang="pt-PT" sz="1600" dirty="0">
+                          <a:latin typeface="Verdana" panose="020B0604030504040204" pitchFamily="34" charset="0"/>
+                          <a:ea typeface="Verdana" panose="020B0604030504040204" pitchFamily="34" charset="0"/>
+                        </a:rPr>
+                        <a:t>1</a:t>
+                      </a:r>
+                    </a:p>
+                  </a:txBody>
+                  <a:tcPr/>
+                </a:tc>
+                <a:tc>
+                  <a:txBody>
+                    <a:bodyPr/>
+                    <a:lstStyle/>
+                    <a:p>
+                      <a:r>
+                        <a:rPr lang="pt-PT" sz="1600" dirty="0">
+                          <a:latin typeface="Verdana" panose="020B0604030504040204" pitchFamily="34" charset="0"/>
+                          <a:ea typeface="Verdana" panose="020B0604030504040204" pitchFamily="34" charset="0"/>
+                        </a:rPr>
+                        <a:t>2</a:t>
+                      </a:r>
+                    </a:p>
+                  </a:txBody>
+                  <a:tcPr/>
+                </a:tc>
+                <a:tc>
+                  <a:txBody>
+                    <a:bodyPr/>
+                    <a:lstStyle/>
+                    <a:p>
+                      <a:r>
+                        <a:rPr lang="pt-PT" sz="1600" dirty="0">
+                          <a:latin typeface="Verdana" panose="020B0604030504040204" pitchFamily="34" charset="0"/>
+                          <a:ea typeface="Verdana" panose="020B0604030504040204" pitchFamily="34" charset="0"/>
+                        </a:rPr>
+                        <a:t>3</a:t>
+                      </a:r>
+                    </a:p>
+                  </a:txBody>
+                  <a:tcPr/>
+                </a:tc>
+                <a:tc>
+                  <a:txBody>
+                    <a:bodyPr/>
+                    <a:lstStyle/>
+                    <a:p>
+                      <a:r>
+                        <a:rPr lang="pt-PT" sz="1600" dirty="0">
+                          <a:latin typeface="Verdana" panose="020B0604030504040204" pitchFamily="34" charset="0"/>
+                          <a:ea typeface="Verdana" panose="020B0604030504040204" pitchFamily="34" charset="0"/>
+                        </a:rPr>
+                        <a:t>4</a:t>
+                      </a:r>
+                    </a:p>
+                  </a:txBody>
+                  <a:tcPr/>
+                </a:tc>
+                <a:tc>
+                  <a:txBody>
+                    <a:bodyPr/>
+                    <a:lstStyle/>
+                    <a:p>
+                      <a:r>
+                        <a:rPr lang="pt-PT" sz="1600" dirty="0">
+                          <a:latin typeface="Verdana" panose="020B0604030504040204" pitchFamily="34" charset="0"/>
+                          <a:ea typeface="Verdana" panose="020B0604030504040204" pitchFamily="34" charset="0"/>
+                        </a:rPr>
+                        <a:t>5</a:t>
+                      </a:r>
+                    </a:p>
+                  </a:txBody>
+                  <a:tcPr/>
+                </a:tc>
+                <a:extLst>
+                  <a:ext uri="{0D108BD9-81ED-4DB2-BD59-A6C34878D82A}">
+                    <a16:rowId xmlns:a16="http://schemas.microsoft.com/office/drawing/2014/main" val="3404695816"/>
+                  </a:ext>
+                </a:extLst>
+              </a:tr>
+              <a:tr h="370840">
+                <a:tc>
+                  <a:txBody>
+                    <a:bodyPr/>
+                    <a:lstStyle/>
+                    <a:p>
+                      <a:r>
+                        <a:rPr lang="pt-PT" sz="1600" dirty="0">
+                          <a:latin typeface="Verdana" panose="020B0604030504040204" pitchFamily="34" charset="0"/>
+                          <a:ea typeface="Verdana" panose="020B0604030504040204" pitchFamily="34" charset="0"/>
+                        </a:rPr>
+                        <a:t>Java</a:t>
+                      </a:r>
+                    </a:p>
+                  </a:txBody>
+                  <a:tcPr/>
+                </a:tc>
+                <a:tc>
+                  <a:txBody>
+                    <a:bodyPr/>
+                    <a:lstStyle/>
+                    <a:p>
+                      <a:endParaRPr lang="pt-PT" sz="1600" dirty="0">
+                        <a:latin typeface="Verdana" panose="020B0604030504040204" pitchFamily="34" charset="0"/>
+                        <a:ea typeface="Verdana" panose="020B0604030504040204" pitchFamily="34" charset="0"/>
+                      </a:endParaRPr>
+                    </a:p>
+                  </a:txBody>
+                  <a:tcPr/>
+                </a:tc>
+                <a:tc>
+                  <a:txBody>
+                    <a:bodyPr/>
+                    <a:lstStyle/>
+                    <a:p>
+                      <a:endParaRPr lang="pt-PT" sz="1600">
+                        <a:latin typeface="Verdana" panose="020B0604030504040204" pitchFamily="34" charset="0"/>
+                        <a:ea typeface="Verdana" panose="020B0604030504040204" pitchFamily="34" charset="0"/>
+                      </a:endParaRPr>
+                    </a:p>
+                  </a:txBody>
+                  <a:tcPr/>
+                </a:tc>
+                <a:tc>
+                  <a:txBody>
+                    <a:bodyPr/>
+                    <a:lstStyle/>
+                    <a:p>
+                      <a:endParaRPr lang="pt-PT" sz="1600" dirty="0">
+                        <a:latin typeface="Verdana" panose="020B0604030504040204" pitchFamily="34" charset="0"/>
+                        <a:ea typeface="Verdana" panose="020B0604030504040204" pitchFamily="34" charset="0"/>
+                      </a:endParaRPr>
+                    </a:p>
+                  </a:txBody>
+                  <a:tcPr/>
+                </a:tc>
+                <a:tc>
+                  <a:txBody>
+                    <a:bodyPr/>
+                    <a:lstStyle/>
+                    <a:p>
+                      <a:endParaRPr lang="pt-PT" sz="1600" dirty="0">
+                        <a:latin typeface="Verdana" panose="020B0604030504040204" pitchFamily="34" charset="0"/>
+                        <a:ea typeface="Verdana" panose="020B0604030504040204" pitchFamily="34" charset="0"/>
+                      </a:endParaRPr>
+                    </a:p>
+                  </a:txBody>
+                  <a:tcPr/>
+                </a:tc>
+                <a:tc>
+                  <a:txBody>
+                    <a:bodyPr/>
+                    <a:lstStyle/>
+                    <a:p>
+                      <a:endParaRPr lang="pt-PT" sz="1600" dirty="0">
+                        <a:latin typeface="Verdana" panose="020B0604030504040204" pitchFamily="34" charset="0"/>
+                        <a:ea typeface="Verdana" panose="020B0604030504040204" pitchFamily="34" charset="0"/>
+                      </a:endParaRPr>
+                    </a:p>
+                  </a:txBody>
+                  <a:tcPr/>
+                </a:tc>
+                <a:extLst>
+                  <a:ext uri="{0D108BD9-81ED-4DB2-BD59-A6C34878D82A}">
+                    <a16:rowId xmlns:a16="http://schemas.microsoft.com/office/drawing/2014/main" val="4189663187"/>
+                  </a:ext>
+                </a:extLst>
+              </a:tr>
+              <a:tr h="370840">
+                <a:tc>
+                  <a:txBody>
+                    <a:bodyPr/>
+                    <a:lstStyle/>
+                    <a:p>
+                      <a:r>
+                        <a:rPr lang="pt-PT" sz="1600" dirty="0">
+                          <a:latin typeface="Verdana" panose="020B0604030504040204" pitchFamily="34" charset="0"/>
+                          <a:ea typeface="Verdana" panose="020B0604030504040204" pitchFamily="34" charset="0"/>
+                        </a:rPr>
+                        <a:t>Liderança</a:t>
+                      </a:r>
+                    </a:p>
+                  </a:txBody>
+                  <a:tcPr/>
+                </a:tc>
+                <a:tc>
+                  <a:txBody>
+                    <a:bodyPr/>
+                    <a:lstStyle/>
+                    <a:p>
+                      <a:endParaRPr lang="pt-PT" sz="1600" dirty="0">
+                        <a:latin typeface="Verdana" panose="020B0604030504040204" pitchFamily="34" charset="0"/>
+                        <a:ea typeface="Verdana" panose="020B0604030504040204" pitchFamily="34" charset="0"/>
+                      </a:endParaRPr>
+                    </a:p>
+                  </a:txBody>
+                  <a:tcPr/>
+                </a:tc>
+                <a:tc>
+                  <a:txBody>
+                    <a:bodyPr/>
+                    <a:lstStyle/>
+                    <a:p>
+                      <a:endParaRPr lang="pt-PT" sz="1600">
+                        <a:latin typeface="Verdana" panose="020B0604030504040204" pitchFamily="34" charset="0"/>
+                        <a:ea typeface="Verdana" panose="020B0604030504040204" pitchFamily="34" charset="0"/>
+                      </a:endParaRPr>
+                    </a:p>
+                  </a:txBody>
+                  <a:tcPr/>
+                </a:tc>
+                <a:tc>
+                  <a:txBody>
+                    <a:bodyPr/>
+                    <a:lstStyle/>
+                    <a:p>
+                      <a:endParaRPr lang="pt-PT" sz="1600">
+                        <a:latin typeface="Verdana" panose="020B0604030504040204" pitchFamily="34" charset="0"/>
+                        <a:ea typeface="Verdana" panose="020B0604030504040204" pitchFamily="34" charset="0"/>
+                      </a:endParaRPr>
+                    </a:p>
+                  </a:txBody>
+                  <a:tcPr/>
+                </a:tc>
+                <a:tc>
+                  <a:txBody>
+                    <a:bodyPr/>
+                    <a:lstStyle/>
+                    <a:p>
+                      <a:endParaRPr lang="pt-PT" sz="1600">
+                        <a:latin typeface="Verdana" panose="020B0604030504040204" pitchFamily="34" charset="0"/>
+                        <a:ea typeface="Verdana" panose="020B0604030504040204" pitchFamily="34" charset="0"/>
+                      </a:endParaRPr>
+                    </a:p>
+                  </a:txBody>
+                  <a:tcPr/>
+                </a:tc>
+                <a:tc>
+                  <a:txBody>
+                    <a:bodyPr/>
+                    <a:lstStyle/>
+                    <a:p>
+                      <a:endParaRPr lang="pt-PT" sz="1600" dirty="0">
+                        <a:latin typeface="Verdana" panose="020B0604030504040204" pitchFamily="34" charset="0"/>
+                        <a:ea typeface="Verdana" panose="020B0604030504040204" pitchFamily="34" charset="0"/>
+                      </a:endParaRPr>
+                    </a:p>
+                  </a:txBody>
+                  <a:tcPr/>
+                </a:tc>
+                <a:extLst>
+                  <a:ext uri="{0D108BD9-81ED-4DB2-BD59-A6C34878D82A}">
+                    <a16:rowId xmlns:a16="http://schemas.microsoft.com/office/drawing/2014/main" val="2629651851"/>
+                  </a:ext>
+                </a:extLst>
+              </a:tr>
+              <a:tr h="370840">
+                <a:tc>
+                  <a:txBody>
+                    <a:bodyPr/>
+                    <a:lstStyle/>
+                    <a:p>
+                      <a:r>
+                        <a:rPr lang="pt-PT" sz="1600" dirty="0">
+                          <a:latin typeface="Verdana" panose="020B0604030504040204" pitchFamily="34" charset="0"/>
+                          <a:ea typeface="Verdana" panose="020B0604030504040204" pitchFamily="34" charset="0"/>
+                        </a:rPr>
+                        <a:t>Trabalho de Grupo</a:t>
+                      </a:r>
+                    </a:p>
+                  </a:txBody>
+                  <a:tcPr/>
+                </a:tc>
+                <a:tc>
+                  <a:txBody>
+                    <a:bodyPr/>
+                    <a:lstStyle/>
+                    <a:p>
+                      <a:endParaRPr lang="pt-PT" sz="1600" dirty="0">
+                        <a:latin typeface="Verdana" panose="020B0604030504040204" pitchFamily="34" charset="0"/>
+                        <a:ea typeface="Verdana" panose="020B0604030504040204" pitchFamily="34" charset="0"/>
+                      </a:endParaRPr>
+                    </a:p>
+                  </a:txBody>
+                  <a:tcPr/>
+                </a:tc>
+                <a:tc>
+                  <a:txBody>
+                    <a:bodyPr/>
+                    <a:lstStyle/>
+                    <a:p>
+                      <a:endParaRPr lang="pt-PT" sz="1600">
+                        <a:latin typeface="Verdana" panose="020B0604030504040204" pitchFamily="34" charset="0"/>
+                        <a:ea typeface="Verdana" panose="020B0604030504040204" pitchFamily="34" charset="0"/>
+                      </a:endParaRPr>
+                    </a:p>
+                  </a:txBody>
+                  <a:tcPr/>
+                </a:tc>
+                <a:tc>
+                  <a:txBody>
+                    <a:bodyPr/>
+                    <a:lstStyle/>
+                    <a:p>
+                      <a:endParaRPr lang="pt-PT" sz="1600">
+                        <a:latin typeface="Verdana" panose="020B0604030504040204" pitchFamily="34" charset="0"/>
+                        <a:ea typeface="Verdana" panose="020B0604030504040204" pitchFamily="34" charset="0"/>
+                      </a:endParaRPr>
+                    </a:p>
+                  </a:txBody>
+                  <a:tcPr/>
+                </a:tc>
+                <a:tc>
+                  <a:txBody>
+                    <a:bodyPr/>
+                    <a:lstStyle/>
+                    <a:p>
+                      <a:endParaRPr lang="pt-PT" sz="1600">
+                        <a:latin typeface="Verdana" panose="020B0604030504040204" pitchFamily="34" charset="0"/>
+                        <a:ea typeface="Verdana" panose="020B0604030504040204" pitchFamily="34" charset="0"/>
+                      </a:endParaRPr>
+                    </a:p>
+                  </a:txBody>
+                  <a:tcPr/>
+                </a:tc>
+                <a:tc>
+                  <a:txBody>
+                    <a:bodyPr/>
+                    <a:lstStyle/>
+                    <a:p>
+                      <a:endParaRPr lang="pt-PT" sz="1600" dirty="0">
+                        <a:latin typeface="Verdana" panose="020B0604030504040204" pitchFamily="34" charset="0"/>
+                        <a:ea typeface="Verdana" panose="020B0604030504040204" pitchFamily="34" charset="0"/>
+                      </a:endParaRPr>
+                    </a:p>
+                  </a:txBody>
+                  <a:tcPr/>
+                </a:tc>
+                <a:extLst>
+                  <a:ext uri="{0D108BD9-81ED-4DB2-BD59-A6C34878D82A}">
+                    <a16:rowId xmlns:a16="http://schemas.microsoft.com/office/drawing/2014/main" val="2940923386"/>
+                  </a:ext>
+                </a:extLst>
+              </a:tr>
+              <a:tr h="370840">
+                <a:tc>
+                  <a:txBody>
+                    <a:bodyPr/>
+                    <a:lstStyle/>
+                    <a:p>
+                      <a:r>
+                        <a:rPr lang="pt-PT" sz="1600" dirty="0">
+                          <a:latin typeface="Verdana" panose="020B0604030504040204" pitchFamily="34" charset="0"/>
+                          <a:ea typeface="Verdana" panose="020B0604030504040204" pitchFamily="34" charset="0"/>
+                        </a:rPr>
+                        <a:t>Gestão de Conflitos e Tempo</a:t>
+                      </a:r>
+                    </a:p>
+                  </a:txBody>
+                  <a:tcPr/>
+                </a:tc>
+                <a:tc>
+                  <a:txBody>
+                    <a:bodyPr/>
+                    <a:lstStyle/>
+                    <a:p>
+                      <a:endParaRPr lang="pt-PT" sz="1600" dirty="0">
+                        <a:latin typeface="Verdana" panose="020B0604030504040204" pitchFamily="34" charset="0"/>
+                        <a:ea typeface="Verdana" panose="020B0604030504040204" pitchFamily="34" charset="0"/>
+                      </a:endParaRPr>
+                    </a:p>
+                  </a:txBody>
+                  <a:tcPr/>
+                </a:tc>
+                <a:tc>
+                  <a:txBody>
+                    <a:bodyPr/>
+                    <a:lstStyle/>
+                    <a:p>
+                      <a:endParaRPr lang="pt-PT" sz="1600" dirty="0">
+                        <a:latin typeface="Verdana" panose="020B0604030504040204" pitchFamily="34" charset="0"/>
+                        <a:ea typeface="Verdana" panose="020B0604030504040204" pitchFamily="34" charset="0"/>
+                      </a:endParaRPr>
+                    </a:p>
+                  </a:txBody>
+                  <a:tcPr/>
+                </a:tc>
+                <a:tc>
+                  <a:txBody>
+                    <a:bodyPr/>
+                    <a:lstStyle/>
+                    <a:p>
+                      <a:endParaRPr lang="pt-PT" sz="1600" dirty="0">
+                        <a:latin typeface="Verdana" panose="020B0604030504040204" pitchFamily="34" charset="0"/>
+                        <a:ea typeface="Verdana" panose="020B0604030504040204" pitchFamily="34" charset="0"/>
+                      </a:endParaRPr>
+                    </a:p>
+                  </a:txBody>
+                  <a:tcPr/>
+                </a:tc>
+                <a:tc>
+                  <a:txBody>
+                    <a:bodyPr/>
+                    <a:lstStyle/>
+                    <a:p>
+                      <a:endParaRPr lang="pt-PT" sz="1600" dirty="0">
+                        <a:latin typeface="Verdana" panose="020B0604030504040204" pitchFamily="34" charset="0"/>
+                        <a:ea typeface="Verdana" panose="020B0604030504040204" pitchFamily="34" charset="0"/>
+                      </a:endParaRPr>
+                    </a:p>
+                  </a:txBody>
+                  <a:tcPr/>
+                </a:tc>
+                <a:tc>
+                  <a:txBody>
+                    <a:bodyPr/>
+                    <a:lstStyle/>
+                    <a:p>
+                      <a:endParaRPr lang="pt-PT" sz="1600" dirty="0">
+                        <a:latin typeface="Verdana" panose="020B0604030504040204" pitchFamily="34" charset="0"/>
+                        <a:ea typeface="Verdana" panose="020B0604030504040204" pitchFamily="34" charset="0"/>
+                      </a:endParaRPr>
+                    </a:p>
+                  </a:txBody>
+                  <a:tcPr/>
+                </a:tc>
+                <a:extLst>
+                  <a:ext uri="{0D108BD9-81ED-4DB2-BD59-A6C34878D82A}">
+                    <a16:rowId xmlns:a16="http://schemas.microsoft.com/office/drawing/2014/main" val="4135024"/>
+                  </a:ext>
+                </a:extLst>
+              </a:tr>
+            </a:tbl>
+          </a:graphicData>
+        </a:graphic>
+      </p:graphicFrame>
+      <p:sp>
+        <p:nvSpPr>
+          <p:cNvPr id="5" name="CaixaDeTexto 4">
+            <a:extLst>
+              <a:ext uri="{FF2B5EF4-FFF2-40B4-BE49-F238E27FC236}">
+                <a16:creationId xmlns:a16="http://schemas.microsoft.com/office/drawing/2014/main" id="{E8582273-4D5A-4330-B1A0-980EB8A44688}"/>
+              </a:ext>
+            </a:extLst>
+          </p:cNvPr>
+          <p:cNvSpPr txBox="1"/>
+          <p:nvPr/>
+        </p:nvSpPr>
+        <p:spPr>
+          <a:xfrm>
+            <a:off x="2755776" y="2273122"/>
+            <a:ext cx="764953" cy="338554"/>
+          </a:xfrm>
+          <a:prstGeom prst="rect">
+            <a:avLst/>
+          </a:prstGeom>
+          <a:noFill/>
+        </p:spPr>
+        <p:txBody>
+          <a:bodyPr wrap="none" rtlCol="0">
+            <a:spAutoFit/>
+          </a:bodyPr>
+          <a:lstStyle/>
+          <a:p>
+            <a:r>
+              <a:rPr lang="pt-PT" sz="1600" dirty="0">
+                <a:latin typeface="Verdana" panose="020B0604030504040204" pitchFamily="34" charset="0"/>
+                <a:ea typeface="Verdana" panose="020B0604030504040204" pitchFamily="34" charset="0"/>
+              </a:rPr>
+              <a:t>Antes</a:t>
+            </a:r>
+          </a:p>
+        </p:txBody>
+      </p:sp>
+      <p:sp>
+        <p:nvSpPr>
+          <p:cNvPr id="7" name="CaixaDeTexto 6">
+            <a:extLst>
+              <a:ext uri="{FF2B5EF4-FFF2-40B4-BE49-F238E27FC236}">
+                <a16:creationId xmlns:a16="http://schemas.microsoft.com/office/drawing/2014/main" id="{0F066F87-4D8A-4527-B6E0-08CAF569455D}"/>
+              </a:ext>
+            </a:extLst>
+          </p:cNvPr>
+          <p:cNvSpPr txBox="1"/>
+          <p:nvPr/>
+        </p:nvSpPr>
+        <p:spPr>
+          <a:xfrm>
+            <a:off x="8563068" y="2273122"/>
+            <a:ext cx="881973" cy="338554"/>
+          </a:xfrm>
+          <a:prstGeom prst="rect">
+            <a:avLst/>
+          </a:prstGeom>
+          <a:noFill/>
+        </p:spPr>
+        <p:txBody>
+          <a:bodyPr wrap="none" rtlCol="0">
+            <a:spAutoFit/>
+          </a:bodyPr>
+          <a:lstStyle/>
+          <a:p>
+            <a:r>
+              <a:rPr lang="pt-PT" sz="1600" dirty="0">
+                <a:latin typeface="Verdana" panose="020B0604030504040204" pitchFamily="34" charset="0"/>
+                <a:ea typeface="Verdana" panose="020B0604030504040204" pitchFamily="34" charset="0"/>
+              </a:rPr>
+              <a:t>Depois</a:t>
+            </a:r>
+          </a:p>
+        </p:txBody>
+      </p:sp>
+    </p:spTree>
+    <p:extLst>
+      <p:ext uri="{BB962C8B-B14F-4D97-AF65-F5344CB8AC3E}">
+        <p14:creationId xmlns:p14="http://schemas.microsoft.com/office/powerpoint/2010/main" val="3063018683"/>
+      </p:ext>
+    </p:extLst>
+  </p:cSld>
+  <p:clrMapOvr>
+    <a:masterClrMapping/>
+  </p:clrMapOvr>
+</p:sld>
+</file>
+
+<file path=ppt/slides/slide11.xml><?xml version="1.0" encoding="utf-8"?>
+<p:sld xmlns:a="http://schemas.openxmlformats.org/drawingml/2006/main" xmlns:r="http://schemas.openxmlformats.org/officeDocument/2006/relationships" xmlns:p="http://schemas.openxmlformats.org/presentationml/2006/main">
+  <p:cSld>
+    <p:spTree>
+      <p:nvGrpSpPr>
+        <p:cNvPr id="1" name=""/>
+        <p:cNvGrpSpPr/>
+        <p:nvPr/>
+      </p:nvGrpSpPr>
+      <p:grpSpPr>
+        <a:xfrm>
+          <a:off x="0" y="0"/>
+          <a:ext cx="0" cy="0"/>
+          <a:chOff x="0" y="0"/>
+          <a:chExt cx="0" cy="0"/>
+        </a:xfrm>
+      </p:grpSpPr>
+      <p:sp>
+        <p:nvSpPr>
+          <p:cNvPr id="2" name="Título 1">
+            <a:extLst>
+              <a:ext uri="{FF2B5EF4-FFF2-40B4-BE49-F238E27FC236}">
+                <a16:creationId xmlns:a16="http://schemas.microsoft.com/office/drawing/2014/main" id="{FD2B9DF6-4A89-44C2-B068-0135B6696ABD}"/>
+              </a:ext>
+            </a:extLst>
+          </p:cNvPr>
+          <p:cNvSpPr>
+            <a:spLocks noGrp="1"/>
+          </p:cNvSpPr>
+          <p:nvPr>
+            <p:ph type="title"/>
+          </p:nvPr>
+        </p:nvSpPr>
+        <p:spPr>
+          <a:xfrm>
+            <a:off x="1115568" y="548640"/>
+            <a:ext cx="9867392" cy="1179576"/>
+          </a:xfrm>
+        </p:spPr>
+        <p:txBody>
+          <a:bodyPr>
+            <a:noAutofit/>
+          </a:bodyPr>
+          <a:lstStyle/>
+          <a:p>
+            <a:r>
+              <a:rPr lang="pt-PT" sz="3600" dirty="0">
+                <a:latin typeface="Verdana" panose="020B0604030504040204" pitchFamily="34" charset="0"/>
+                <a:ea typeface="Verdana" panose="020B0604030504040204" pitchFamily="34" charset="0"/>
+              </a:rPr>
+              <a:t>Evolução de Cada Membro da Equipa</a:t>
+            </a:r>
+          </a:p>
+        </p:txBody>
+      </p:sp>
+      <p:graphicFrame>
+        <p:nvGraphicFramePr>
+          <p:cNvPr id="4" name="Tabela 4">
+            <a:extLst>
+              <a:ext uri="{FF2B5EF4-FFF2-40B4-BE49-F238E27FC236}">
+                <a16:creationId xmlns:a16="http://schemas.microsoft.com/office/drawing/2014/main" id="{09115221-14AD-4CC3-813B-B4BCD3C9D5D2}"/>
+              </a:ext>
+            </a:extLst>
+          </p:cNvPr>
+          <p:cNvGraphicFramePr>
+            <a:graphicFrameLocks/>
+          </p:cNvGraphicFramePr>
+          <p:nvPr>
+            <p:extLst>
+              <p:ext uri="{D42A27DB-BD31-4B8C-83A1-F6EECF244321}">
+                <p14:modId xmlns:p14="http://schemas.microsoft.com/office/powerpoint/2010/main" val="1728644209"/>
+              </p:ext>
+            </p:extLst>
+          </p:nvPr>
+        </p:nvGraphicFramePr>
+        <p:xfrm>
+          <a:off x="1158240" y="2055450"/>
+          <a:ext cx="9782048" cy="2055450"/>
+        </p:xfrm>
+        <a:graphic>
+          <a:graphicData uri="http://schemas.openxmlformats.org/drawingml/2006/table">
+            <a:tbl>
+              <a:tblPr firstRow="1" bandRow="1">
+                <a:tableStyleId>{5C22544A-7EE6-4342-B048-85BDC9FD1C3A}</a:tableStyleId>
+              </a:tblPr>
+              <a:tblGrid>
+                <a:gridCol w="2558288">
+                  <a:extLst>
+                    <a:ext uri="{9D8B030D-6E8A-4147-A177-3AD203B41FA5}">
+                      <a16:colId xmlns:a16="http://schemas.microsoft.com/office/drawing/2014/main" val="1449156705"/>
+                    </a:ext>
+                  </a:extLst>
+                </a:gridCol>
+                <a:gridCol w="741680">
+                  <a:extLst>
+                    <a:ext uri="{9D8B030D-6E8A-4147-A177-3AD203B41FA5}">
+                      <a16:colId xmlns:a16="http://schemas.microsoft.com/office/drawing/2014/main" val="3500186421"/>
+                    </a:ext>
+                  </a:extLst>
+                </a:gridCol>
+                <a:gridCol w="1259840">
+                  <a:extLst>
+                    <a:ext uri="{9D8B030D-6E8A-4147-A177-3AD203B41FA5}">
+                      <a16:colId xmlns:a16="http://schemas.microsoft.com/office/drawing/2014/main" val="3452294040"/>
+                    </a:ext>
+                  </a:extLst>
+                </a:gridCol>
+                <a:gridCol w="2072640">
+                  <a:extLst>
+                    <a:ext uri="{9D8B030D-6E8A-4147-A177-3AD203B41FA5}">
+                      <a16:colId xmlns:a16="http://schemas.microsoft.com/office/drawing/2014/main" val="800563202"/>
+                    </a:ext>
+                  </a:extLst>
+                </a:gridCol>
+                <a:gridCol w="3149600">
+                  <a:extLst>
+                    <a:ext uri="{9D8B030D-6E8A-4147-A177-3AD203B41FA5}">
+                      <a16:colId xmlns:a16="http://schemas.microsoft.com/office/drawing/2014/main" val="819999665"/>
+                    </a:ext>
+                  </a:extLst>
+                </a:gridCol>
+              </a:tblGrid>
+              <a:tr h="343150">
+                <a:tc>
+                  <a:txBody>
+                    <a:bodyPr/>
+                    <a:lstStyle/>
+                    <a:p>
+                      <a:pPr algn="l"/>
+                      <a:endParaRPr lang="pt-PT" sz="1400" dirty="0">
+                        <a:latin typeface="Verdana" panose="020B0604030504040204" pitchFamily="34" charset="0"/>
+                        <a:ea typeface="Verdana" panose="020B0604030504040204" pitchFamily="34" charset="0"/>
+                      </a:endParaRPr>
+                    </a:p>
+                  </a:txBody>
+                  <a:tcPr anchor="ctr"/>
+                </a:tc>
+                <a:tc>
+                  <a:txBody>
+                    <a:bodyPr/>
+                    <a:lstStyle/>
+                    <a:p>
+                      <a:pPr algn="ctr"/>
+                      <a:r>
+                        <a:rPr lang="pt-PT" sz="1400" dirty="0">
+                          <a:latin typeface="Verdana" panose="020B0604030504040204" pitchFamily="34" charset="0"/>
+                          <a:ea typeface="Verdana" panose="020B0604030504040204" pitchFamily="34" charset="0"/>
+                        </a:rPr>
+                        <a:t>Java</a:t>
+                      </a:r>
+                    </a:p>
+                  </a:txBody>
+                  <a:tcPr anchor="ctr"/>
+                </a:tc>
+                <a:tc>
+                  <a:txBody>
+                    <a:bodyPr/>
+                    <a:lstStyle/>
+                    <a:p>
+                      <a:pPr algn="ctr"/>
+                      <a:r>
+                        <a:rPr lang="pt-PT" sz="1400" dirty="0">
+                          <a:latin typeface="Verdana" panose="020B0604030504040204" pitchFamily="34" charset="0"/>
+                          <a:ea typeface="Verdana" panose="020B0604030504040204" pitchFamily="34" charset="0"/>
+                        </a:rPr>
+                        <a:t>Liderança</a:t>
+                      </a:r>
+                    </a:p>
+                  </a:txBody>
+                  <a:tcPr anchor="ctr"/>
+                </a:tc>
+                <a:tc>
+                  <a:txBody>
+                    <a:bodyPr/>
+                    <a:lstStyle/>
+                    <a:p>
+                      <a:pPr algn="ctr"/>
+                      <a:r>
+                        <a:rPr lang="pt-PT" sz="1400" dirty="0">
+                          <a:latin typeface="Verdana" panose="020B0604030504040204" pitchFamily="34" charset="0"/>
+                          <a:ea typeface="Verdana" panose="020B0604030504040204" pitchFamily="34" charset="0"/>
+                        </a:rPr>
+                        <a:t>Trabalho de Grupo</a:t>
+                      </a:r>
+                    </a:p>
+                  </a:txBody>
+                  <a:tcPr anchor="ctr"/>
+                </a:tc>
+                <a:tc>
+                  <a:txBody>
+                    <a:bodyPr/>
+                    <a:lstStyle/>
+                    <a:p>
+                      <a:pPr algn="ctr"/>
+                      <a:r>
+                        <a:rPr lang="pt-PT" sz="1400" dirty="0">
+                          <a:latin typeface="Verdana" panose="020B0604030504040204" pitchFamily="34" charset="0"/>
+                          <a:ea typeface="Verdana" panose="020B0604030504040204" pitchFamily="34" charset="0"/>
+                        </a:rPr>
+                        <a:t>Gestão de Conflitos e Tempo</a:t>
+                      </a:r>
+                    </a:p>
+                  </a:txBody>
+                  <a:tcPr anchor="ctr"/>
+                </a:tc>
+                <a:extLst>
+                  <a:ext uri="{0D108BD9-81ED-4DB2-BD59-A6C34878D82A}">
+                    <a16:rowId xmlns:a16="http://schemas.microsoft.com/office/drawing/2014/main" val="3404695816"/>
+                  </a:ext>
+                </a:extLst>
+              </a:tr>
+              <a:tr h="343150">
+                <a:tc>
+                  <a:txBody>
+                    <a:bodyPr/>
+                    <a:lstStyle/>
+                    <a:p>
+                      <a:pPr algn="l"/>
+                      <a:r>
+                        <a:rPr lang="pt-PT" sz="1400" dirty="0">
+                          <a:latin typeface="Verdana" panose="020B0604030504040204" pitchFamily="34" charset="0"/>
+                          <a:ea typeface="Verdana" panose="020B0604030504040204" pitchFamily="34" charset="0"/>
+                        </a:rPr>
+                        <a:t>1190429 - Beatriz Vaz</a:t>
+                      </a:r>
+                    </a:p>
+                  </a:txBody>
+                  <a:tcPr anchor="ctr"/>
+                </a:tc>
+                <a:tc>
+                  <a:txBody>
+                    <a:bodyPr/>
+                    <a:lstStyle/>
+                    <a:p>
+                      <a:pPr algn="ctr"/>
+                      <a:endParaRPr lang="pt-PT" sz="1400" dirty="0">
+                        <a:latin typeface="Verdana" panose="020B0604030504040204" pitchFamily="34" charset="0"/>
+                        <a:ea typeface="Verdana" panose="020B0604030504040204" pitchFamily="34" charset="0"/>
+                      </a:endParaRPr>
+                    </a:p>
+                  </a:txBody>
+                  <a:tcPr anchor="ctr"/>
+                </a:tc>
+                <a:tc>
+                  <a:txBody>
+                    <a:bodyPr/>
+                    <a:lstStyle/>
+                    <a:p>
+                      <a:pPr algn="ctr"/>
+                      <a:endParaRPr lang="pt-PT" sz="1400" dirty="0">
+                        <a:latin typeface="Verdana" panose="020B0604030504040204" pitchFamily="34" charset="0"/>
+                        <a:ea typeface="Verdana" panose="020B0604030504040204" pitchFamily="34" charset="0"/>
+                      </a:endParaRPr>
+                    </a:p>
+                  </a:txBody>
+                  <a:tcPr anchor="ctr"/>
+                </a:tc>
+                <a:tc>
+                  <a:txBody>
+                    <a:bodyPr/>
+                    <a:lstStyle/>
+                    <a:p>
+                      <a:pPr algn="ctr"/>
+                      <a:endParaRPr lang="pt-PT" sz="1400" dirty="0">
+                        <a:latin typeface="Verdana" panose="020B0604030504040204" pitchFamily="34" charset="0"/>
+                        <a:ea typeface="Verdana" panose="020B0604030504040204" pitchFamily="34" charset="0"/>
+                      </a:endParaRPr>
+                    </a:p>
+                  </a:txBody>
+                  <a:tcPr anchor="ctr"/>
+                </a:tc>
+                <a:tc>
+                  <a:txBody>
+                    <a:bodyPr/>
+                    <a:lstStyle/>
+                    <a:p>
+                      <a:pPr algn="ctr"/>
+                      <a:endParaRPr lang="pt-PT" sz="1400" dirty="0">
+                        <a:latin typeface="Verdana" panose="020B0604030504040204" pitchFamily="34" charset="0"/>
+                        <a:ea typeface="Verdana" panose="020B0604030504040204" pitchFamily="34" charset="0"/>
+                      </a:endParaRPr>
+                    </a:p>
+                  </a:txBody>
+                  <a:tcPr anchor="ctr"/>
+                </a:tc>
+                <a:extLst>
+                  <a:ext uri="{0D108BD9-81ED-4DB2-BD59-A6C34878D82A}">
+                    <a16:rowId xmlns:a16="http://schemas.microsoft.com/office/drawing/2014/main" val="4189663187"/>
+                  </a:ext>
+                </a:extLst>
+              </a:tr>
+              <a:tr h="342000">
+                <a:tc>
+                  <a:txBody>
+                    <a:bodyPr/>
+                    <a:lstStyle/>
+                    <a:p>
+                      <a:pPr marL="0" indent="0" algn="l">
+                        <a:buFont typeface="Arial" panose="020B0604020202020204" pitchFamily="34" charset="0"/>
+                        <a:buNone/>
+                      </a:pPr>
+                      <a:r>
+                        <a:rPr lang="en-US" sz="1400" dirty="0">
+                          <a:latin typeface="Verdana" panose="020B0604030504040204" pitchFamily="34" charset="0"/>
+                          <a:ea typeface="Verdana" panose="020B0604030504040204" pitchFamily="34" charset="0"/>
+                        </a:rPr>
+                        <a:t>1190769 - José Oliveira</a:t>
+                      </a:r>
+                    </a:p>
+                  </a:txBody>
+                  <a:tcPr anchor="ctr"/>
+                </a:tc>
+                <a:tc>
+                  <a:txBody>
+                    <a:bodyPr/>
+                    <a:lstStyle/>
+                    <a:p>
+                      <a:pPr algn="ctr"/>
+                      <a:endParaRPr lang="pt-PT" sz="1400" dirty="0">
+                        <a:latin typeface="Verdana" panose="020B0604030504040204" pitchFamily="34" charset="0"/>
+                        <a:ea typeface="Verdana" panose="020B0604030504040204" pitchFamily="34" charset="0"/>
+                      </a:endParaRPr>
+                    </a:p>
+                  </a:txBody>
+                  <a:tcPr anchor="ctr"/>
+                </a:tc>
+                <a:tc>
+                  <a:txBody>
+                    <a:bodyPr/>
+                    <a:lstStyle/>
+                    <a:p>
+                      <a:pPr algn="ctr"/>
+                      <a:endParaRPr lang="pt-PT" sz="1400">
+                        <a:latin typeface="Verdana" panose="020B0604030504040204" pitchFamily="34" charset="0"/>
+                        <a:ea typeface="Verdana" panose="020B0604030504040204" pitchFamily="34" charset="0"/>
+                      </a:endParaRPr>
+                    </a:p>
+                  </a:txBody>
+                  <a:tcPr anchor="ctr"/>
+                </a:tc>
+                <a:tc>
+                  <a:txBody>
+                    <a:bodyPr/>
+                    <a:lstStyle/>
+                    <a:p>
+                      <a:pPr algn="ctr"/>
+                      <a:endParaRPr lang="pt-PT" sz="1400" dirty="0">
+                        <a:latin typeface="Verdana" panose="020B0604030504040204" pitchFamily="34" charset="0"/>
+                        <a:ea typeface="Verdana" panose="020B0604030504040204" pitchFamily="34" charset="0"/>
+                      </a:endParaRPr>
+                    </a:p>
+                  </a:txBody>
+                  <a:tcPr anchor="ctr"/>
+                </a:tc>
+                <a:tc>
+                  <a:txBody>
+                    <a:bodyPr/>
+                    <a:lstStyle/>
+                    <a:p>
+                      <a:pPr algn="ctr"/>
+                      <a:endParaRPr lang="pt-PT" sz="1400" dirty="0">
+                        <a:latin typeface="Verdana" panose="020B0604030504040204" pitchFamily="34" charset="0"/>
+                        <a:ea typeface="Verdana" panose="020B0604030504040204" pitchFamily="34" charset="0"/>
+                      </a:endParaRPr>
+                    </a:p>
+                  </a:txBody>
+                  <a:tcPr anchor="ctr"/>
+                </a:tc>
+                <a:extLst>
+                  <a:ext uri="{0D108BD9-81ED-4DB2-BD59-A6C34878D82A}">
+                    <a16:rowId xmlns:a16="http://schemas.microsoft.com/office/drawing/2014/main" val="2629651851"/>
+                  </a:ext>
+                </a:extLst>
+              </a:tr>
+              <a:tr h="342000">
+                <a:tc>
+                  <a:txBody>
+                    <a:bodyPr/>
+                    <a:lstStyle/>
+                    <a:p>
+                      <a:pPr marL="0" indent="0" algn="l">
+                        <a:buFont typeface="Arial" panose="020B0604020202020204" pitchFamily="34" charset="0"/>
+                        <a:buNone/>
+                      </a:pPr>
+                      <a:r>
+                        <a:rPr lang="en-US" sz="1400" dirty="0">
+                          <a:latin typeface="Verdana" panose="020B0604030504040204" pitchFamily="34" charset="0"/>
+                          <a:ea typeface="Verdana" panose="020B0604030504040204" pitchFamily="34" charset="0"/>
+                        </a:rPr>
+                        <a:t>1190974 - Pedro Lemos</a:t>
+                      </a:r>
+                    </a:p>
+                  </a:txBody>
+                  <a:tcPr anchor="ctr"/>
+                </a:tc>
+                <a:tc>
+                  <a:txBody>
+                    <a:bodyPr/>
+                    <a:lstStyle/>
+                    <a:p>
+                      <a:pPr algn="ctr"/>
+                      <a:endParaRPr lang="pt-PT" sz="1400" dirty="0">
+                        <a:latin typeface="Verdana" panose="020B0604030504040204" pitchFamily="34" charset="0"/>
+                        <a:ea typeface="Verdana" panose="020B0604030504040204" pitchFamily="34" charset="0"/>
+                      </a:endParaRPr>
+                    </a:p>
+                  </a:txBody>
+                  <a:tcPr anchor="ctr"/>
+                </a:tc>
+                <a:tc>
+                  <a:txBody>
+                    <a:bodyPr/>
+                    <a:lstStyle/>
+                    <a:p>
+                      <a:pPr algn="ctr"/>
+                      <a:endParaRPr lang="pt-PT" sz="1400">
+                        <a:latin typeface="Verdana" panose="020B0604030504040204" pitchFamily="34" charset="0"/>
+                        <a:ea typeface="Verdana" panose="020B0604030504040204" pitchFamily="34" charset="0"/>
+                      </a:endParaRPr>
+                    </a:p>
+                  </a:txBody>
+                  <a:tcPr anchor="ctr"/>
+                </a:tc>
+                <a:tc>
+                  <a:txBody>
+                    <a:bodyPr/>
+                    <a:lstStyle/>
+                    <a:p>
+                      <a:pPr algn="ctr"/>
+                      <a:endParaRPr lang="pt-PT" sz="1400">
+                        <a:latin typeface="Verdana" panose="020B0604030504040204" pitchFamily="34" charset="0"/>
+                        <a:ea typeface="Verdana" panose="020B0604030504040204" pitchFamily="34" charset="0"/>
+                      </a:endParaRPr>
+                    </a:p>
+                  </a:txBody>
+                  <a:tcPr anchor="ctr"/>
+                </a:tc>
+                <a:tc>
+                  <a:txBody>
+                    <a:bodyPr/>
+                    <a:lstStyle/>
+                    <a:p>
+                      <a:pPr algn="ctr"/>
+                      <a:endParaRPr lang="pt-PT" sz="1400" dirty="0">
+                        <a:latin typeface="Verdana" panose="020B0604030504040204" pitchFamily="34" charset="0"/>
+                        <a:ea typeface="Verdana" panose="020B0604030504040204" pitchFamily="34" charset="0"/>
+                      </a:endParaRPr>
+                    </a:p>
+                  </a:txBody>
+                  <a:tcPr anchor="ctr"/>
+                </a:tc>
+                <a:extLst>
+                  <a:ext uri="{0D108BD9-81ED-4DB2-BD59-A6C34878D82A}">
+                    <a16:rowId xmlns:a16="http://schemas.microsoft.com/office/drawing/2014/main" val="2940923386"/>
+                  </a:ext>
+                </a:extLst>
+              </a:tr>
+              <a:tr h="342000">
+                <a:tc>
+                  <a:txBody>
+                    <a:bodyPr/>
+                    <a:lstStyle/>
+                    <a:p>
+                      <a:pPr marL="0" indent="0" algn="l">
+                        <a:buFont typeface="Arial" panose="020B0604020202020204" pitchFamily="34" charset="0"/>
+                        <a:buNone/>
+                      </a:pPr>
+                      <a:r>
+                        <a:rPr lang="en-US" sz="1400" dirty="0">
+                          <a:latin typeface="Verdana" panose="020B0604030504040204" pitchFamily="34" charset="0"/>
+                          <a:ea typeface="Verdana" panose="020B0604030504040204" pitchFamily="34" charset="0"/>
+                        </a:rPr>
+                        <a:t>1190800 - Leandro Sousa</a:t>
+                      </a:r>
+                    </a:p>
+                  </a:txBody>
+                  <a:tcPr anchor="ctr"/>
+                </a:tc>
+                <a:tc>
+                  <a:txBody>
+                    <a:bodyPr/>
+                    <a:lstStyle/>
+                    <a:p>
+                      <a:pPr algn="ctr"/>
+                      <a:endParaRPr lang="pt-PT" sz="1400" dirty="0">
+                        <a:latin typeface="Verdana" panose="020B0604030504040204" pitchFamily="34" charset="0"/>
+                        <a:ea typeface="Verdana" panose="020B0604030504040204" pitchFamily="34" charset="0"/>
+                      </a:endParaRPr>
+                    </a:p>
+                  </a:txBody>
+                  <a:tcPr anchor="ctr"/>
+                </a:tc>
+                <a:tc>
+                  <a:txBody>
+                    <a:bodyPr/>
+                    <a:lstStyle/>
+                    <a:p>
+                      <a:pPr algn="ctr"/>
+                      <a:endParaRPr lang="pt-PT" sz="1400" dirty="0">
+                        <a:latin typeface="Verdana" panose="020B0604030504040204" pitchFamily="34" charset="0"/>
+                        <a:ea typeface="Verdana" panose="020B0604030504040204" pitchFamily="34" charset="0"/>
+                      </a:endParaRPr>
+                    </a:p>
+                  </a:txBody>
+                  <a:tcPr anchor="ctr"/>
+                </a:tc>
+                <a:tc>
+                  <a:txBody>
+                    <a:bodyPr/>
+                    <a:lstStyle/>
+                    <a:p>
+                      <a:pPr algn="ctr"/>
+                      <a:endParaRPr lang="pt-PT" sz="1400" dirty="0">
+                        <a:latin typeface="Verdana" panose="020B0604030504040204" pitchFamily="34" charset="0"/>
+                        <a:ea typeface="Verdana" panose="020B0604030504040204" pitchFamily="34" charset="0"/>
+                      </a:endParaRPr>
+                    </a:p>
+                  </a:txBody>
+                  <a:tcPr anchor="ctr"/>
+                </a:tc>
+                <a:tc>
+                  <a:txBody>
+                    <a:bodyPr/>
+                    <a:lstStyle/>
+                    <a:p>
+                      <a:pPr algn="ctr"/>
+                      <a:endParaRPr lang="pt-PT" sz="1400" dirty="0">
+                        <a:latin typeface="Verdana" panose="020B0604030504040204" pitchFamily="34" charset="0"/>
+                        <a:ea typeface="Verdana" panose="020B0604030504040204" pitchFamily="34" charset="0"/>
+                      </a:endParaRPr>
+                    </a:p>
+                  </a:txBody>
+                  <a:tcPr anchor="ctr"/>
+                </a:tc>
+                <a:extLst>
+                  <a:ext uri="{0D108BD9-81ED-4DB2-BD59-A6C34878D82A}">
+                    <a16:rowId xmlns:a16="http://schemas.microsoft.com/office/drawing/2014/main" val="4135024"/>
+                  </a:ext>
+                </a:extLst>
+              </a:tr>
+              <a:tr h="343150">
+                <a:tc>
+                  <a:txBody>
+                    <a:bodyPr/>
+                    <a:lstStyle/>
+                    <a:p>
+                      <a:pPr marL="0" marR="0" lvl="0" indent="0" algn="l" defTabSz="914400" rtl="0" eaLnBrk="1" fontAlgn="auto" latinLnBrk="0" hangingPunct="1">
+                        <a:lnSpc>
+                          <a:spcPct val="100000"/>
+                        </a:lnSpc>
+                        <a:spcBef>
+                          <a:spcPts val="0"/>
+                        </a:spcBef>
+                        <a:spcAft>
+                          <a:spcPts val="0"/>
+                        </a:spcAft>
+                        <a:buClrTx/>
+                        <a:buSzTx/>
+                        <a:buFont typeface="Arial" panose="020B0604020202020204" pitchFamily="34" charset="0"/>
+                        <a:buNone/>
+                        <a:tabLst/>
+                        <a:defRPr/>
+                      </a:pPr>
+                      <a:r>
+                        <a:rPr lang="en-US" sz="1400" dirty="0">
+                          <a:latin typeface="Verdana" panose="020B0604030504040204" pitchFamily="34" charset="0"/>
+                          <a:ea typeface="Verdana" panose="020B0604030504040204" pitchFamily="34" charset="0"/>
+                        </a:rPr>
+                        <a:t>1191098 - Tiago Pinto</a:t>
+                      </a:r>
+                      <a:endParaRPr lang="pt-PT" sz="1400" dirty="0">
+                        <a:latin typeface="Verdana" panose="020B0604030504040204" pitchFamily="34" charset="0"/>
+                        <a:ea typeface="Verdana" panose="020B0604030504040204" pitchFamily="34" charset="0"/>
+                      </a:endParaRPr>
+                    </a:p>
+                  </a:txBody>
+                  <a:tcPr anchor="ctr"/>
+                </a:tc>
+                <a:tc>
+                  <a:txBody>
+                    <a:bodyPr/>
+                    <a:lstStyle/>
+                    <a:p>
+                      <a:pPr algn="ctr"/>
+                      <a:endParaRPr lang="pt-PT" sz="1400" dirty="0">
+                        <a:latin typeface="Verdana" panose="020B0604030504040204" pitchFamily="34" charset="0"/>
+                        <a:ea typeface="Verdana" panose="020B0604030504040204" pitchFamily="34" charset="0"/>
+                      </a:endParaRPr>
+                    </a:p>
+                  </a:txBody>
+                  <a:tcPr anchor="ctr"/>
+                </a:tc>
+                <a:tc>
+                  <a:txBody>
+                    <a:bodyPr/>
+                    <a:lstStyle/>
+                    <a:p>
+                      <a:pPr algn="ctr"/>
+                      <a:endParaRPr lang="pt-PT" sz="1400" dirty="0">
+                        <a:latin typeface="Verdana" panose="020B0604030504040204" pitchFamily="34" charset="0"/>
+                        <a:ea typeface="Verdana" panose="020B0604030504040204" pitchFamily="34" charset="0"/>
+                      </a:endParaRPr>
+                    </a:p>
+                  </a:txBody>
+                  <a:tcPr anchor="ctr"/>
+                </a:tc>
+                <a:tc>
+                  <a:txBody>
+                    <a:bodyPr/>
+                    <a:lstStyle/>
+                    <a:p>
+                      <a:pPr algn="ctr"/>
+                      <a:endParaRPr lang="pt-PT" sz="1400" dirty="0">
+                        <a:latin typeface="Verdana" panose="020B0604030504040204" pitchFamily="34" charset="0"/>
+                        <a:ea typeface="Verdana" panose="020B0604030504040204" pitchFamily="34" charset="0"/>
+                      </a:endParaRPr>
+                    </a:p>
+                  </a:txBody>
+                  <a:tcPr anchor="ctr"/>
+                </a:tc>
+                <a:tc>
+                  <a:txBody>
+                    <a:bodyPr/>
+                    <a:lstStyle/>
+                    <a:p>
+                      <a:pPr algn="ctr"/>
+                      <a:endParaRPr lang="pt-PT" sz="1400" dirty="0">
+                        <a:latin typeface="Verdana" panose="020B0604030504040204" pitchFamily="34" charset="0"/>
+                        <a:ea typeface="Verdana" panose="020B0604030504040204" pitchFamily="34" charset="0"/>
+                      </a:endParaRPr>
+                    </a:p>
+                  </a:txBody>
+                  <a:tcPr anchor="ctr"/>
+                </a:tc>
+                <a:extLst>
+                  <a:ext uri="{0D108BD9-81ED-4DB2-BD59-A6C34878D82A}">
+                    <a16:rowId xmlns:a16="http://schemas.microsoft.com/office/drawing/2014/main" val="2036538492"/>
+                  </a:ext>
+                </a:extLst>
+              </a:tr>
+            </a:tbl>
+          </a:graphicData>
+        </a:graphic>
+      </p:graphicFrame>
+      <p:graphicFrame>
+        <p:nvGraphicFramePr>
+          <p:cNvPr id="6" name="Tabela 4">
+            <a:extLst>
+              <a:ext uri="{FF2B5EF4-FFF2-40B4-BE49-F238E27FC236}">
+                <a16:creationId xmlns:a16="http://schemas.microsoft.com/office/drawing/2014/main" id="{B3AEF48C-5198-4672-A8DA-9BD2ED91EE43}"/>
+              </a:ext>
+            </a:extLst>
+          </p:cNvPr>
+          <p:cNvGraphicFramePr>
+            <a:graphicFrameLocks/>
+          </p:cNvGraphicFramePr>
+          <p:nvPr>
+            <p:extLst>
+              <p:ext uri="{D42A27DB-BD31-4B8C-83A1-F6EECF244321}">
+                <p14:modId xmlns:p14="http://schemas.microsoft.com/office/powerpoint/2010/main" val="2938090939"/>
+              </p:ext>
+            </p:extLst>
+          </p:nvPr>
+        </p:nvGraphicFramePr>
+        <p:xfrm>
+          <a:off x="1158240" y="4657973"/>
+          <a:ext cx="9782048" cy="2055450"/>
+        </p:xfrm>
+        <a:graphic>
+          <a:graphicData uri="http://schemas.openxmlformats.org/drawingml/2006/table">
+            <a:tbl>
+              <a:tblPr firstRow="1" bandRow="1">
+                <a:tableStyleId>{5C22544A-7EE6-4342-B048-85BDC9FD1C3A}</a:tableStyleId>
+              </a:tblPr>
+              <a:tblGrid>
+                <a:gridCol w="2558288">
+                  <a:extLst>
+                    <a:ext uri="{9D8B030D-6E8A-4147-A177-3AD203B41FA5}">
+                      <a16:colId xmlns:a16="http://schemas.microsoft.com/office/drawing/2014/main" val="1449156705"/>
+                    </a:ext>
+                  </a:extLst>
+                </a:gridCol>
+                <a:gridCol w="741680">
+                  <a:extLst>
+                    <a:ext uri="{9D8B030D-6E8A-4147-A177-3AD203B41FA5}">
+                      <a16:colId xmlns:a16="http://schemas.microsoft.com/office/drawing/2014/main" val="3500186421"/>
+                    </a:ext>
+                  </a:extLst>
+                </a:gridCol>
+                <a:gridCol w="1259840">
+                  <a:extLst>
+                    <a:ext uri="{9D8B030D-6E8A-4147-A177-3AD203B41FA5}">
+                      <a16:colId xmlns:a16="http://schemas.microsoft.com/office/drawing/2014/main" val="3452294040"/>
+                    </a:ext>
+                  </a:extLst>
+                </a:gridCol>
+                <a:gridCol w="2072640">
+                  <a:extLst>
+                    <a:ext uri="{9D8B030D-6E8A-4147-A177-3AD203B41FA5}">
+                      <a16:colId xmlns:a16="http://schemas.microsoft.com/office/drawing/2014/main" val="800563202"/>
+                    </a:ext>
+                  </a:extLst>
+                </a:gridCol>
+                <a:gridCol w="3149600">
+                  <a:extLst>
+                    <a:ext uri="{9D8B030D-6E8A-4147-A177-3AD203B41FA5}">
+                      <a16:colId xmlns:a16="http://schemas.microsoft.com/office/drawing/2014/main" val="819999665"/>
+                    </a:ext>
+                  </a:extLst>
+                </a:gridCol>
+              </a:tblGrid>
+              <a:tr h="343150">
+                <a:tc>
+                  <a:txBody>
+                    <a:bodyPr/>
+                    <a:lstStyle/>
+                    <a:p>
+                      <a:pPr algn="l"/>
+                      <a:endParaRPr lang="pt-PT" sz="1400" dirty="0">
+                        <a:latin typeface="Verdana" panose="020B0604030504040204" pitchFamily="34" charset="0"/>
+                        <a:ea typeface="Verdana" panose="020B0604030504040204" pitchFamily="34" charset="0"/>
+                      </a:endParaRPr>
+                    </a:p>
+                  </a:txBody>
+                  <a:tcPr anchor="ctr"/>
+                </a:tc>
+                <a:tc>
+                  <a:txBody>
+                    <a:bodyPr/>
+                    <a:lstStyle/>
+                    <a:p>
+                      <a:pPr algn="ctr"/>
+                      <a:r>
+                        <a:rPr lang="pt-PT" sz="1400" dirty="0">
+                          <a:latin typeface="Verdana" panose="020B0604030504040204" pitchFamily="34" charset="0"/>
+                          <a:ea typeface="Verdana" panose="020B0604030504040204" pitchFamily="34" charset="0"/>
+                        </a:rPr>
+                        <a:t>Java</a:t>
+                      </a:r>
+                    </a:p>
+                  </a:txBody>
+                  <a:tcPr anchor="ctr"/>
+                </a:tc>
+                <a:tc>
+                  <a:txBody>
+                    <a:bodyPr/>
+                    <a:lstStyle/>
+                    <a:p>
+                      <a:pPr algn="ctr"/>
+                      <a:r>
+                        <a:rPr lang="pt-PT" sz="1400" dirty="0">
+                          <a:latin typeface="Verdana" panose="020B0604030504040204" pitchFamily="34" charset="0"/>
+                          <a:ea typeface="Verdana" panose="020B0604030504040204" pitchFamily="34" charset="0"/>
+                        </a:rPr>
+                        <a:t>Liderança</a:t>
+                      </a:r>
+                    </a:p>
+                  </a:txBody>
+                  <a:tcPr anchor="ctr"/>
+                </a:tc>
+                <a:tc>
+                  <a:txBody>
+                    <a:bodyPr/>
+                    <a:lstStyle/>
+                    <a:p>
+                      <a:pPr algn="ctr"/>
+                      <a:r>
+                        <a:rPr lang="pt-PT" sz="1400" dirty="0">
+                          <a:latin typeface="Verdana" panose="020B0604030504040204" pitchFamily="34" charset="0"/>
+                          <a:ea typeface="Verdana" panose="020B0604030504040204" pitchFamily="34" charset="0"/>
+                        </a:rPr>
+                        <a:t>Trabalho de Grupo</a:t>
+                      </a:r>
+                    </a:p>
+                  </a:txBody>
+                  <a:tcPr anchor="ctr"/>
+                </a:tc>
+                <a:tc>
+                  <a:txBody>
+                    <a:bodyPr/>
+                    <a:lstStyle/>
+                    <a:p>
+                      <a:pPr algn="ctr"/>
+                      <a:r>
+                        <a:rPr lang="pt-PT" sz="1400" dirty="0">
+                          <a:latin typeface="Verdana" panose="020B0604030504040204" pitchFamily="34" charset="0"/>
+                          <a:ea typeface="Verdana" panose="020B0604030504040204" pitchFamily="34" charset="0"/>
+                        </a:rPr>
+                        <a:t>Gestão de Conflitos e Tempo</a:t>
+                      </a:r>
+                    </a:p>
+                  </a:txBody>
+                  <a:tcPr anchor="ctr"/>
+                </a:tc>
+                <a:extLst>
+                  <a:ext uri="{0D108BD9-81ED-4DB2-BD59-A6C34878D82A}">
+                    <a16:rowId xmlns:a16="http://schemas.microsoft.com/office/drawing/2014/main" val="3404695816"/>
+                  </a:ext>
+                </a:extLst>
+              </a:tr>
+              <a:tr h="343150">
+                <a:tc>
+                  <a:txBody>
+                    <a:bodyPr/>
+                    <a:lstStyle/>
+                    <a:p>
+                      <a:pPr algn="l"/>
+                      <a:r>
+                        <a:rPr lang="pt-PT" sz="1400" dirty="0">
+                          <a:latin typeface="Verdana" panose="020B0604030504040204" pitchFamily="34" charset="0"/>
+                          <a:ea typeface="Verdana" panose="020B0604030504040204" pitchFamily="34" charset="0"/>
+                        </a:rPr>
+                        <a:t>1190429 - Beatriz Vaz</a:t>
+                      </a:r>
+                    </a:p>
+                  </a:txBody>
+                  <a:tcPr anchor="ctr"/>
+                </a:tc>
+                <a:tc>
+                  <a:txBody>
+                    <a:bodyPr/>
+                    <a:lstStyle/>
+                    <a:p>
+                      <a:pPr algn="ctr"/>
+                      <a:endParaRPr lang="pt-PT" sz="1400" dirty="0">
+                        <a:latin typeface="Verdana" panose="020B0604030504040204" pitchFamily="34" charset="0"/>
+                        <a:ea typeface="Verdana" panose="020B0604030504040204" pitchFamily="34" charset="0"/>
+                      </a:endParaRPr>
+                    </a:p>
+                  </a:txBody>
+                  <a:tcPr anchor="ctr"/>
+                </a:tc>
+                <a:tc>
+                  <a:txBody>
+                    <a:bodyPr/>
+                    <a:lstStyle/>
+                    <a:p>
+                      <a:pPr algn="ctr"/>
+                      <a:endParaRPr lang="pt-PT" sz="1400" dirty="0">
+                        <a:latin typeface="Verdana" panose="020B0604030504040204" pitchFamily="34" charset="0"/>
+                        <a:ea typeface="Verdana" panose="020B0604030504040204" pitchFamily="34" charset="0"/>
+                      </a:endParaRPr>
+                    </a:p>
+                  </a:txBody>
+                  <a:tcPr anchor="ctr"/>
+                </a:tc>
+                <a:tc>
+                  <a:txBody>
+                    <a:bodyPr/>
+                    <a:lstStyle/>
+                    <a:p>
+                      <a:pPr algn="ctr"/>
+                      <a:endParaRPr lang="pt-PT" sz="1400" dirty="0">
+                        <a:latin typeface="Verdana" panose="020B0604030504040204" pitchFamily="34" charset="0"/>
+                        <a:ea typeface="Verdana" panose="020B0604030504040204" pitchFamily="34" charset="0"/>
+                      </a:endParaRPr>
+                    </a:p>
+                  </a:txBody>
+                  <a:tcPr anchor="ctr"/>
+                </a:tc>
+                <a:tc>
+                  <a:txBody>
+                    <a:bodyPr/>
+                    <a:lstStyle/>
+                    <a:p>
+                      <a:pPr algn="ctr"/>
+                      <a:endParaRPr lang="pt-PT" sz="1400" dirty="0">
+                        <a:latin typeface="Verdana" panose="020B0604030504040204" pitchFamily="34" charset="0"/>
+                        <a:ea typeface="Verdana" panose="020B0604030504040204" pitchFamily="34" charset="0"/>
+                      </a:endParaRPr>
+                    </a:p>
+                  </a:txBody>
+                  <a:tcPr anchor="ctr"/>
+                </a:tc>
+                <a:extLst>
+                  <a:ext uri="{0D108BD9-81ED-4DB2-BD59-A6C34878D82A}">
+                    <a16:rowId xmlns:a16="http://schemas.microsoft.com/office/drawing/2014/main" val="4189663187"/>
+                  </a:ext>
+                </a:extLst>
+              </a:tr>
+              <a:tr h="342000">
+                <a:tc>
+                  <a:txBody>
+                    <a:bodyPr/>
+                    <a:lstStyle/>
+                    <a:p>
+                      <a:pPr marL="0" indent="0" algn="l">
+                        <a:buFont typeface="Arial" panose="020B0604020202020204" pitchFamily="34" charset="0"/>
+                        <a:buNone/>
+                      </a:pPr>
+                      <a:r>
+                        <a:rPr lang="en-US" sz="1400" dirty="0">
+                          <a:latin typeface="Verdana" panose="020B0604030504040204" pitchFamily="34" charset="0"/>
+                          <a:ea typeface="Verdana" panose="020B0604030504040204" pitchFamily="34" charset="0"/>
+                        </a:rPr>
+                        <a:t>1190769 - José Oliveira</a:t>
+                      </a:r>
+                    </a:p>
+                  </a:txBody>
+                  <a:tcPr anchor="ctr"/>
+                </a:tc>
+                <a:tc>
+                  <a:txBody>
+                    <a:bodyPr/>
+                    <a:lstStyle/>
+                    <a:p>
+                      <a:pPr algn="ctr"/>
+                      <a:endParaRPr lang="pt-PT" sz="1400" dirty="0">
+                        <a:latin typeface="Verdana" panose="020B0604030504040204" pitchFamily="34" charset="0"/>
+                        <a:ea typeface="Verdana" panose="020B0604030504040204" pitchFamily="34" charset="0"/>
+                      </a:endParaRPr>
+                    </a:p>
+                  </a:txBody>
+                  <a:tcPr anchor="ctr"/>
+                </a:tc>
+                <a:tc>
+                  <a:txBody>
+                    <a:bodyPr/>
+                    <a:lstStyle/>
+                    <a:p>
+                      <a:pPr algn="ctr"/>
+                      <a:endParaRPr lang="pt-PT" sz="1400">
+                        <a:latin typeface="Verdana" panose="020B0604030504040204" pitchFamily="34" charset="0"/>
+                        <a:ea typeface="Verdana" panose="020B0604030504040204" pitchFamily="34" charset="0"/>
+                      </a:endParaRPr>
+                    </a:p>
+                  </a:txBody>
+                  <a:tcPr anchor="ctr"/>
+                </a:tc>
+                <a:tc>
+                  <a:txBody>
+                    <a:bodyPr/>
+                    <a:lstStyle/>
+                    <a:p>
+                      <a:pPr algn="ctr"/>
+                      <a:endParaRPr lang="pt-PT" sz="1400" dirty="0">
+                        <a:latin typeface="Verdana" panose="020B0604030504040204" pitchFamily="34" charset="0"/>
+                        <a:ea typeface="Verdana" panose="020B0604030504040204" pitchFamily="34" charset="0"/>
+                      </a:endParaRPr>
+                    </a:p>
+                  </a:txBody>
+                  <a:tcPr anchor="ctr"/>
+                </a:tc>
+                <a:tc>
+                  <a:txBody>
+                    <a:bodyPr/>
+                    <a:lstStyle/>
+                    <a:p>
+                      <a:pPr algn="ctr"/>
+                      <a:endParaRPr lang="pt-PT" sz="1400" dirty="0">
+                        <a:latin typeface="Verdana" panose="020B0604030504040204" pitchFamily="34" charset="0"/>
+                        <a:ea typeface="Verdana" panose="020B0604030504040204" pitchFamily="34" charset="0"/>
+                      </a:endParaRPr>
+                    </a:p>
+                  </a:txBody>
+                  <a:tcPr anchor="ctr"/>
+                </a:tc>
+                <a:extLst>
+                  <a:ext uri="{0D108BD9-81ED-4DB2-BD59-A6C34878D82A}">
+                    <a16:rowId xmlns:a16="http://schemas.microsoft.com/office/drawing/2014/main" val="2629651851"/>
+                  </a:ext>
+                </a:extLst>
+              </a:tr>
+              <a:tr h="342000">
+                <a:tc>
+                  <a:txBody>
+                    <a:bodyPr/>
+                    <a:lstStyle/>
+                    <a:p>
+                      <a:pPr marL="0" indent="0" algn="l">
+                        <a:buFont typeface="Arial" panose="020B0604020202020204" pitchFamily="34" charset="0"/>
+                        <a:buNone/>
+                      </a:pPr>
+                      <a:r>
+                        <a:rPr lang="en-US" sz="1400" dirty="0">
+                          <a:latin typeface="Verdana" panose="020B0604030504040204" pitchFamily="34" charset="0"/>
+                          <a:ea typeface="Verdana" panose="020B0604030504040204" pitchFamily="34" charset="0"/>
+                        </a:rPr>
+                        <a:t>1190974 - Pedro Lemos</a:t>
+                      </a:r>
+                    </a:p>
+                  </a:txBody>
+                  <a:tcPr anchor="ctr"/>
+                </a:tc>
+                <a:tc>
+                  <a:txBody>
+                    <a:bodyPr/>
+                    <a:lstStyle/>
+                    <a:p>
+                      <a:pPr algn="ctr"/>
+                      <a:endParaRPr lang="pt-PT" sz="1400" dirty="0">
+                        <a:latin typeface="Verdana" panose="020B0604030504040204" pitchFamily="34" charset="0"/>
+                        <a:ea typeface="Verdana" panose="020B0604030504040204" pitchFamily="34" charset="0"/>
+                      </a:endParaRPr>
+                    </a:p>
+                  </a:txBody>
+                  <a:tcPr anchor="ctr"/>
+                </a:tc>
+                <a:tc>
+                  <a:txBody>
+                    <a:bodyPr/>
+                    <a:lstStyle/>
+                    <a:p>
+                      <a:pPr algn="ctr"/>
+                      <a:endParaRPr lang="pt-PT" sz="1400">
+                        <a:latin typeface="Verdana" panose="020B0604030504040204" pitchFamily="34" charset="0"/>
+                        <a:ea typeface="Verdana" panose="020B0604030504040204" pitchFamily="34" charset="0"/>
+                      </a:endParaRPr>
+                    </a:p>
+                  </a:txBody>
+                  <a:tcPr anchor="ctr"/>
+                </a:tc>
+                <a:tc>
+                  <a:txBody>
+                    <a:bodyPr/>
+                    <a:lstStyle/>
+                    <a:p>
+                      <a:pPr algn="ctr"/>
+                      <a:endParaRPr lang="pt-PT" sz="1400">
+                        <a:latin typeface="Verdana" panose="020B0604030504040204" pitchFamily="34" charset="0"/>
+                        <a:ea typeface="Verdana" panose="020B0604030504040204" pitchFamily="34" charset="0"/>
+                      </a:endParaRPr>
+                    </a:p>
+                  </a:txBody>
+                  <a:tcPr anchor="ctr"/>
+                </a:tc>
+                <a:tc>
+                  <a:txBody>
+                    <a:bodyPr/>
+                    <a:lstStyle/>
+                    <a:p>
+                      <a:pPr algn="ctr"/>
+                      <a:endParaRPr lang="pt-PT" sz="1400" dirty="0">
+                        <a:latin typeface="Verdana" panose="020B0604030504040204" pitchFamily="34" charset="0"/>
+                        <a:ea typeface="Verdana" panose="020B0604030504040204" pitchFamily="34" charset="0"/>
+                      </a:endParaRPr>
+                    </a:p>
+                  </a:txBody>
+                  <a:tcPr anchor="ctr"/>
+                </a:tc>
+                <a:extLst>
+                  <a:ext uri="{0D108BD9-81ED-4DB2-BD59-A6C34878D82A}">
+                    <a16:rowId xmlns:a16="http://schemas.microsoft.com/office/drawing/2014/main" val="2940923386"/>
+                  </a:ext>
+                </a:extLst>
+              </a:tr>
+              <a:tr h="342000">
+                <a:tc>
+                  <a:txBody>
+                    <a:bodyPr/>
+                    <a:lstStyle/>
+                    <a:p>
+                      <a:pPr marL="0" indent="0" algn="l">
+                        <a:buFont typeface="Arial" panose="020B0604020202020204" pitchFamily="34" charset="0"/>
+                        <a:buNone/>
+                      </a:pPr>
+                      <a:r>
+                        <a:rPr lang="en-US" sz="1400" dirty="0">
+                          <a:latin typeface="Verdana" panose="020B0604030504040204" pitchFamily="34" charset="0"/>
+                          <a:ea typeface="Verdana" panose="020B0604030504040204" pitchFamily="34" charset="0"/>
+                        </a:rPr>
+                        <a:t>1190800 - Leandro Sousa</a:t>
+                      </a:r>
+                    </a:p>
+                  </a:txBody>
+                  <a:tcPr anchor="ctr"/>
+                </a:tc>
+                <a:tc>
+                  <a:txBody>
+                    <a:bodyPr/>
+                    <a:lstStyle/>
+                    <a:p>
+                      <a:pPr algn="ctr"/>
+                      <a:endParaRPr lang="pt-PT" sz="1400" dirty="0">
+                        <a:latin typeface="Verdana" panose="020B0604030504040204" pitchFamily="34" charset="0"/>
+                        <a:ea typeface="Verdana" panose="020B0604030504040204" pitchFamily="34" charset="0"/>
+                      </a:endParaRPr>
+                    </a:p>
+                  </a:txBody>
+                  <a:tcPr anchor="ctr"/>
+                </a:tc>
+                <a:tc>
+                  <a:txBody>
+                    <a:bodyPr/>
+                    <a:lstStyle/>
+                    <a:p>
+                      <a:pPr algn="ctr"/>
+                      <a:endParaRPr lang="pt-PT" sz="1400" dirty="0">
+                        <a:latin typeface="Verdana" panose="020B0604030504040204" pitchFamily="34" charset="0"/>
+                        <a:ea typeface="Verdana" panose="020B0604030504040204" pitchFamily="34" charset="0"/>
+                      </a:endParaRPr>
+                    </a:p>
+                  </a:txBody>
+                  <a:tcPr anchor="ctr"/>
+                </a:tc>
+                <a:tc>
+                  <a:txBody>
+                    <a:bodyPr/>
+                    <a:lstStyle/>
+                    <a:p>
+                      <a:pPr algn="ctr"/>
+                      <a:endParaRPr lang="pt-PT" sz="1400" dirty="0">
+                        <a:latin typeface="Verdana" panose="020B0604030504040204" pitchFamily="34" charset="0"/>
+                        <a:ea typeface="Verdana" panose="020B0604030504040204" pitchFamily="34" charset="0"/>
+                      </a:endParaRPr>
+                    </a:p>
+                  </a:txBody>
+                  <a:tcPr anchor="ctr"/>
+                </a:tc>
+                <a:tc>
+                  <a:txBody>
+                    <a:bodyPr/>
+                    <a:lstStyle/>
+                    <a:p>
+                      <a:pPr algn="ctr"/>
+                      <a:endParaRPr lang="pt-PT" sz="1400" dirty="0">
+                        <a:latin typeface="Verdana" panose="020B0604030504040204" pitchFamily="34" charset="0"/>
+                        <a:ea typeface="Verdana" panose="020B0604030504040204" pitchFamily="34" charset="0"/>
+                      </a:endParaRPr>
+                    </a:p>
+                  </a:txBody>
+                  <a:tcPr anchor="ctr"/>
+                </a:tc>
+                <a:extLst>
+                  <a:ext uri="{0D108BD9-81ED-4DB2-BD59-A6C34878D82A}">
+                    <a16:rowId xmlns:a16="http://schemas.microsoft.com/office/drawing/2014/main" val="4135024"/>
+                  </a:ext>
+                </a:extLst>
+              </a:tr>
+              <a:tr h="343150">
+                <a:tc>
+                  <a:txBody>
+                    <a:bodyPr/>
+                    <a:lstStyle/>
+                    <a:p>
+                      <a:pPr marL="0" marR="0" lvl="0" indent="0" algn="l" defTabSz="914400" rtl="0" eaLnBrk="1" fontAlgn="auto" latinLnBrk="0" hangingPunct="1">
+                        <a:lnSpc>
+                          <a:spcPct val="100000"/>
+                        </a:lnSpc>
+                        <a:spcBef>
+                          <a:spcPts val="0"/>
+                        </a:spcBef>
+                        <a:spcAft>
+                          <a:spcPts val="0"/>
+                        </a:spcAft>
+                        <a:buClrTx/>
+                        <a:buSzTx/>
+                        <a:buFont typeface="Arial" panose="020B0604020202020204" pitchFamily="34" charset="0"/>
+                        <a:buNone/>
+                        <a:tabLst/>
+                        <a:defRPr/>
+                      </a:pPr>
+                      <a:r>
+                        <a:rPr lang="en-US" sz="1400" dirty="0">
+                          <a:latin typeface="Verdana" panose="020B0604030504040204" pitchFamily="34" charset="0"/>
+                          <a:ea typeface="Verdana" panose="020B0604030504040204" pitchFamily="34" charset="0"/>
+                        </a:rPr>
+                        <a:t>1191098 - Tiago Pinto</a:t>
+                      </a:r>
+                      <a:endParaRPr lang="pt-PT" sz="1400" dirty="0">
+                        <a:latin typeface="Verdana" panose="020B0604030504040204" pitchFamily="34" charset="0"/>
+                        <a:ea typeface="Verdana" panose="020B0604030504040204" pitchFamily="34" charset="0"/>
+                      </a:endParaRPr>
+                    </a:p>
+                  </a:txBody>
+                  <a:tcPr anchor="ctr"/>
+                </a:tc>
+                <a:tc>
+                  <a:txBody>
+                    <a:bodyPr/>
+                    <a:lstStyle/>
+                    <a:p>
+                      <a:pPr algn="ctr"/>
+                      <a:endParaRPr lang="pt-PT" sz="1400" dirty="0">
+                        <a:latin typeface="Verdana" panose="020B0604030504040204" pitchFamily="34" charset="0"/>
+                        <a:ea typeface="Verdana" panose="020B0604030504040204" pitchFamily="34" charset="0"/>
+                      </a:endParaRPr>
+                    </a:p>
+                  </a:txBody>
+                  <a:tcPr anchor="ctr"/>
+                </a:tc>
+                <a:tc>
+                  <a:txBody>
+                    <a:bodyPr/>
+                    <a:lstStyle/>
+                    <a:p>
+                      <a:pPr algn="ctr"/>
+                      <a:endParaRPr lang="pt-PT" sz="1400" dirty="0">
+                        <a:latin typeface="Verdana" panose="020B0604030504040204" pitchFamily="34" charset="0"/>
+                        <a:ea typeface="Verdana" panose="020B0604030504040204" pitchFamily="34" charset="0"/>
+                      </a:endParaRPr>
+                    </a:p>
+                  </a:txBody>
+                  <a:tcPr anchor="ctr"/>
+                </a:tc>
+                <a:tc>
+                  <a:txBody>
+                    <a:bodyPr/>
+                    <a:lstStyle/>
+                    <a:p>
+                      <a:pPr algn="ctr"/>
+                      <a:endParaRPr lang="pt-PT" sz="1400" dirty="0">
+                        <a:latin typeface="Verdana" panose="020B0604030504040204" pitchFamily="34" charset="0"/>
+                        <a:ea typeface="Verdana" panose="020B0604030504040204" pitchFamily="34" charset="0"/>
+                      </a:endParaRPr>
+                    </a:p>
+                  </a:txBody>
+                  <a:tcPr anchor="ctr"/>
+                </a:tc>
+                <a:tc>
+                  <a:txBody>
+                    <a:bodyPr/>
+                    <a:lstStyle/>
+                    <a:p>
+                      <a:pPr algn="ctr"/>
+                      <a:endParaRPr lang="pt-PT" sz="1400" dirty="0">
+                        <a:latin typeface="Verdana" panose="020B0604030504040204" pitchFamily="34" charset="0"/>
+                        <a:ea typeface="Verdana" panose="020B0604030504040204" pitchFamily="34" charset="0"/>
+                      </a:endParaRPr>
+                    </a:p>
+                  </a:txBody>
+                  <a:tcPr anchor="ctr"/>
+                </a:tc>
+                <a:extLst>
+                  <a:ext uri="{0D108BD9-81ED-4DB2-BD59-A6C34878D82A}">
+                    <a16:rowId xmlns:a16="http://schemas.microsoft.com/office/drawing/2014/main" val="2036538492"/>
+                  </a:ext>
+                </a:extLst>
+              </a:tr>
+            </a:tbl>
+          </a:graphicData>
+        </a:graphic>
+      </p:graphicFrame>
+      <p:sp>
+        <p:nvSpPr>
+          <p:cNvPr id="49" name="Google Shape;1056;p61">
+            <a:extLst>
+              <a:ext uri="{FF2B5EF4-FFF2-40B4-BE49-F238E27FC236}">
+                <a16:creationId xmlns:a16="http://schemas.microsoft.com/office/drawing/2014/main" id="{5B78CF30-37F0-4EDA-9771-E8E12A7F901B}"/>
+              </a:ext>
+            </a:extLst>
+          </p:cNvPr>
+          <p:cNvSpPr/>
+          <p:nvPr/>
+        </p:nvSpPr>
+        <p:spPr>
+          <a:xfrm rot="5400000">
+            <a:off x="5896291" y="4249793"/>
+            <a:ext cx="399416" cy="243355"/>
+          </a:xfrm>
+          <a:prstGeom prst="stripedRightArrow">
+            <a:avLst>
+              <a:gd name="adj1" fmla="val 50000"/>
+              <a:gd name="adj2" fmla="val 50000"/>
+            </a:avLst>
+          </a:prstGeom>
+          <a:solidFill>
+            <a:schemeClr val="tx1"/>
+          </a:solidFill>
+          <a:ln>
+            <a:noFill/>
+          </a:ln>
+        </p:spPr>
+        <p:txBody>
+          <a:bodyPr spcFirstLastPara="1" wrap="square" lIns="91425" tIns="91425" rIns="91425" bIns="91425" anchor="ctr" anchorCtr="0">
+            <a:noAutofit/>
+          </a:bodyPr>
+          <a:lstStyle/>
+          <a:p>
+            <a:pPr marL="0" lvl="0" indent="0" algn="l" rtl="0">
+              <a:spcBef>
+                <a:spcPts val="0"/>
+              </a:spcBef>
+              <a:spcAft>
+                <a:spcPts val="0"/>
+              </a:spcAft>
+              <a:buNone/>
+            </a:pPr>
+            <a:endParaRPr/>
+          </a:p>
+        </p:txBody>
+      </p:sp>
+      <p:sp>
+        <p:nvSpPr>
+          <p:cNvPr id="5" name="CaixaDeTexto 4">
+            <a:extLst>
+              <a:ext uri="{FF2B5EF4-FFF2-40B4-BE49-F238E27FC236}">
+                <a16:creationId xmlns:a16="http://schemas.microsoft.com/office/drawing/2014/main" id="{773123DD-E2AE-4A4E-AEDE-60ACB4A0E5F1}"/>
+              </a:ext>
+            </a:extLst>
+          </p:cNvPr>
+          <p:cNvSpPr txBox="1"/>
+          <p:nvPr/>
+        </p:nvSpPr>
+        <p:spPr>
+          <a:xfrm>
+            <a:off x="6217677" y="4197694"/>
+            <a:ext cx="1101392" cy="338554"/>
+          </a:xfrm>
+          <a:prstGeom prst="rect">
+            <a:avLst/>
+          </a:prstGeom>
+          <a:noFill/>
+        </p:spPr>
+        <p:txBody>
+          <a:bodyPr wrap="none" rtlCol="0">
+            <a:spAutoFit/>
+          </a:bodyPr>
+          <a:lstStyle/>
+          <a:p>
+            <a:r>
+              <a:rPr lang="pt-PT" sz="1600" dirty="0">
+                <a:latin typeface="Verdana" panose="020B0604030504040204" pitchFamily="34" charset="0"/>
+                <a:ea typeface="Verdana" panose="020B0604030504040204" pitchFamily="34" charset="0"/>
+              </a:rPr>
+              <a:t>Evolução</a:t>
+            </a:r>
+          </a:p>
+        </p:txBody>
+      </p:sp>
+    </p:spTree>
+    <p:extLst>
+      <p:ext uri="{BB962C8B-B14F-4D97-AF65-F5344CB8AC3E}">
+        <p14:creationId xmlns:p14="http://schemas.microsoft.com/office/powerpoint/2010/main" val="2114783133"/>
+      </p:ext>
+    </p:extLst>
+  </p:cSld>
+  <p:clrMapOvr>
+    <a:masterClrMapping/>
+  </p:clrMapOvr>
+</p:sld>
+</file>
+
+<file path=ppt/slides/slide2.xml><?xml version="1.0" encoding="utf-8"?>
 <p:sld xmlns:a="http://schemas.openxmlformats.org/drawingml/2006/main" xmlns:r="http://schemas.openxmlformats.org/officeDocument/2006/relationships" xmlns:p="http://schemas.openxmlformats.org/presentationml/2006/main">
   <p:cSld>
     <p:bg>
@@ -27076,7 +25158,7 @@
 </p:sld>
 </file>
 
-<file path=ppt/slides/slide5.xml><?xml version="1.0" encoding="utf-8"?>
+<file path=ppt/slides/slide3.xml><?xml version="1.0" encoding="utf-8"?>
 <p:sld xmlns:a="http://schemas.openxmlformats.org/drawingml/2006/main" xmlns:r="http://schemas.openxmlformats.org/officeDocument/2006/relationships" xmlns:p="http://schemas.openxmlformats.org/presentationml/2006/main">
   <p:cSld>
     <p:bg>
@@ -27431,7 +25513,7 @@
 </p:sld>
 </file>
 
-<file path=ppt/slides/slide6.xml><?xml version="1.0" encoding="utf-8"?>
+<file path=ppt/slides/slide4.xml><?xml version="1.0" encoding="utf-8"?>
 <p:sld xmlns:a="http://schemas.openxmlformats.org/drawingml/2006/main" xmlns:r="http://schemas.openxmlformats.org/officeDocument/2006/relationships" xmlns:p="http://schemas.openxmlformats.org/presentationml/2006/main">
   <p:cSld>
     <p:bg>
@@ -28172,7 +26254,7 @@
 </p:sld>
 </file>
 
-<file path=ppt/slides/slide7.xml><?xml version="1.0" encoding="utf-8"?>
+<file path=ppt/slides/slide5.xml><?xml version="1.0" encoding="utf-8"?>
 <p:sld xmlns:a="http://schemas.openxmlformats.org/drawingml/2006/main" xmlns:r="http://schemas.openxmlformats.org/officeDocument/2006/relationships" xmlns:p="http://schemas.openxmlformats.org/presentationml/2006/main">
   <p:cSld>
     <p:bg>
@@ -28462,7 +26544,7 @@
 </p:sld>
 </file>
 
-<file path=ppt/slides/slide8.xml><?xml version="1.0" encoding="utf-8"?>
+<file path=ppt/slides/slide6.xml><?xml version="1.0" encoding="utf-8"?>
 <p:sld xmlns:a="http://schemas.openxmlformats.org/drawingml/2006/main" xmlns:r="http://schemas.openxmlformats.org/officeDocument/2006/relationships" xmlns:p="http://schemas.openxmlformats.org/presentationml/2006/main">
   <p:cSld>
     <p:bg>
@@ -28862,7 +26944,7 @@
 </p:sld>
 </file>
 
-<file path=ppt/slides/slide9.xml><?xml version="1.0" encoding="utf-8"?>
+<file path=ppt/slides/slide7.xml><?xml version="1.0" encoding="utf-8"?>
 <p:sld xmlns:a="http://schemas.openxmlformats.org/drawingml/2006/main" xmlns:r="http://schemas.openxmlformats.org/officeDocument/2006/relationships" xmlns:p="http://schemas.openxmlformats.org/presentationml/2006/main">
   <p:cSld>
     <p:bg>
@@ -29274,6 +27356,175 @@
 </p:sld>
 </file>
 
+<file path=ppt/slides/slide8.xml><?xml version="1.0" encoding="utf-8"?>
+<p:sld xmlns:a="http://schemas.openxmlformats.org/drawingml/2006/main" xmlns:r="http://schemas.openxmlformats.org/officeDocument/2006/relationships" xmlns:p="http://schemas.openxmlformats.org/presentationml/2006/main">
+  <p:cSld>
+    <p:spTree>
+      <p:nvGrpSpPr>
+        <p:cNvPr id="1" name=""/>
+        <p:cNvGrpSpPr/>
+        <p:nvPr/>
+      </p:nvGrpSpPr>
+      <p:grpSpPr>
+        <a:xfrm>
+          <a:off x="0" y="0"/>
+          <a:ext cx="0" cy="0"/>
+          <a:chOff x="0" y="0"/>
+          <a:chExt cx="0" cy="0"/>
+        </a:xfrm>
+      </p:grpSpPr>
+      <p:sp>
+        <p:nvSpPr>
+          <p:cNvPr id="2" name="Título 1">
+            <a:extLst>
+              <a:ext uri="{FF2B5EF4-FFF2-40B4-BE49-F238E27FC236}">
+                <a16:creationId xmlns:a16="http://schemas.microsoft.com/office/drawing/2014/main" id="{DFF8C41E-FD67-43D8-8210-3E59477D7582}"/>
+              </a:ext>
+            </a:extLst>
+          </p:cNvPr>
+          <p:cNvSpPr>
+            <a:spLocks noGrp="1"/>
+          </p:cNvSpPr>
+          <p:nvPr>
+            <p:ph type="title"/>
+          </p:nvPr>
+        </p:nvSpPr>
+        <p:spPr/>
+        <p:txBody>
+          <a:bodyPr/>
+          <a:lstStyle/>
+          <a:p>
+            <a:r>
+              <a:rPr lang="pt-PT" dirty="0"/>
+              <a:t>Resultados Esperados</a:t>
+            </a:r>
+          </a:p>
+        </p:txBody>
+      </p:sp>
+      <p:sp>
+        <p:nvSpPr>
+          <p:cNvPr id="3" name="Marcador de Posição de Conteúdo 2">
+            <a:extLst>
+              <a:ext uri="{FF2B5EF4-FFF2-40B4-BE49-F238E27FC236}">
+                <a16:creationId xmlns:a16="http://schemas.microsoft.com/office/drawing/2014/main" id="{CC93A80D-FB45-4ABC-AA08-F12267EA0C47}"/>
+              </a:ext>
+            </a:extLst>
+          </p:cNvPr>
+          <p:cNvSpPr>
+            <a:spLocks noGrp="1"/>
+          </p:cNvSpPr>
+          <p:nvPr>
+            <p:ph idx="1"/>
+          </p:nvPr>
+        </p:nvSpPr>
+        <p:spPr/>
+        <p:txBody>
+          <a:bodyPr/>
+          <a:lstStyle/>
+          <a:p>
+            <a:endParaRPr lang="pt-PT"/>
+          </a:p>
+        </p:txBody>
+      </p:sp>
+    </p:spTree>
+    <p:extLst>
+      <p:ext uri="{BB962C8B-B14F-4D97-AF65-F5344CB8AC3E}">
+        <p14:creationId xmlns:p14="http://schemas.microsoft.com/office/powerpoint/2010/main" val="414264918"/>
+      </p:ext>
+    </p:extLst>
+  </p:cSld>
+  <p:clrMapOvr>
+    <a:masterClrMapping/>
+  </p:clrMapOvr>
+</p:sld>
+</file>
+
+<file path=ppt/slides/slide9.xml><?xml version="1.0" encoding="utf-8"?>
+<p:sld xmlns:a="http://schemas.openxmlformats.org/drawingml/2006/main" xmlns:r="http://schemas.openxmlformats.org/officeDocument/2006/relationships" xmlns:p="http://schemas.openxmlformats.org/presentationml/2006/main">
+  <p:cSld>
+    <p:spTree>
+      <p:nvGrpSpPr>
+        <p:cNvPr id="1" name=""/>
+        <p:cNvGrpSpPr/>
+        <p:nvPr/>
+      </p:nvGrpSpPr>
+      <p:grpSpPr>
+        <a:xfrm>
+          <a:off x="0" y="0"/>
+          <a:ext cx="0" cy="0"/>
+          <a:chOff x="0" y="0"/>
+          <a:chExt cx="0" cy="0"/>
+        </a:xfrm>
+      </p:grpSpPr>
+      <p:sp>
+        <p:nvSpPr>
+          <p:cNvPr id="2" name="Título 1">
+            <a:extLst>
+              <a:ext uri="{FF2B5EF4-FFF2-40B4-BE49-F238E27FC236}">
+                <a16:creationId xmlns:a16="http://schemas.microsoft.com/office/drawing/2014/main" id="{587C1740-8B4F-4245-B44C-68DC450B6EF5}"/>
+              </a:ext>
+            </a:extLst>
+          </p:cNvPr>
+          <p:cNvSpPr>
+            <a:spLocks noGrp="1"/>
+          </p:cNvSpPr>
+          <p:nvPr>
+            <p:ph type="title"/>
+          </p:nvPr>
+        </p:nvSpPr>
+        <p:spPr/>
+        <p:txBody>
+          <a:bodyPr/>
+          <a:lstStyle/>
+          <a:p>
+            <a:r>
+              <a:rPr lang="pt-PT" dirty="0"/>
+              <a:t>Qualidade do produto</a:t>
+            </a:r>
+          </a:p>
+        </p:txBody>
+      </p:sp>
+      <p:sp>
+        <p:nvSpPr>
+          <p:cNvPr id="3" name="Marcador de Posição de Conteúdo 2">
+            <a:extLst>
+              <a:ext uri="{FF2B5EF4-FFF2-40B4-BE49-F238E27FC236}">
+                <a16:creationId xmlns:a16="http://schemas.microsoft.com/office/drawing/2014/main" id="{F57C5968-907C-429F-9939-18725F2546B1}"/>
+              </a:ext>
+            </a:extLst>
+          </p:cNvPr>
+          <p:cNvSpPr>
+            <a:spLocks noGrp="1"/>
+          </p:cNvSpPr>
+          <p:nvPr>
+            <p:ph idx="1"/>
+          </p:nvPr>
+        </p:nvSpPr>
+        <p:spPr/>
+        <p:txBody>
+          <a:bodyPr/>
+          <a:lstStyle/>
+          <a:p>
+            <a:pPr marL="0" indent="0">
+              <a:buNone/>
+            </a:pPr>
+            <a:endParaRPr lang="pt-PT" dirty="0"/>
+          </a:p>
+        </p:txBody>
+      </p:sp>
+    </p:spTree>
+    <p:extLst>
+      <p:ext uri="{BB962C8B-B14F-4D97-AF65-F5344CB8AC3E}">
+        <p14:creationId xmlns:p14="http://schemas.microsoft.com/office/powerpoint/2010/main" val="3309306494"/>
+      </p:ext>
+    </p:extLst>
+  </p:cSld>
+  <p:clrMapOvr>
+    <a:masterClrMapping/>
+  </p:clrMapOvr>
+</p:sld>
+</file>
+
 <file path=ppt/theme/theme1.xml><?xml version="1.0" encoding="utf-8"?>
 <a:theme xmlns:a="http://schemas.openxmlformats.org/drawingml/2006/main" name="AccentBoxVTI">
   <a:themeElements>
